--- a/Leçon chimie/LC 1/LC1-Pres-Séparation, purification contrpole de pureté.pptx
+++ b/Leçon chimie/LC 1/LC1-Pres-Séparation, purification contrpole de pureté.pptx
@@ -6,27 +6,31 @@
     <p:sldMasterId id="2147483709" r:id="rId2"/>
   </p:sldMasterIdLst>
   <p:notesMasterIdLst>
-    <p:notesMasterId r:id="rId21"/>
+    <p:notesMasterId r:id="rId25"/>
   </p:notesMasterIdLst>
   <p:sldIdLst>
     <p:sldId id="269" r:id="rId3"/>
     <p:sldId id="271" r:id="rId4"/>
     <p:sldId id="260" r:id="rId5"/>
-    <p:sldId id="274" r:id="rId6"/>
-    <p:sldId id="280" r:id="rId7"/>
-    <p:sldId id="261" r:id="rId8"/>
-    <p:sldId id="281" r:id="rId9"/>
-    <p:sldId id="282" r:id="rId10"/>
-    <p:sldId id="262" r:id="rId11"/>
-    <p:sldId id="277" r:id="rId12"/>
-    <p:sldId id="263" r:id="rId13"/>
-    <p:sldId id="264" r:id="rId14"/>
-    <p:sldId id="265" r:id="rId15"/>
-    <p:sldId id="266" r:id="rId16"/>
-    <p:sldId id="267" r:id="rId17"/>
-    <p:sldId id="268" r:id="rId18"/>
-    <p:sldId id="275" r:id="rId19"/>
-    <p:sldId id="284" r:id="rId20"/>
+    <p:sldId id="286" r:id="rId6"/>
+    <p:sldId id="274" r:id="rId7"/>
+    <p:sldId id="280" r:id="rId8"/>
+    <p:sldId id="261" r:id="rId9"/>
+    <p:sldId id="281" r:id="rId10"/>
+    <p:sldId id="282" r:id="rId11"/>
+    <p:sldId id="262" r:id="rId12"/>
+    <p:sldId id="288" r:id="rId13"/>
+    <p:sldId id="289" r:id="rId14"/>
+    <p:sldId id="277" r:id="rId15"/>
+    <p:sldId id="263" r:id="rId16"/>
+    <p:sldId id="287" r:id="rId17"/>
+    <p:sldId id="264" r:id="rId18"/>
+    <p:sldId id="265" r:id="rId19"/>
+    <p:sldId id="266" r:id="rId20"/>
+    <p:sldId id="267" r:id="rId21"/>
+    <p:sldId id="268" r:id="rId22"/>
+    <p:sldId id="275" r:id="rId23"/>
+    <p:sldId id="284" r:id="rId24"/>
   </p:sldIdLst>
   <p:sldSz cx="9144000" cy="5145088"/>
   <p:notesSz cx="7559675" cy="10691813"/>
@@ -127,7 +131,7 @@
   </p:defaultTextStyle>
   <p:extLst>
     <p:ext uri="{EFAFB233-063F-42B5-8137-9DF3F51BA10A}">
-      <p15:sldGuideLst xmlns:p15="http://schemas.microsoft.com/office/powerpoint/2012/main" xmlns=""/>
+      <p15:sldGuideLst xmlns="" xmlns:p15="http://schemas.microsoft.com/office/powerpoint/2012/main"/>
     </p:ext>
   </p:extLst>
 </p:presentation>
@@ -215,7 +219,7 @@
           <a:p>
             <a:fld id="{E92782F5-A916-4653-9283-0B21DAE59FD2}" type="datetimeFigureOut">
               <a:rPr lang="fr-FR" smtClean="0"/>
-              <a:t>27/04/20</a:t>
+              <a:t>18/06/20</a:t>
             </a:fld>
             <a:endParaRPr lang="fr-FR"/>
           </a:p>
@@ -623,7 +627,7 @@
           <p:cNvPr id="8" name="Title Placeholder 1">
             <a:extLst>
               <a:ext uri="{FF2B5EF4-FFF2-40B4-BE49-F238E27FC236}">
-                <a16:creationId xmlns:a16="http://schemas.microsoft.com/office/drawing/2014/main" xmlns="" id="{5FE470C6-3407-4B39-9256-D7CBAE76B648}"/>
+                <a16:creationId xmlns="" xmlns:a16="http://schemas.microsoft.com/office/drawing/2014/main" id="{5FE470C6-3407-4B39-9256-D7CBAE76B648}"/>
               </a:ext>
             </a:extLst>
           </p:cNvPr>
@@ -666,7 +670,7 @@
           <p:cNvPr id="11" name="ZoneTexte 10">
             <a:extLst>
               <a:ext uri="{FF2B5EF4-FFF2-40B4-BE49-F238E27FC236}">
-                <a16:creationId xmlns:a16="http://schemas.microsoft.com/office/drawing/2014/main" xmlns="" id="{893E4BC1-6F4E-4747-84E8-D99E0587545F}"/>
+                <a16:creationId xmlns="" xmlns:a16="http://schemas.microsoft.com/office/drawing/2014/main" id="{893E4BC1-6F4E-4747-84E8-D99E0587545F}"/>
               </a:ext>
             </a:extLst>
           </p:cNvPr>
@@ -1073,7 +1077,7 @@
           <p:cNvPr id="2" name="Espace réservé de la date 1">
             <a:extLst>
               <a:ext uri="{FF2B5EF4-FFF2-40B4-BE49-F238E27FC236}">
-                <a16:creationId xmlns:a16="http://schemas.microsoft.com/office/drawing/2014/main" xmlns="" id="{430BB340-92EF-43B9-BE99-0C095EF5B3B0}"/>
+                <a16:creationId xmlns="" xmlns:a16="http://schemas.microsoft.com/office/drawing/2014/main" id="{430BB340-92EF-43B9-BE99-0C095EF5B3B0}"/>
               </a:ext>
             </a:extLst>
           </p:cNvPr>
@@ -1099,7 +1103,7 @@
           <a:p>
             <a:fld id="{655265B9-DAA2-4C29-9ADE-8E6DD2E190EF}" type="datetimeFigureOut">
               <a:rPr lang="fr-FR" smtClean="0"/>
-              <a:t>27/04/20</a:t>
+              <a:t>18/06/20</a:t>
             </a:fld>
             <a:endParaRPr lang="fr-FR"/>
           </a:p>
@@ -1110,7 +1114,7 @@
           <p:cNvPr id="3" name="Espace réservé du pied de page 2">
             <a:extLst>
               <a:ext uri="{FF2B5EF4-FFF2-40B4-BE49-F238E27FC236}">
-                <a16:creationId xmlns:a16="http://schemas.microsoft.com/office/drawing/2014/main" xmlns="" id="{47F4A6E6-DDA2-43C8-B25D-7397C96E95E3}"/>
+                <a16:creationId xmlns="" xmlns:a16="http://schemas.microsoft.com/office/drawing/2014/main" id="{47F4A6E6-DDA2-43C8-B25D-7397C96E95E3}"/>
               </a:ext>
             </a:extLst>
           </p:cNvPr>
@@ -1143,7 +1147,7 @@
           <p:cNvPr id="4" name="Espace réservé du numéro de diapositive 3">
             <a:extLst>
               <a:ext uri="{FF2B5EF4-FFF2-40B4-BE49-F238E27FC236}">
-                <a16:creationId xmlns:a16="http://schemas.microsoft.com/office/drawing/2014/main" xmlns="" id="{F6485A25-6533-41DA-A34A-1816D5BC0550}"/>
+                <a16:creationId xmlns="" xmlns:a16="http://schemas.microsoft.com/office/drawing/2014/main" id="{F6485A25-6533-41DA-A34A-1816D5BC0550}"/>
               </a:ext>
             </a:extLst>
           </p:cNvPr>
@@ -1302,7 +1306,7 @@
           <p:cNvPr id="7" name="Connecteur droit 6">
             <a:extLst>
               <a:ext uri="{FF2B5EF4-FFF2-40B4-BE49-F238E27FC236}">
-                <a16:creationId xmlns:a16="http://schemas.microsoft.com/office/drawing/2014/main" xmlns="" id="{C9E5BD84-DC66-4CA9-B14F-F778A3BA3AF2}"/>
+                <a16:creationId xmlns="" xmlns:a16="http://schemas.microsoft.com/office/drawing/2014/main" id="{C9E5BD84-DC66-4CA9-B14F-F778A3BA3AF2}"/>
               </a:ext>
             </a:extLst>
           </p:cNvPr>
@@ -1346,7 +1350,7 @@
           <p:cNvPr id="8" name="Title Placeholder 1">
             <a:extLst>
               <a:ext uri="{FF2B5EF4-FFF2-40B4-BE49-F238E27FC236}">
-                <a16:creationId xmlns:a16="http://schemas.microsoft.com/office/drawing/2014/main" xmlns="" id="{5FE470C6-3407-4B39-9256-D7CBAE76B648}"/>
+                <a16:creationId xmlns="" xmlns:a16="http://schemas.microsoft.com/office/drawing/2014/main" id="{5FE470C6-3407-4B39-9256-D7CBAE76B648}"/>
               </a:ext>
             </a:extLst>
           </p:cNvPr>
@@ -2522,6 +2526,1029 @@
       </p:grpSpPr>
       <p:sp>
         <p:nvSpPr>
+          <p:cNvPr id="2" name="Espace réservé du numéro de diapositive 1">
+            <a:extLst>
+              <a:ext uri="{FF2B5EF4-FFF2-40B4-BE49-F238E27FC236}">
+                <a16:creationId xmlns="" xmlns:a16="http://schemas.microsoft.com/office/drawing/2014/main" id="{F1FC155D-7866-4011-B11C-ED8147310944}"/>
+              </a:ext>
+            </a:extLst>
+          </p:cNvPr>
+          <p:cNvSpPr>
+            <a:spLocks noGrp="1"/>
+          </p:cNvSpPr>
+          <p:nvPr>
+            <p:ph type="sldNum" sz="quarter" idx="12"/>
+          </p:nvPr>
+        </p:nvSpPr>
+        <p:spPr/>
+        <p:txBody>
+          <a:bodyPr/>
+          <a:lstStyle/>
+          <a:p>
+            <a:fld id="{4FAB73BC-B049-4115-A692-8D63A059BFB8}" type="slidenum">
+              <a:rPr lang="en-US" smtClean="0"/>
+              <a:pPr/>
+              <a:t>10</a:t>
+            </a:fld>
+            <a:endParaRPr lang="en-US" dirty="0"/>
+          </a:p>
+        </p:txBody>
+      </p:sp>
+      <p:sp>
+        <p:nvSpPr>
+          <p:cNvPr id="3" name="Titre 2">
+            <a:extLst>
+              <a:ext uri="{FF2B5EF4-FFF2-40B4-BE49-F238E27FC236}">
+                <a16:creationId xmlns="" xmlns:a16="http://schemas.microsoft.com/office/drawing/2014/main" id="{66BB1BFB-8F92-4AF1-A11C-1E0ED415BAF6}"/>
+              </a:ext>
+            </a:extLst>
+          </p:cNvPr>
+          <p:cNvSpPr>
+            <a:spLocks noGrp="1"/>
+          </p:cNvSpPr>
+          <p:nvPr>
+            <p:ph type="title"/>
+          </p:nvPr>
+        </p:nvSpPr>
+        <p:spPr>
+          <a:xfrm>
+            <a:off x="485135" y="108773"/>
+            <a:ext cx="7543800" cy="694497"/>
+          </a:xfrm>
+        </p:spPr>
+        <p:txBody>
+          <a:bodyPr/>
+          <a:lstStyle/>
+          <a:p>
+            <a:r>
+              <a:rPr lang="fr-FR" dirty="0"/>
+              <a:t>Séparation solide-liquide</a:t>
+            </a:r>
+          </a:p>
+        </p:txBody>
+      </p:sp>
+      <p:pic>
+        <p:nvPicPr>
+          <p:cNvPr id="4" name="Image 3">
+            <a:extLst>
+              <a:ext uri="{FF2B5EF4-FFF2-40B4-BE49-F238E27FC236}">
+                <a16:creationId xmlns="" xmlns:a16="http://schemas.microsoft.com/office/drawing/2014/main" id="{0220AADC-D33C-4AE3-9893-6C9712747D4A}"/>
+              </a:ext>
+            </a:extLst>
+          </p:cNvPr>
+          <p:cNvPicPr>
+            <a:picLocks noChangeAspect="1"/>
+          </p:cNvPicPr>
+          <p:nvPr/>
+        </p:nvPicPr>
+        <p:blipFill>
+          <a:blip r:embed="rId2">
+            <a:extLst>
+              <a:ext uri="{28A0092B-C50C-407E-A947-70E740481C1C}">
+                <a14:useLocalDpi xmlns:a14="http://schemas.microsoft.com/office/drawing/2010/main" val="0"/>
+              </a:ext>
+            </a:extLst>
+          </a:blip>
+          <a:stretch>
+            <a:fillRect/>
+          </a:stretch>
+        </p:blipFill>
+        <p:spPr>
+          <a:xfrm>
+            <a:off x="5222109" y="1122951"/>
+            <a:ext cx="2639171" cy="3581733"/>
+          </a:xfrm>
+          <a:prstGeom prst="rect">
+            <a:avLst/>
+          </a:prstGeom>
+        </p:spPr>
+      </p:pic>
+      <p:pic>
+        <p:nvPicPr>
+          <p:cNvPr id="5" name="Image 4"/>
+          <p:cNvPicPr>
+            <a:picLocks noChangeAspect="1"/>
+          </p:cNvPicPr>
+          <p:nvPr/>
+        </p:nvPicPr>
+        <p:blipFill>
+          <a:blip r:embed="rId3"/>
+          <a:stretch>
+            <a:fillRect/>
+          </a:stretch>
+        </p:blipFill>
+        <p:spPr>
+          <a:xfrm>
+            <a:off x="3403927" y="1715378"/>
+            <a:ext cx="1104900" cy="1612900"/>
+          </a:xfrm>
+          <a:prstGeom prst="rect">
+            <a:avLst/>
+          </a:prstGeom>
+        </p:spPr>
+      </p:pic>
+      <p:cxnSp>
+        <p:nvCxnSpPr>
+          <p:cNvPr id="6" name="Connecteur droit 5"/>
+          <p:cNvCxnSpPr/>
+          <p:nvPr/>
+        </p:nvCxnSpPr>
+        <p:spPr>
+          <a:xfrm>
+            <a:off x="3541289" y="2895739"/>
+            <a:ext cx="851061" cy="13092"/>
+          </a:xfrm>
+          <a:prstGeom prst="line">
+            <a:avLst/>
+          </a:prstGeom>
+          <a:ln>
+            <a:solidFill>
+              <a:srgbClr val="000000"/>
+            </a:solidFill>
+          </a:ln>
+        </p:spPr>
+        <p:style>
+          <a:lnRef idx="2">
+            <a:schemeClr val="accent1"/>
+          </a:lnRef>
+          <a:fillRef idx="0">
+            <a:schemeClr val="accent1"/>
+          </a:fillRef>
+          <a:effectRef idx="1">
+            <a:schemeClr val="accent1"/>
+          </a:effectRef>
+          <a:fontRef idx="minor">
+            <a:schemeClr val="tx1"/>
+          </a:fontRef>
+        </p:style>
+      </p:cxnSp>
+      <p:sp>
+        <p:nvSpPr>
+          <p:cNvPr id="7" name="Triangle isocèle 6"/>
+          <p:cNvSpPr/>
+          <p:nvPr/>
+        </p:nvSpPr>
+        <p:spPr>
+          <a:xfrm>
+            <a:off x="3528194" y="3105209"/>
+            <a:ext cx="759410" cy="170193"/>
+          </a:xfrm>
+          <a:prstGeom prst="triangle">
+            <a:avLst/>
+          </a:prstGeom>
+          <a:solidFill>
+            <a:schemeClr val="bg1">
+              <a:lumMod val="65000"/>
+            </a:schemeClr>
+          </a:solidFill>
+          <a:ln>
+            <a:noFill/>
+          </a:ln>
+        </p:spPr>
+        <p:style>
+          <a:lnRef idx="2">
+            <a:schemeClr val="accent1">
+              <a:shade val="50000"/>
+            </a:schemeClr>
+          </a:lnRef>
+          <a:fillRef idx="1">
+            <a:schemeClr val="accent1"/>
+          </a:fillRef>
+          <a:effectRef idx="0">
+            <a:schemeClr val="accent1"/>
+          </a:effectRef>
+          <a:fontRef idx="minor">
+            <a:schemeClr val="lt1"/>
+          </a:fontRef>
+        </p:style>
+        <p:txBody>
+          <a:bodyPr rtlCol="0" anchor="ctr"/>
+          <a:lstStyle/>
+          <a:p>
+            <a:pPr algn="ctr"/>
+            <a:endParaRPr lang="fr-FR"/>
+          </a:p>
+        </p:txBody>
+      </p:sp>
+      <p:sp>
+        <p:nvSpPr>
+          <p:cNvPr id="8" name="Rectangle 7"/>
+          <p:cNvSpPr/>
+          <p:nvPr/>
+        </p:nvSpPr>
+        <p:spPr>
+          <a:xfrm>
+            <a:off x="365091" y="3030532"/>
+            <a:ext cx="2344099" cy="369332"/>
+          </a:xfrm>
+          <a:prstGeom prst="rect">
+            <a:avLst/>
+          </a:prstGeom>
+        </p:spPr>
+        <p:txBody>
+          <a:bodyPr wrap="none">
+            <a:spAutoFit/>
+          </a:bodyPr>
+          <a:lstStyle/>
+          <a:p>
+            <a:pPr lvl="0"/>
+            <a:r>
+              <a:rPr lang="fr-FR" dirty="0"/>
+              <a:t>Acide benzoïque solide</a:t>
+            </a:r>
+          </a:p>
+        </p:txBody>
+      </p:sp>
+      <p:cxnSp>
+        <p:nvCxnSpPr>
+          <p:cNvPr id="9" name="Connecteur droit avec flèche 8"/>
+          <p:cNvCxnSpPr/>
+          <p:nvPr/>
+        </p:nvCxnSpPr>
+        <p:spPr>
+          <a:xfrm>
+            <a:off x="2782252" y="3235629"/>
+            <a:ext cx="1039742" cy="0"/>
+          </a:xfrm>
+          <a:prstGeom prst="straightConnector1">
+            <a:avLst/>
+          </a:prstGeom>
+          <a:ln>
+            <a:solidFill>
+              <a:srgbClr val="000000"/>
+            </a:solidFill>
+            <a:tailEnd type="arrow"/>
+          </a:ln>
+        </p:spPr>
+        <p:style>
+          <a:lnRef idx="2">
+            <a:schemeClr val="accent1"/>
+          </a:lnRef>
+          <a:fillRef idx="0">
+            <a:schemeClr val="accent1"/>
+          </a:fillRef>
+          <a:effectRef idx="1">
+            <a:schemeClr val="accent1"/>
+          </a:effectRef>
+          <a:fontRef idx="minor">
+            <a:schemeClr val="tx1"/>
+          </a:fontRef>
+        </p:style>
+      </p:cxnSp>
+      <p:sp>
+        <p:nvSpPr>
+          <p:cNvPr id="12" name="Demi-tour 11"/>
+          <p:cNvSpPr/>
+          <p:nvPr/>
+        </p:nvSpPr>
+        <p:spPr>
+          <a:xfrm>
+            <a:off x="3893209" y="798881"/>
+            <a:ext cx="3477777" cy="600887"/>
+          </a:xfrm>
+          <a:prstGeom prst="uturnArrow">
+            <a:avLst/>
+          </a:prstGeom>
+          <a:solidFill>
+            <a:srgbClr val="CA7362"/>
+          </a:solidFill>
+          <a:ln>
+            <a:noFill/>
+          </a:ln>
+        </p:spPr>
+        <p:style>
+          <a:lnRef idx="2">
+            <a:schemeClr val="accent1">
+              <a:shade val="50000"/>
+            </a:schemeClr>
+          </a:lnRef>
+          <a:fillRef idx="1">
+            <a:schemeClr val="accent1"/>
+          </a:fillRef>
+          <a:effectRef idx="0">
+            <a:schemeClr val="accent1"/>
+          </a:effectRef>
+          <a:fontRef idx="minor">
+            <a:schemeClr val="lt1"/>
+          </a:fontRef>
+        </p:style>
+        <p:txBody>
+          <a:bodyPr rtlCol="0" anchor="ctr"/>
+          <a:lstStyle/>
+          <a:p>
+            <a:pPr algn="ctr"/>
+            <a:endParaRPr lang="fr-FR">
+              <a:solidFill>
+                <a:schemeClr val="tx1"/>
+              </a:solidFill>
+            </a:endParaRPr>
+          </a:p>
+        </p:txBody>
+      </p:sp>
+      <p:sp>
+        <p:nvSpPr>
+          <p:cNvPr id="13" name="ZoneTexte 12"/>
+          <p:cNvSpPr txBox="1"/>
+          <p:nvPr/>
+        </p:nvSpPr>
+        <p:spPr>
+          <a:xfrm>
+            <a:off x="2872429" y="3513136"/>
+            <a:ext cx="2063786" cy="923330"/>
+          </a:xfrm>
+          <a:prstGeom prst="rect">
+            <a:avLst/>
+          </a:prstGeom>
+          <a:noFill/>
+        </p:spPr>
+        <p:txBody>
+          <a:bodyPr wrap="none" rtlCol="0">
+            <a:spAutoFit/>
+          </a:bodyPr>
+          <a:lstStyle/>
+          <a:p>
+            <a:pPr algn="ctr"/>
+            <a:r>
+              <a:rPr lang="fr-FR" dirty="0" smtClean="0">
+                <a:solidFill>
+                  <a:srgbClr val="CA7362"/>
+                </a:solidFill>
+              </a:rPr>
+              <a:t>Puis </a:t>
+            </a:r>
+          </a:p>
+          <a:p>
+            <a:pPr algn="ctr"/>
+            <a:endParaRPr lang="fr-FR" dirty="0"/>
+          </a:p>
+          <a:p>
+            <a:pPr algn="ctr"/>
+            <a:r>
+              <a:rPr lang="fr-FR" dirty="0" smtClean="0"/>
+              <a:t>lavage avec de l’eau</a:t>
+            </a:r>
+            <a:endParaRPr lang="fr-FR" dirty="0"/>
+          </a:p>
+        </p:txBody>
+      </p:sp>
+    </p:spTree>
+    <p:extLst>
+      <p:ext uri="{BB962C8B-B14F-4D97-AF65-F5344CB8AC3E}">
+        <p14:creationId xmlns:p14="http://schemas.microsoft.com/office/powerpoint/2010/main" val="1420676724"/>
+      </p:ext>
+    </p:extLst>
+  </p:cSld>
+  <p:clrMapOvr>
+    <a:masterClrMapping/>
+  </p:clrMapOvr>
+</p:sld>
+</file>
+
+<file path=ppt/slides/slide11.xml><?xml version="1.0" encoding="utf-8"?>
+<p:sld xmlns:a="http://schemas.openxmlformats.org/drawingml/2006/main" xmlns:r="http://schemas.openxmlformats.org/officeDocument/2006/relationships" xmlns:p="http://schemas.openxmlformats.org/presentationml/2006/main">
+  <p:cSld>
+    <p:spTree>
+      <p:nvGrpSpPr>
+        <p:cNvPr id="1" name=""/>
+        <p:cNvGrpSpPr/>
+        <p:nvPr/>
+      </p:nvGrpSpPr>
+      <p:grpSpPr>
+        <a:xfrm>
+          <a:off x="0" y="0"/>
+          <a:ext cx="0" cy="0"/>
+          <a:chOff x="0" y="0"/>
+          <a:chExt cx="0" cy="0"/>
+        </a:xfrm>
+      </p:grpSpPr>
+      <p:sp>
+        <p:nvSpPr>
+          <p:cNvPr id="2" name="Espace réservé du numéro de diapositive 1">
+            <a:extLst>
+              <a:ext uri="{FF2B5EF4-FFF2-40B4-BE49-F238E27FC236}">
+                <a16:creationId xmlns="" xmlns:a16="http://schemas.microsoft.com/office/drawing/2014/main" id="{F1FC155D-7866-4011-B11C-ED8147310944}"/>
+              </a:ext>
+            </a:extLst>
+          </p:cNvPr>
+          <p:cNvSpPr>
+            <a:spLocks noGrp="1"/>
+          </p:cNvSpPr>
+          <p:nvPr>
+            <p:ph type="sldNum" sz="quarter" idx="12"/>
+          </p:nvPr>
+        </p:nvSpPr>
+        <p:spPr/>
+        <p:txBody>
+          <a:bodyPr/>
+          <a:lstStyle/>
+          <a:p>
+            <a:fld id="{4FAB73BC-B049-4115-A692-8D63A059BFB8}" type="slidenum">
+              <a:rPr lang="en-US" smtClean="0"/>
+              <a:pPr/>
+              <a:t>11</a:t>
+            </a:fld>
+            <a:endParaRPr lang="en-US" dirty="0"/>
+          </a:p>
+        </p:txBody>
+      </p:sp>
+      <p:sp>
+        <p:nvSpPr>
+          <p:cNvPr id="3" name="Titre 2">
+            <a:extLst>
+              <a:ext uri="{FF2B5EF4-FFF2-40B4-BE49-F238E27FC236}">
+                <a16:creationId xmlns="" xmlns:a16="http://schemas.microsoft.com/office/drawing/2014/main" id="{66BB1BFB-8F92-4AF1-A11C-1E0ED415BAF6}"/>
+              </a:ext>
+            </a:extLst>
+          </p:cNvPr>
+          <p:cNvSpPr>
+            <a:spLocks noGrp="1"/>
+          </p:cNvSpPr>
+          <p:nvPr>
+            <p:ph type="title"/>
+          </p:nvPr>
+        </p:nvSpPr>
+        <p:spPr>
+          <a:xfrm>
+            <a:off x="485135" y="108773"/>
+            <a:ext cx="7543800" cy="694497"/>
+          </a:xfrm>
+        </p:spPr>
+        <p:txBody>
+          <a:bodyPr/>
+          <a:lstStyle/>
+          <a:p>
+            <a:r>
+              <a:rPr lang="fr-FR" dirty="0"/>
+              <a:t>Séparation solide-liquide</a:t>
+            </a:r>
+          </a:p>
+        </p:txBody>
+      </p:sp>
+      <p:pic>
+        <p:nvPicPr>
+          <p:cNvPr id="4" name="Image 3">
+            <a:extLst>
+              <a:ext uri="{FF2B5EF4-FFF2-40B4-BE49-F238E27FC236}">
+                <a16:creationId xmlns="" xmlns:a16="http://schemas.microsoft.com/office/drawing/2014/main" id="{0220AADC-D33C-4AE3-9893-6C9712747D4A}"/>
+              </a:ext>
+            </a:extLst>
+          </p:cNvPr>
+          <p:cNvPicPr>
+            <a:picLocks noChangeAspect="1"/>
+          </p:cNvPicPr>
+          <p:nvPr/>
+        </p:nvPicPr>
+        <p:blipFill>
+          <a:blip r:embed="rId2">
+            <a:extLst>
+              <a:ext uri="{28A0092B-C50C-407E-A947-70E740481C1C}">
+                <a14:useLocalDpi xmlns:a14="http://schemas.microsoft.com/office/drawing/2010/main" val="0"/>
+              </a:ext>
+            </a:extLst>
+          </a:blip>
+          <a:stretch>
+            <a:fillRect/>
+          </a:stretch>
+        </p:blipFill>
+        <p:spPr>
+          <a:xfrm>
+            <a:off x="5222109" y="1122951"/>
+            <a:ext cx="2639171" cy="3581733"/>
+          </a:xfrm>
+          <a:prstGeom prst="rect">
+            <a:avLst/>
+          </a:prstGeom>
+        </p:spPr>
+      </p:pic>
+      <p:pic>
+        <p:nvPicPr>
+          <p:cNvPr id="5" name="Image 4"/>
+          <p:cNvPicPr>
+            <a:picLocks noChangeAspect="1"/>
+          </p:cNvPicPr>
+          <p:nvPr/>
+        </p:nvPicPr>
+        <p:blipFill>
+          <a:blip r:embed="rId3"/>
+          <a:stretch>
+            <a:fillRect/>
+          </a:stretch>
+        </p:blipFill>
+        <p:spPr>
+          <a:xfrm>
+            <a:off x="3403927" y="1715378"/>
+            <a:ext cx="1104900" cy="1612900"/>
+          </a:xfrm>
+          <a:prstGeom prst="rect">
+            <a:avLst/>
+          </a:prstGeom>
+        </p:spPr>
+      </p:pic>
+      <p:cxnSp>
+        <p:nvCxnSpPr>
+          <p:cNvPr id="6" name="Connecteur droit 5"/>
+          <p:cNvCxnSpPr/>
+          <p:nvPr/>
+        </p:nvCxnSpPr>
+        <p:spPr>
+          <a:xfrm>
+            <a:off x="3541289" y="2895739"/>
+            <a:ext cx="851061" cy="13092"/>
+          </a:xfrm>
+          <a:prstGeom prst="line">
+            <a:avLst/>
+          </a:prstGeom>
+          <a:ln>
+            <a:solidFill>
+              <a:srgbClr val="000000"/>
+            </a:solidFill>
+          </a:ln>
+        </p:spPr>
+        <p:style>
+          <a:lnRef idx="2">
+            <a:schemeClr val="accent1"/>
+          </a:lnRef>
+          <a:fillRef idx="0">
+            <a:schemeClr val="accent1"/>
+          </a:fillRef>
+          <a:effectRef idx="1">
+            <a:schemeClr val="accent1"/>
+          </a:effectRef>
+          <a:fontRef idx="minor">
+            <a:schemeClr val="tx1"/>
+          </a:fontRef>
+        </p:style>
+      </p:cxnSp>
+      <p:sp>
+        <p:nvSpPr>
+          <p:cNvPr id="7" name="Triangle isocèle 6"/>
+          <p:cNvSpPr/>
+          <p:nvPr/>
+        </p:nvSpPr>
+        <p:spPr>
+          <a:xfrm>
+            <a:off x="3528194" y="3105209"/>
+            <a:ext cx="759410" cy="170193"/>
+          </a:xfrm>
+          <a:prstGeom prst="triangle">
+            <a:avLst/>
+          </a:prstGeom>
+          <a:solidFill>
+            <a:schemeClr val="bg1">
+              <a:lumMod val="65000"/>
+            </a:schemeClr>
+          </a:solidFill>
+          <a:ln>
+            <a:noFill/>
+          </a:ln>
+        </p:spPr>
+        <p:style>
+          <a:lnRef idx="2">
+            <a:schemeClr val="accent1">
+              <a:shade val="50000"/>
+            </a:schemeClr>
+          </a:lnRef>
+          <a:fillRef idx="1">
+            <a:schemeClr val="accent1"/>
+          </a:fillRef>
+          <a:effectRef idx="0">
+            <a:schemeClr val="accent1"/>
+          </a:effectRef>
+          <a:fontRef idx="minor">
+            <a:schemeClr val="lt1"/>
+          </a:fontRef>
+        </p:style>
+        <p:txBody>
+          <a:bodyPr rtlCol="0" anchor="ctr"/>
+          <a:lstStyle/>
+          <a:p>
+            <a:pPr algn="ctr"/>
+            <a:endParaRPr lang="fr-FR"/>
+          </a:p>
+        </p:txBody>
+      </p:sp>
+      <p:sp>
+        <p:nvSpPr>
+          <p:cNvPr id="8" name="Rectangle 7"/>
+          <p:cNvSpPr/>
+          <p:nvPr/>
+        </p:nvSpPr>
+        <p:spPr>
+          <a:xfrm>
+            <a:off x="365091" y="3030532"/>
+            <a:ext cx="2344099" cy="369332"/>
+          </a:xfrm>
+          <a:prstGeom prst="rect">
+            <a:avLst/>
+          </a:prstGeom>
+        </p:spPr>
+        <p:txBody>
+          <a:bodyPr wrap="none">
+            <a:spAutoFit/>
+          </a:bodyPr>
+          <a:lstStyle/>
+          <a:p>
+            <a:pPr lvl="0"/>
+            <a:r>
+              <a:rPr lang="fr-FR" dirty="0"/>
+              <a:t>Acide benzoïque solide</a:t>
+            </a:r>
+          </a:p>
+        </p:txBody>
+      </p:sp>
+      <p:cxnSp>
+        <p:nvCxnSpPr>
+          <p:cNvPr id="9" name="Connecteur droit avec flèche 8"/>
+          <p:cNvCxnSpPr/>
+          <p:nvPr/>
+        </p:nvCxnSpPr>
+        <p:spPr>
+          <a:xfrm>
+            <a:off x="2782252" y="3235629"/>
+            <a:ext cx="1039742" cy="0"/>
+          </a:xfrm>
+          <a:prstGeom prst="straightConnector1">
+            <a:avLst/>
+          </a:prstGeom>
+          <a:ln>
+            <a:solidFill>
+              <a:srgbClr val="000000"/>
+            </a:solidFill>
+            <a:tailEnd type="arrow"/>
+          </a:ln>
+        </p:spPr>
+        <p:style>
+          <a:lnRef idx="2">
+            <a:schemeClr val="accent1"/>
+          </a:lnRef>
+          <a:fillRef idx="0">
+            <a:schemeClr val="accent1"/>
+          </a:fillRef>
+          <a:effectRef idx="1">
+            <a:schemeClr val="accent1"/>
+          </a:effectRef>
+          <a:fontRef idx="minor">
+            <a:schemeClr val="tx1"/>
+          </a:fontRef>
+        </p:style>
+      </p:cxnSp>
+      <p:sp>
+        <p:nvSpPr>
+          <p:cNvPr id="12" name="Demi-tour 11"/>
+          <p:cNvSpPr/>
+          <p:nvPr/>
+        </p:nvSpPr>
+        <p:spPr>
+          <a:xfrm>
+            <a:off x="3893209" y="798881"/>
+            <a:ext cx="3477777" cy="600887"/>
+          </a:xfrm>
+          <a:prstGeom prst="uturnArrow">
+            <a:avLst/>
+          </a:prstGeom>
+          <a:solidFill>
+            <a:srgbClr val="CA7362"/>
+          </a:solidFill>
+          <a:ln>
+            <a:noFill/>
+          </a:ln>
+        </p:spPr>
+        <p:style>
+          <a:lnRef idx="2">
+            <a:schemeClr val="accent1">
+              <a:shade val="50000"/>
+            </a:schemeClr>
+          </a:lnRef>
+          <a:fillRef idx="1">
+            <a:schemeClr val="accent1"/>
+          </a:fillRef>
+          <a:effectRef idx="0">
+            <a:schemeClr val="accent1"/>
+          </a:effectRef>
+          <a:fontRef idx="minor">
+            <a:schemeClr val="lt1"/>
+          </a:fontRef>
+        </p:style>
+        <p:txBody>
+          <a:bodyPr rtlCol="0" anchor="ctr"/>
+          <a:lstStyle/>
+          <a:p>
+            <a:pPr algn="ctr"/>
+            <a:endParaRPr lang="fr-FR">
+              <a:solidFill>
+                <a:schemeClr val="tx1"/>
+              </a:solidFill>
+            </a:endParaRPr>
+          </a:p>
+        </p:txBody>
+      </p:sp>
+      <p:sp>
+        <p:nvSpPr>
+          <p:cNvPr id="13" name="ZoneTexte 12"/>
+          <p:cNvSpPr txBox="1"/>
+          <p:nvPr/>
+        </p:nvSpPr>
+        <p:spPr>
+          <a:xfrm>
+            <a:off x="2872429" y="3513136"/>
+            <a:ext cx="2063786" cy="923330"/>
+          </a:xfrm>
+          <a:prstGeom prst="rect">
+            <a:avLst/>
+          </a:prstGeom>
+          <a:noFill/>
+        </p:spPr>
+        <p:txBody>
+          <a:bodyPr wrap="none" rtlCol="0">
+            <a:spAutoFit/>
+          </a:bodyPr>
+          <a:lstStyle/>
+          <a:p>
+            <a:pPr algn="ctr"/>
+            <a:r>
+              <a:rPr lang="fr-FR" dirty="0" smtClean="0">
+                <a:solidFill>
+                  <a:srgbClr val="CA7362"/>
+                </a:solidFill>
+              </a:rPr>
+              <a:t>Puis </a:t>
+            </a:r>
+          </a:p>
+          <a:p>
+            <a:pPr algn="ctr"/>
+            <a:endParaRPr lang="fr-FR" dirty="0"/>
+          </a:p>
+          <a:p>
+            <a:pPr algn="ctr"/>
+            <a:r>
+              <a:rPr lang="fr-FR" dirty="0" smtClean="0"/>
+              <a:t>lavage avec de l’eau</a:t>
+            </a:r>
+            <a:endParaRPr lang="fr-FR" dirty="0"/>
+          </a:p>
+        </p:txBody>
+      </p:sp>
+    </p:spTree>
+    <p:extLst>
+      <p:ext uri="{BB962C8B-B14F-4D97-AF65-F5344CB8AC3E}">
+        <p14:creationId xmlns:p14="http://schemas.microsoft.com/office/powerpoint/2010/main" val="3669634213"/>
+      </p:ext>
+    </p:extLst>
+  </p:cSld>
+  <p:clrMapOvr>
+    <a:masterClrMapping/>
+  </p:clrMapOvr>
+</p:sld>
+</file>
+
+<file path=ppt/slides/slide12.xml><?xml version="1.0" encoding="utf-8"?>
+<p:sld xmlns:a="http://schemas.openxmlformats.org/drawingml/2006/main" xmlns:r="http://schemas.openxmlformats.org/officeDocument/2006/relationships" xmlns:p="http://schemas.openxmlformats.org/presentationml/2006/main">
+  <p:cSld>
+    <p:spTree>
+      <p:nvGrpSpPr>
+        <p:cNvPr id="1" name=""/>
+        <p:cNvGrpSpPr/>
+        <p:nvPr/>
+      </p:nvGrpSpPr>
+      <p:grpSpPr>
+        <a:xfrm>
+          <a:off x="0" y="0"/>
+          <a:ext cx="0" cy="0"/>
+          <a:chOff x="0" y="0"/>
+          <a:chExt cx="0" cy="0"/>
+        </a:xfrm>
+      </p:grpSpPr>
+      <p:sp>
+        <p:nvSpPr>
+          <p:cNvPr id="2" name="Espace réservé du numéro de diapositive 1">
+            <a:extLst>
+              <a:ext uri="{FF2B5EF4-FFF2-40B4-BE49-F238E27FC236}">
+                <a16:creationId xmlns="" xmlns:a16="http://schemas.microsoft.com/office/drawing/2014/main" id="{F1FC155D-7866-4011-B11C-ED8147310944}"/>
+              </a:ext>
+            </a:extLst>
+          </p:cNvPr>
+          <p:cNvSpPr>
+            <a:spLocks noGrp="1"/>
+          </p:cNvSpPr>
+          <p:nvPr>
+            <p:ph type="sldNum" sz="quarter" idx="12"/>
+          </p:nvPr>
+        </p:nvSpPr>
+        <p:spPr/>
+        <p:txBody>
+          <a:bodyPr/>
+          <a:lstStyle/>
+          <a:p>
+            <a:fld id="{4FAB73BC-B049-4115-A692-8D63A059BFB8}" type="slidenum">
+              <a:rPr lang="en-US" smtClean="0"/>
+              <a:pPr/>
+              <a:t>12</a:t>
+            </a:fld>
+            <a:endParaRPr lang="en-US" dirty="0"/>
+          </a:p>
+        </p:txBody>
+      </p:sp>
+      <p:sp>
+        <p:nvSpPr>
+          <p:cNvPr id="3" name="Titre 2">
+            <a:extLst>
+              <a:ext uri="{FF2B5EF4-FFF2-40B4-BE49-F238E27FC236}">
+                <a16:creationId xmlns="" xmlns:a16="http://schemas.microsoft.com/office/drawing/2014/main" id="{66BB1BFB-8F92-4AF1-A11C-1E0ED415BAF6}"/>
+              </a:ext>
+            </a:extLst>
+          </p:cNvPr>
+          <p:cNvSpPr>
+            <a:spLocks noGrp="1"/>
+          </p:cNvSpPr>
+          <p:nvPr>
+            <p:ph type="title"/>
+          </p:nvPr>
+        </p:nvSpPr>
+        <p:spPr>
+          <a:xfrm>
+            <a:off x="485135" y="108773"/>
+            <a:ext cx="7543800" cy="694497"/>
+          </a:xfrm>
+        </p:spPr>
+        <p:txBody>
+          <a:bodyPr/>
+          <a:lstStyle/>
+          <a:p>
+            <a:r>
+              <a:rPr lang="fr-FR" dirty="0" smtClean="0"/>
+              <a:t>Etuvage</a:t>
+            </a:r>
+            <a:endParaRPr lang="fr-FR" dirty="0"/>
+          </a:p>
+        </p:txBody>
+      </p:sp>
+      <p:graphicFrame>
+        <p:nvGraphicFramePr>
+          <p:cNvPr id="10" name="Tableau 9"/>
+          <p:cNvGraphicFramePr>
+            <a:graphicFrameLocks noGrp="1"/>
+          </p:cNvGraphicFramePr>
+          <p:nvPr>
+            <p:extLst>
+              <p:ext uri="{D42A27DB-BD31-4B8C-83A1-F6EECF244321}">
+                <p14:modId xmlns:p14="http://schemas.microsoft.com/office/powerpoint/2010/main" val="227730541"/>
+              </p:ext>
+            </p:extLst>
+          </p:nvPr>
+        </p:nvGraphicFramePr>
+        <p:xfrm>
+          <a:off x="1132305" y="1371354"/>
+          <a:ext cx="6416724" cy="1085470"/>
+        </p:xfrm>
+        <a:graphic>
+          <a:graphicData uri="http://schemas.openxmlformats.org/drawingml/2006/table">
+            <a:tbl>
+              <a:tblPr firstRow="1" bandRow="1">
+                <a:tableStyleId>{5C22544A-7EE6-4342-B048-85BDC9FD1C3A}</a:tableStyleId>
+              </a:tblPr>
+              <a:tblGrid>
+                <a:gridCol w="2138908"/>
+                <a:gridCol w="2138908"/>
+                <a:gridCol w="2138908"/>
+              </a:tblGrid>
+              <a:tr h="542735">
+                <a:tc>
+                  <a:txBody>
+                    <a:bodyPr/>
+                    <a:lstStyle/>
+                    <a:p>
+                      <a:pPr algn="ctr"/>
+                      <a:r>
+                        <a:rPr lang="fr-FR" dirty="0" smtClean="0"/>
+                        <a:t>Produit</a:t>
+                      </a:r>
+                      <a:endParaRPr lang="fr-FR" dirty="0"/>
+                    </a:p>
+                  </a:txBody>
+                  <a:tcPr/>
+                </a:tc>
+                <a:tc>
+                  <a:txBody>
+                    <a:bodyPr/>
+                    <a:lstStyle/>
+                    <a:p>
+                      <a:pPr algn="ctr"/>
+                      <a:r>
+                        <a:rPr lang="fr-FR" dirty="0" smtClean="0"/>
+                        <a:t>Eau</a:t>
+                      </a:r>
+                      <a:endParaRPr lang="fr-FR" dirty="0"/>
+                    </a:p>
+                  </a:txBody>
+                  <a:tcPr/>
+                </a:tc>
+                <a:tc>
+                  <a:txBody>
+                    <a:bodyPr/>
+                    <a:lstStyle/>
+                    <a:p>
+                      <a:pPr algn="ctr"/>
+                      <a:r>
+                        <a:rPr lang="fr-FR" dirty="0" smtClean="0"/>
+                        <a:t>Acide benzo</a:t>
+                      </a:r>
+                      <a:r>
+                        <a:rPr lang="fr-FR" dirty="0" smtClean="0"/>
+                        <a:t>ïque</a:t>
+                      </a:r>
+                      <a:endParaRPr lang="fr-FR" dirty="0"/>
+                    </a:p>
+                  </a:txBody>
+                  <a:tcPr/>
+                </a:tc>
+              </a:tr>
+              <a:tr h="542735">
+                <a:tc>
+                  <a:txBody>
+                    <a:bodyPr/>
+                    <a:lstStyle/>
+                    <a:p>
+                      <a:pPr algn="ctr"/>
+                      <a:r>
+                        <a:rPr lang="fr-FR" dirty="0" smtClean="0"/>
+                        <a:t>Température</a:t>
+                      </a:r>
+                      <a:r>
+                        <a:rPr lang="fr-FR" baseline="0" dirty="0" smtClean="0"/>
+                        <a:t> d’ébullition</a:t>
+                      </a:r>
+                      <a:endParaRPr lang="fr-FR" dirty="0"/>
+                    </a:p>
+                  </a:txBody>
+                  <a:tcPr/>
+                </a:tc>
+                <a:tc>
+                  <a:txBody>
+                    <a:bodyPr/>
+                    <a:lstStyle/>
+                    <a:p>
+                      <a:pPr algn="ctr"/>
+                      <a:r>
+                        <a:rPr lang="fr-FR" dirty="0" smtClean="0"/>
+                        <a:t>100°C</a:t>
+                      </a:r>
+                      <a:endParaRPr lang="fr-FR" dirty="0"/>
+                    </a:p>
+                  </a:txBody>
+                  <a:tcPr/>
+                </a:tc>
+                <a:tc>
+                  <a:txBody>
+                    <a:bodyPr/>
+                    <a:lstStyle/>
+                    <a:p>
+                      <a:pPr algn="ctr"/>
+                      <a:r>
+                        <a:rPr lang="fr-FR" dirty="0" smtClean="0"/>
+                        <a:t>250°C</a:t>
+                      </a:r>
+                      <a:endParaRPr lang="fr-FR" dirty="0"/>
+                    </a:p>
+                  </a:txBody>
+                  <a:tcPr/>
+                </a:tc>
+              </a:tr>
+            </a:tbl>
+          </a:graphicData>
+        </a:graphic>
+      </p:graphicFrame>
+    </p:spTree>
+    <p:extLst>
+      <p:ext uri="{BB962C8B-B14F-4D97-AF65-F5344CB8AC3E}">
+        <p14:creationId xmlns:p14="http://schemas.microsoft.com/office/powerpoint/2010/main" val="3290024171"/>
+      </p:ext>
+    </p:extLst>
+  </p:cSld>
+  <p:clrMapOvr>
+    <a:masterClrMapping/>
+  </p:clrMapOvr>
+</p:sld>
+</file>
+
+<file path=ppt/slides/slide13.xml><?xml version="1.0" encoding="utf-8"?>
+<p:sld xmlns:a="http://schemas.openxmlformats.org/drawingml/2006/main" xmlns:r="http://schemas.openxmlformats.org/officeDocument/2006/relationships" xmlns:p="http://schemas.openxmlformats.org/presentationml/2006/main">
+  <p:cSld>
+    <p:spTree>
+      <p:nvGrpSpPr>
+        <p:cNvPr id="1" name=""/>
+        <p:cNvGrpSpPr/>
+        <p:nvPr/>
+      </p:nvGrpSpPr>
+      <p:grpSpPr>
+        <a:xfrm>
+          <a:off x="0" y="0"/>
+          <a:ext cx="0" cy="0"/>
+          <a:chOff x="0" y="0"/>
+          <a:chExt cx="0" cy="0"/>
+        </a:xfrm>
+      </p:grpSpPr>
+      <p:sp>
+        <p:nvSpPr>
           <p:cNvPr id="2" name="Espace réservé du numéro de diapositive 1"/>
           <p:cNvSpPr>
             <a:spLocks noGrp="1"/>
@@ -2538,7 +3565,7 @@
             <a:fld id="{4FAB73BC-B049-4115-A692-8D63A059BFB8}" type="slidenum">
               <a:rPr lang="en-US" smtClean="0"/>
               <a:pPr/>
-              <a:t>10</a:t>
+              <a:t>13</a:t>
             </a:fld>
             <a:endParaRPr lang="en-US" dirty="0"/>
           </a:p>
@@ -2651,31 +3678,7 @@
                             <a:srgbClr val="000000"/>
                           </a:solidFill>
                         </a:rPr>
-                        <a:t> </a:t>
-                      </a:r>
-                      <a:r>
-                        <a:rPr lang="fr-FR" sz="1400" baseline="0" dirty="0" smtClean="0">
-                          <a:solidFill>
-                            <a:srgbClr val="000000"/>
-                          </a:solidFill>
-                        </a:rPr>
-                        <a:t>(</a:t>
-                      </a:r>
-                      <a:r>
-                        <a:rPr lang="fr-FR" sz="1400" baseline="0" dirty="0" smtClean="0">
-                          <a:solidFill>
-                            <a:srgbClr val="000000"/>
-                          </a:solidFill>
-                        </a:rPr>
-                        <a:t>phase </a:t>
-                      </a:r>
-                      <a:r>
-                        <a:rPr lang="fr-FR" sz="1400" baseline="0" dirty="0" smtClean="0">
-                          <a:solidFill>
-                            <a:srgbClr val="000000"/>
-                          </a:solidFill>
-                        </a:rPr>
-                        <a:t>organique)</a:t>
+                        <a:t> (phase organique)</a:t>
                       </a:r>
                       <a:endParaRPr lang="fr-FR" sz="1400" dirty="0">
                         <a:solidFill>
@@ -2939,7 +3942,7 @@
           <p:cNvPr id="7" name="Image 6">
             <a:extLst>
               <a:ext uri="{FF2B5EF4-FFF2-40B4-BE49-F238E27FC236}">
-                <a16:creationId xmlns:a16="http://schemas.microsoft.com/office/drawing/2014/main" xmlns="" id="{3C4C7B6E-9DA6-459B-B94C-1805D7AAA75D}"/>
+                <a16:creationId xmlns="" xmlns:a16="http://schemas.microsoft.com/office/drawing/2014/main" id="{3C4C7B6E-9DA6-459B-B94C-1805D7AAA75D}"/>
               </a:ext>
             </a:extLst>
           </p:cNvPr>
@@ -3007,7 +4010,7 @@
 </p:sld>
 </file>
 
-<file path=ppt/slides/slide11.xml><?xml version="1.0" encoding="utf-8"?>
+<file path=ppt/slides/slide14.xml><?xml version="1.0" encoding="utf-8"?>
 <p:sld xmlns:a="http://schemas.openxmlformats.org/drawingml/2006/main" xmlns:r="http://schemas.openxmlformats.org/officeDocument/2006/relationships" xmlns:p="http://schemas.openxmlformats.org/presentationml/2006/main">
   <p:cSld>
     <p:spTree>
@@ -3029,7 +4032,7 @@
           <p:cNvPr id="2" name="Espace réservé du numéro de diapositive 1">
             <a:extLst>
               <a:ext uri="{FF2B5EF4-FFF2-40B4-BE49-F238E27FC236}">
-                <a16:creationId xmlns:a16="http://schemas.microsoft.com/office/drawing/2014/main" xmlns="" id="{DBFF135F-B69B-4A65-9006-6BDAC5011DB8}"/>
+                <a16:creationId xmlns="" xmlns:a16="http://schemas.microsoft.com/office/drawing/2014/main" id="{DBFF135F-B69B-4A65-9006-6BDAC5011DB8}"/>
               </a:ext>
             </a:extLst>
           </p:cNvPr>
@@ -3048,7 +4051,7 @@
             <a:fld id="{4FAB73BC-B049-4115-A692-8D63A059BFB8}" type="slidenum">
               <a:rPr lang="en-US" smtClean="0"/>
               <a:pPr/>
-              <a:t>11</a:t>
+              <a:t>14</a:t>
             </a:fld>
             <a:endParaRPr lang="en-US" dirty="0"/>
           </a:p>
@@ -3059,7 +4062,7 @@
           <p:cNvPr id="3" name="Titre 2">
             <a:extLst>
               <a:ext uri="{FF2B5EF4-FFF2-40B4-BE49-F238E27FC236}">
-                <a16:creationId xmlns:a16="http://schemas.microsoft.com/office/drawing/2014/main" xmlns="" id="{E4423B90-71E1-4B49-922C-AA4015C36A60}"/>
+                <a16:creationId xmlns="" xmlns:a16="http://schemas.microsoft.com/office/drawing/2014/main" id="{E4423B90-71E1-4B49-922C-AA4015C36A60}"/>
               </a:ext>
             </a:extLst>
           </p:cNvPr>
@@ -3084,7 +4087,6 @@
               <a:rPr lang="fr-FR" dirty="0"/>
               <a:t>Chromatographie sur couche mince (CCM)</a:t>
             </a:r>
-            <a:endParaRPr lang="fr-FR" dirty="0"/>
           </a:p>
         </p:txBody>
       </p:sp>
@@ -3093,7 +4095,7 @@
           <p:cNvPr id="18" name="Groupe 17">
             <a:extLst>
               <a:ext uri="{FF2B5EF4-FFF2-40B4-BE49-F238E27FC236}">
-                <a16:creationId xmlns:a16="http://schemas.microsoft.com/office/drawing/2014/main" xmlns="" id="{CF5B527D-5AE2-4D8E-8682-1F5E221F1EDB}"/>
+                <a16:creationId xmlns="" xmlns:a16="http://schemas.microsoft.com/office/drawing/2014/main" id="{CF5B527D-5AE2-4D8E-8682-1F5E221F1EDB}"/>
               </a:ext>
             </a:extLst>
           </p:cNvPr>
@@ -3113,7 +4115,7 @@
             <p:cNvPr id="19" name="Connecteur droit 18">
               <a:extLst>
                 <a:ext uri="{FF2B5EF4-FFF2-40B4-BE49-F238E27FC236}">
-                  <a16:creationId xmlns:a16="http://schemas.microsoft.com/office/drawing/2014/main" xmlns="" id="{98948A1E-BF8A-48C5-AC62-086DEB5AB683}"/>
+                  <a16:creationId xmlns="" xmlns:a16="http://schemas.microsoft.com/office/drawing/2014/main" id="{98948A1E-BF8A-48C5-AC62-086DEB5AB683}"/>
                 </a:ext>
               </a:extLst>
             </p:cNvPr>
@@ -3151,7 +4153,7 @@
             <p:cNvPr id="20" name="Groupe 19">
               <a:extLst>
                 <a:ext uri="{FF2B5EF4-FFF2-40B4-BE49-F238E27FC236}">
-                  <a16:creationId xmlns:a16="http://schemas.microsoft.com/office/drawing/2014/main" xmlns="" id="{18031C64-8C12-4AB8-98C9-8AC555BFC713}"/>
+                  <a16:creationId xmlns="" xmlns:a16="http://schemas.microsoft.com/office/drawing/2014/main" id="{18031C64-8C12-4AB8-98C9-8AC555BFC713}"/>
                 </a:ext>
               </a:extLst>
             </p:cNvPr>
@@ -3171,7 +4173,7 @@
               <p:cNvPr id="21" name="Groupe 20">
                 <a:extLst>
                   <a:ext uri="{FF2B5EF4-FFF2-40B4-BE49-F238E27FC236}">
-                    <a16:creationId xmlns:a16="http://schemas.microsoft.com/office/drawing/2014/main" xmlns="" id="{D1FEAFA1-C9A6-4254-9752-B1D49C031361}"/>
+                    <a16:creationId xmlns="" xmlns:a16="http://schemas.microsoft.com/office/drawing/2014/main" id="{D1FEAFA1-C9A6-4254-9752-B1D49C031361}"/>
                   </a:ext>
                 </a:extLst>
               </p:cNvPr>
@@ -3191,7 +4193,7 @@
                 <p:cNvPr id="29" name="ZoneTexte 28">
                   <a:extLst>
                     <a:ext uri="{FF2B5EF4-FFF2-40B4-BE49-F238E27FC236}">
-                      <a16:creationId xmlns:a16="http://schemas.microsoft.com/office/drawing/2014/main" xmlns="" id="{70422014-72F8-4558-A6D3-AA403DBBB3A4}"/>
+                      <a16:creationId xmlns="" xmlns:a16="http://schemas.microsoft.com/office/drawing/2014/main" id="{70422014-72F8-4558-A6D3-AA403DBBB3A4}"/>
                     </a:ext>
                   </a:extLst>
                 </p:cNvPr>
@@ -3239,11 +4241,7 @@
                   </a:pPr>
                   <a:r>
                     <a:rPr lang="fr-FR" sz="1600" dirty="0"/>
-                    <a:t>Cyclohexane </a:t>
-                  </a:r>
-                  <a:r>
-                    <a:rPr lang="fr-FR" sz="1600" dirty="0"/>
-                    <a:t>2</a:t>
+                    <a:t>Cyclohexane 2</a:t>
                   </a:r>
                   <a:r>
                     <a:rPr lang="fr-FR" sz="1600" dirty="0" smtClean="0"/>
@@ -3253,7 +4251,6 @@
                     <a:rPr lang="fr-FR" sz="1600" dirty="0"/>
                     <a:t>3</a:t>
                   </a:r>
-                  <a:endParaRPr lang="fr-FR" sz="1600" dirty="0"/>
                 </a:p>
                 <a:p>
                   <a:pPr marL="285750" indent="-285750">
@@ -3277,7 +4274,7 @@
                 <p:cNvPr id="30" name="Connecteur droit avec flèche 29">
                   <a:extLst>
                     <a:ext uri="{FF2B5EF4-FFF2-40B4-BE49-F238E27FC236}">
-                      <a16:creationId xmlns:a16="http://schemas.microsoft.com/office/drawing/2014/main" xmlns="" id="{47ADF50E-AFBC-4429-9A50-7512DE6A9C62}"/>
+                      <a16:creationId xmlns="" xmlns:a16="http://schemas.microsoft.com/office/drawing/2014/main" id="{47ADF50E-AFBC-4429-9A50-7512DE6A9C62}"/>
                     </a:ext>
                   </a:extLst>
                 </p:cNvPr>
@@ -3319,7 +4316,7 @@
               <p:cNvPr id="22" name="Groupe 21">
                 <a:extLst>
                   <a:ext uri="{FF2B5EF4-FFF2-40B4-BE49-F238E27FC236}">
-                    <a16:creationId xmlns:a16="http://schemas.microsoft.com/office/drawing/2014/main" xmlns="" id="{64F5239F-D662-4765-A74D-0F83FEEEE03F}"/>
+                    <a16:creationId xmlns="" xmlns:a16="http://schemas.microsoft.com/office/drawing/2014/main" id="{64F5239F-D662-4765-A74D-0F83FEEEE03F}"/>
                   </a:ext>
                 </a:extLst>
               </p:cNvPr>
@@ -3339,7 +4336,7 @@
                 <p:cNvPr id="27" name="Arrondir un rectangle avec un coin du même côté 734">
                   <a:extLst>
                     <a:ext uri="{FF2B5EF4-FFF2-40B4-BE49-F238E27FC236}">
-                      <a16:creationId xmlns:a16="http://schemas.microsoft.com/office/drawing/2014/main" xmlns="" id="{4A75EB70-F5C6-45C4-B962-BB13936E8907}"/>
+                      <a16:creationId xmlns="" xmlns:a16="http://schemas.microsoft.com/office/drawing/2014/main" id="{4A75EB70-F5C6-45C4-B962-BB13936E8907}"/>
                     </a:ext>
                   </a:extLst>
                 </p:cNvPr>
@@ -3498,7 +4495,7 @@
                 <p:cNvPr id="24" name="Groupe 23">
                   <a:extLst>
                     <a:ext uri="{FF2B5EF4-FFF2-40B4-BE49-F238E27FC236}">
-                      <a16:creationId xmlns:a16="http://schemas.microsoft.com/office/drawing/2014/main" xmlns="" id="{27B4B310-13BC-49E1-8793-BB4A1A0E7708}"/>
+                      <a16:creationId xmlns="" xmlns:a16="http://schemas.microsoft.com/office/drawing/2014/main" id="{27B4B310-13BC-49E1-8793-BB4A1A0E7708}"/>
                     </a:ext>
                   </a:extLst>
                 </p:cNvPr>
@@ -3518,7 +4515,7 @@
                   <p:cNvPr id="25" name="ZoneTexte 24">
                     <a:extLst>
                       <a:ext uri="{FF2B5EF4-FFF2-40B4-BE49-F238E27FC236}">
-                        <a16:creationId xmlns:a16="http://schemas.microsoft.com/office/drawing/2014/main" xmlns="" id="{25B12ED7-9421-4643-9AC3-2F7A7E42BCB5}"/>
+                        <a16:creationId xmlns="" xmlns:a16="http://schemas.microsoft.com/office/drawing/2014/main" id="{25B12ED7-9421-4643-9AC3-2F7A7E42BCB5}"/>
                       </a:ext>
                     </a:extLst>
                   </p:cNvPr>
@@ -3567,7 +4564,7 @@
                   <p:cNvPr id="26" name="Connecteur droit avec flèche 25">
                     <a:extLst>
                       <a:ext uri="{FF2B5EF4-FFF2-40B4-BE49-F238E27FC236}">
-                        <a16:creationId xmlns:a16="http://schemas.microsoft.com/office/drawing/2014/main" xmlns="" id="{4EC9263E-1573-41C0-9889-CE348B2F7886}"/>
+                        <a16:creationId xmlns="" xmlns:a16="http://schemas.microsoft.com/office/drawing/2014/main" id="{4EC9263E-1573-41C0-9889-CE348B2F7886}"/>
                       </a:ext>
                     </a:extLst>
                   </p:cNvPr>
@@ -3609,10 +4606,10 @@
       </p:grpSp>
       <p:grpSp>
         <p:nvGrpSpPr>
-          <p:cNvPr id="71" name="Groupe 70">
+          <p:cNvPr id="36" name="Groupe 35">
             <a:extLst>
               <a:ext uri="{FF2B5EF4-FFF2-40B4-BE49-F238E27FC236}">
-                <a16:creationId xmlns:a16="http://schemas.microsoft.com/office/drawing/2014/main" xmlns="" id="{8FCC3935-8360-47A7-B486-97E3AE7E56E6}"/>
+                <a16:creationId xmlns="" xmlns:a16="http://schemas.microsoft.com/office/drawing/2014/main" id="{4916D246-07AE-46E0-8CDB-A8E22538CF6D}"/>
               </a:ext>
             </a:extLst>
           </p:cNvPr>
@@ -3621,18 +4618,62 @@
         </p:nvGrpSpPr>
         <p:grpSpPr>
           <a:xfrm>
-            <a:off x="4963338" y="929610"/>
-            <a:ext cx="1328018" cy="1786346"/>
-            <a:chOff x="4963338" y="811784"/>
-            <a:chExt cx="1328018" cy="1786346"/>
+            <a:off x="4785295" y="1250066"/>
+            <a:ext cx="1328019" cy="1786346"/>
+            <a:chOff x="8511061" y="4340451"/>
+            <a:chExt cx="3009460" cy="4553558"/>
           </a:xfrm>
         </p:grpSpPr>
+        <p:sp>
+          <p:nvSpPr>
+            <p:cNvPr id="37" name="Rectangle 36">
+              <a:extLst>
+                <a:ext uri="{FF2B5EF4-FFF2-40B4-BE49-F238E27FC236}">
+                  <a16:creationId xmlns="" xmlns:a16="http://schemas.microsoft.com/office/drawing/2014/main" id="{873C14F8-0712-404D-A4AB-7B144D97F5D0}"/>
+                </a:ext>
+              </a:extLst>
+            </p:cNvPr>
+            <p:cNvSpPr/>
+            <p:nvPr/>
+          </p:nvSpPr>
+          <p:spPr>
+            <a:xfrm>
+              <a:off x="8511061" y="4340451"/>
+              <a:ext cx="3009458" cy="4553558"/>
+            </a:xfrm>
+            <a:prstGeom prst="rect">
+              <a:avLst/>
+            </a:prstGeom>
+          </p:spPr>
+          <p:style>
+            <a:lnRef idx="2">
+              <a:schemeClr val="dk1"/>
+            </a:lnRef>
+            <a:fillRef idx="1">
+              <a:schemeClr val="lt1"/>
+            </a:fillRef>
+            <a:effectRef idx="0">
+              <a:schemeClr val="dk1"/>
+            </a:effectRef>
+            <a:fontRef idx="minor">
+              <a:schemeClr val="dk1"/>
+            </a:fontRef>
+          </p:style>
+          <p:txBody>
+            <a:bodyPr rtlCol="0" anchor="ctr"/>
+            <a:lstStyle/>
+            <a:p>
+              <a:pPr algn="ctr"/>
+              <a:endParaRPr lang="fr-FR" dirty="0"/>
+            </a:p>
+          </p:txBody>
+        </p:sp>
         <p:grpSp>
           <p:nvGrpSpPr>
-            <p:cNvPr id="36" name="Groupe 35">
+            <p:cNvPr id="38" name="Groupe 37">
               <a:extLst>
                 <a:ext uri="{FF2B5EF4-FFF2-40B4-BE49-F238E27FC236}">
-                  <a16:creationId xmlns:a16="http://schemas.microsoft.com/office/drawing/2014/main" xmlns="" id="{4916D246-07AE-46E0-8CDB-A8E22538CF6D}"/>
+                  <a16:creationId xmlns="" xmlns:a16="http://schemas.microsoft.com/office/drawing/2014/main" id="{BE1676BE-74C1-44CB-8ACD-02C82D290135}"/>
                 </a:ext>
               </a:extLst>
             </p:cNvPr>
@@ -3641,62 +4682,56 @@
           </p:nvGrpSpPr>
           <p:grpSpPr>
             <a:xfrm>
-              <a:off x="4963338" y="811784"/>
-              <a:ext cx="1328018" cy="1786346"/>
-              <a:chOff x="8618654" y="1496535"/>
-              <a:chExt cx="3009458" cy="4553558"/>
+              <a:off x="8511063" y="8045068"/>
+              <a:ext cx="3009458" cy="183558"/>
+              <a:chOff x="7851846" y="8099958"/>
+              <a:chExt cx="3009458" cy="183558"/>
             </a:xfrm>
           </p:grpSpPr>
-          <p:sp>
-            <p:nvSpPr>
-              <p:cNvPr id="37" name="Rectangle 36">
+          <p:cxnSp>
+            <p:nvCxnSpPr>
+              <p:cNvPr id="39" name="Connecteur droit 38">
                 <a:extLst>
                   <a:ext uri="{FF2B5EF4-FFF2-40B4-BE49-F238E27FC236}">
-                    <a16:creationId xmlns:a16="http://schemas.microsoft.com/office/drawing/2014/main" xmlns="" id="{873C14F8-0712-404D-A4AB-7B144D97F5D0}"/>
+                    <a16:creationId xmlns="" xmlns:a16="http://schemas.microsoft.com/office/drawing/2014/main" id="{5177A6E5-0AB6-40EB-B78C-59B10FE18B4F}"/>
                   </a:ext>
                 </a:extLst>
               </p:cNvPr>
-              <p:cNvSpPr/>
+              <p:cNvCxnSpPr>
+                <a:cxnSpLocks/>
+              </p:cNvCxnSpPr>
               <p:nvPr/>
-            </p:nvSpPr>
+            </p:nvCxnSpPr>
             <p:spPr>
               <a:xfrm>
-                <a:off x="8618654" y="1496535"/>
-                <a:ext cx="3009458" cy="4553558"/>
+                <a:off x="7851846" y="8201222"/>
+                <a:ext cx="3009458" cy="0"/>
               </a:xfrm>
-              <a:prstGeom prst="rect">
+              <a:prstGeom prst="line">
                 <a:avLst/>
               </a:prstGeom>
             </p:spPr>
             <p:style>
-              <a:lnRef idx="2">
+              <a:lnRef idx="1">
                 <a:schemeClr val="dk1"/>
               </a:lnRef>
-              <a:fillRef idx="1">
-                <a:schemeClr val="lt1"/>
+              <a:fillRef idx="0">
+                <a:schemeClr val="dk1"/>
               </a:fillRef>
               <a:effectRef idx="0">
                 <a:schemeClr val="dk1"/>
               </a:effectRef>
               <a:fontRef idx="minor">
-                <a:schemeClr val="dk1"/>
+                <a:schemeClr val="tx1"/>
               </a:fontRef>
             </p:style>
-            <p:txBody>
-              <a:bodyPr rtlCol="0" anchor="ctr"/>
-              <a:lstStyle/>
-              <a:p>
-                <a:pPr algn="ctr"/>
-                <a:endParaRPr lang="fr-FR" dirty="0"/>
-              </a:p>
-            </p:txBody>
-          </p:sp>
+          </p:cxnSp>
           <p:grpSp>
             <p:nvGrpSpPr>
-              <p:cNvPr id="38" name="Groupe 37">
+              <p:cNvPr id="40" name="Groupe 39">
                 <a:extLst>
                   <a:ext uri="{FF2B5EF4-FFF2-40B4-BE49-F238E27FC236}">
-                    <a16:creationId xmlns:a16="http://schemas.microsoft.com/office/drawing/2014/main" xmlns="" id="{BE1676BE-74C1-44CB-8ACD-02C82D290135}"/>
+                    <a16:creationId xmlns="" xmlns:a16="http://schemas.microsoft.com/office/drawing/2014/main" id="{0AFA783B-93D2-4F19-A6C9-B6EA02A7595B}"/>
                   </a:ext>
                 </a:extLst>
               </p:cNvPr>
@@ -3705,300 +4740,171 @@
             </p:nvGrpSpPr>
             <p:grpSpPr>
               <a:xfrm>
-                <a:off x="8618654" y="5492625"/>
-                <a:ext cx="3009458" cy="205665"/>
-                <a:chOff x="7959437" y="5547515"/>
-                <a:chExt cx="3009458" cy="205665"/>
+                <a:off x="8220473" y="8099958"/>
+                <a:ext cx="1253053" cy="183558"/>
+                <a:chOff x="8463217" y="7762338"/>
+                <a:chExt cx="1081455" cy="158419"/>
               </a:xfrm>
             </p:grpSpPr>
-            <p:cxnSp>
-              <p:nvCxnSpPr>
-                <p:cNvPr id="39" name="Connecteur droit 38">
+            <p:sp>
+              <p:nvSpPr>
+                <p:cNvPr id="42" name="Ellipse 41">
                   <a:extLst>
                     <a:ext uri="{FF2B5EF4-FFF2-40B4-BE49-F238E27FC236}">
-                      <a16:creationId xmlns:a16="http://schemas.microsoft.com/office/drawing/2014/main" xmlns="" id="{5177A6E5-0AB6-40EB-B78C-59B10FE18B4F}"/>
+                      <a16:creationId xmlns="" xmlns:a16="http://schemas.microsoft.com/office/drawing/2014/main" id="{F4E2F3A1-8D73-4835-8773-D7A76618291E}"/>
                     </a:ext>
                   </a:extLst>
                 </p:cNvPr>
-                <p:cNvCxnSpPr>
-                  <a:cxnSpLocks/>
-                </p:cNvCxnSpPr>
+                <p:cNvSpPr/>
                 <p:nvPr/>
-              </p:nvCxnSpPr>
+              </p:nvSpPr>
               <p:spPr>
                 <a:xfrm>
-                  <a:off x="7959437" y="5629613"/>
-                  <a:ext cx="3009458" cy="0"/>
+                  <a:off x="8463217" y="7762355"/>
+                  <a:ext cx="140817" cy="158402"/>
                 </a:xfrm>
-                <a:prstGeom prst="line">
+                <a:prstGeom prst="ellipse">
                   <a:avLst/>
                 </a:prstGeom>
+                <a:solidFill>
+                  <a:schemeClr val="accent2"/>
+                </a:solidFill>
+                <a:ln>
+                  <a:noFill/>
+                </a:ln>
               </p:spPr>
               <p:style>
-                <a:lnRef idx="1">
-                  <a:schemeClr val="dk1"/>
+                <a:lnRef idx="0">
+                  <a:scrgbClr r="0" g="0" b="0"/>
                 </a:lnRef>
                 <a:fillRef idx="0">
-                  <a:schemeClr val="dk1"/>
+                  <a:scrgbClr r="0" g="0" b="0"/>
                 </a:fillRef>
                 <a:effectRef idx="0">
-                  <a:schemeClr val="dk1"/>
+                  <a:scrgbClr r="0" g="0" b="0"/>
                 </a:effectRef>
                 <a:fontRef idx="minor">
-                  <a:schemeClr val="tx1"/>
+                  <a:schemeClr val="lt1"/>
                 </a:fontRef>
               </p:style>
-            </p:cxnSp>
-            <p:grpSp>
-              <p:nvGrpSpPr>
-                <p:cNvPr id="40" name="Groupe 39">
+              <p:txBody>
+                <a:bodyPr rtlCol="0" anchor="ctr"/>
+                <a:lstStyle/>
+                <a:p>
+                  <a:pPr algn="ctr"/>
+                  <a:endParaRPr lang="fr-FR" dirty="0"/>
+                </a:p>
+              </p:txBody>
+            </p:sp>
+            <p:sp>
+              <p:nvSpPr>
+                <p:cNvPr id="43" name="Ellipse 42">
                   <a:extLst>
                     <a:ext uri="{FF2B5EF4-FFF2-40B4-BE49-F238E27FC236}">
-                      <a16:creationId xmlns:a16="http://schemas.microsoft.com/office/drawing/2014/main" xmlns="" id="{0AFA783B-93D2-4F19-A6C9-B6EA02A7595B}"/>
+                      <a16:creationId xmlns="" xmlns:a16="http://schemas.microsoft.com/office/drawing/2014/main" id="{23BE5901-698E-45AB-A92A-D44AF3FAFD53}"/>
                     </a:ext>
                   </a:extLst>
                 </p:cNvPr>
-                <p:cNvGrpSpPr/>
+                <p:cNvSpPr/>
                 <p:nvPr/>
-              </p:nvGrpSpPr>
-              <p:grpSpPr>
+              </p:nvSpPr>
+              <p:spPr>
                 <a:xfrm>
-                  <a:off x="8354962" y="5547515"/>
-                  <a:ext cx="1253053" cy="205665"/>
-                  <a:chOff x="8579288" y="5559482"/>
-                  <a:chExt cx="1081455" cy="177499"/>
+                  <a:off x="8920885" y="7762358"/>
+                  <a:ext cx="140817" cy="158397"/>
                 </a:xfrm>
-              </p:grpSpPr>
-              <p:sp>
-                <p:nvSpPr>
-                  <p:cNvPr id="42" name="Ellipse 41">
-                    <a:extLst>
-                      <a:ext uri="{FF2B5EF4-FFF2-40B4-BE49-F238E27FC236}">
-                        <a16:creationId xmlns:a16="http://schemas.microsoft.com/office/drawing/2014/main" xmlns="" id="{F4E2F3A1-8D73-4835-8773-D7A76618291E}"/>
-                      </a:ext>
-                    </a:extLst>
-                  </p:cNvPr>
-                  <p:cNvSpPr/>
-                  <p:nvPr/>
-                </p:nvSpPr>
-                <p:spPr>
-                  <a:xfrm>
-                    <a:off x="8579288" y="5568643"/>
-                    <a:ext cx="140817" cy="158401"/>
-                  </a:xfrm>
-                  <a:prstGeom prst="ellipse">
-                    <a:avLst/>
-                  </a:prstGeom>
-                  <a:solidFill>
-                    <a:schemeClr val="accent2"/>
-                  </a:solidFill>
-                  <a:ln>
-                    <a:noFill/>
-                  </a:ln>
-                </p:spPr>
-                <p:style>
-                  <a:lnRef idx="0">
-                    <a:scrgbClr r="0" g="0" b="0"/>
-                  </a:lnRef>
-                  <a:fillRef idx="0">
-                    <a:scrgbClr r="0" g="0" b="0"/>
-                  </a:fillRef>
-                  <a:effectRef idx="0">
-                    <a:scrgbClr r="0" g="0" b="0"/>
-                  </a:effectRef>
-                  <a:fontRef idx="minor">
-                    <a:schemeClr val="lt1"/>
-                  </a:fontRef>
-                </p:style>
-                <p:txBody>
-                  <a:bodyPr rtlCol="0" anchor="ctr"/>
-                  <a:lstStyle/>
-                  <a:p>
-                    <a:pPr algn="ctr"/>
-                    <a:endParaRPr lang="fr-FR" dirty="0"/>
-                  </a:p>
-                </p:txBody>
-              </p:sp>
-              <p:sp>
-                <p:nvSpPr>
-                  <p:cNvPr id="43" name="Ellipse 42">
-                    <a:extLst>
-                      <a:ext uri="{FF2B5EF4-FFF2-40B4-BE49-F238E27FC236}">
-                        <a16:creationId xmlns:a16="http://schemas.microsoft.com/office/drawing/2014/main" xmlns="" id="{23BE5901-698E-45AB-A92A-D44AF3FAFD53}"/>
-                      </a:ext>
-                    </a:extLst>
-                  </p:cNvPr>
-                  <p:cNvSpPr/>
-                  <p:nvPr/>
-                </p:nvSpPr>
-                <p:spPr>
-                  <a:xfrm>
-                    <a:off x="9036956" y="5559482"/>
-                    <a:ext cx="140817" cy="158397"/>
-                  </a:xfrm>
-                  <a:prstGeom prst="ellipse">
-                    <a:avLst/>
-                  </a:prstGeom>
-                  <a:solidFill>
-                    <a:schemeClr val="accent2"/>
-                  </a:solidFill>
-                  <a:ln>
-                    <a:noFill/>
-                  </a:ln>
-                </p:spPr>
-                <p:style>
-                  <a:lnRef idx="0">
-                    <a:scrgbClr r="0" g="0" b="0"/>
-                  </a:lnRef>
-                  <a:fillRef idx="0">
-                    <a:scrgbClr r="0" g="0" b="0"/>
-                  </a:fillRef>
-                  <a:effectRef idx="0">
-                    <a:scrgbClr r="0" g="0" b="0"/>
-                  </a:effectRef>
-                  <a:fontRef idx="minor">
-                    <a:schemeClr val="lt1"/>
-                  </a:fontRef>
-                </p:style>
-                <p:txBody>
-                  <a:bodyPr rtlCol="0" anchor="ctr"/>
-                  <a:lstStyle/>
-                  <a:p>
-                    <a:pPr algn="ctr"/>
-                    <a:endParaRPr lang="fr-FR"/>
-                  </a:p>
-                </p:txBody>
-              </p:sp>
-              <p:sp>
-                <p:nvSpPr>
-                  <p:cNvPr id="44" name="Ellipse 43">
-                    <a:extLst>
-                      <a:ext uri="{FF2B5EF4-FFF2-40B4-BE49-F238E27FC236}">
-                        <a16:creationId xmlns:a16="http://schemas.microsoft.com/office/drawing/2014/main" xmlns="" id="{43AA37E4-352A-4BF4-B8E8-252E6F44E6C2}"/>
-                      </a:ext>
-                    </a:extLst>
-                  </p:cNvPr>
-                  <p:cNvSpPr/>
-                  <p:nvPr/>
-                </p:nvSpPr>
-                <p:spPr>
-                  <a:xfrm>
-                    <a:off x="9519926" y="5578580"/>
-                    <a:ext cx="140817" cy="158401"/>
-                  </a:xfrm>
-                  <a:prstGeom prst="ellipse">
-                    <a:avLst/>
-                  </a:prstGeom>
-                  <a:solidFill>
-                    <a:schemeClr val="accent2"/>
-                  </a:solidFill>
-                  <a:ln>
-                    <a:noFill/>
-                  </a:ln>
-                </p:spPr>
-                <p:style>
-                  <a:lnRef idx="0">
-                    <a:scrgbClr r="0" g="0" b="0"/>
-                  </a:lnRef>
-                  <a:fillRef idx="0">
-                    <a:scrgbClr r="0" g="0" b="0"/>
-                  </a:fillRef>
-                  <a:effectRef idx="0">
-                    <a:scrgbClr r="0" g="0" b="0"/>
-                  </a:effectRef>
-                  <a:fontRef idx="minor">
-                    <a:schemeClr val="lt1"/>
-                  </a:fontRef>
-                </p:style>
-                <p:txBody>
-                  <a:bodyPr rtlCol="0" anchor="ctr"/>
-                  <a:lstStyle/>
-                  <a:p>
-                    <a:pPr algn="ctr"/>
-                    <a:endParaRPr lang="fr-FR"/>
-                  </a:p>
-                </p:txBody>
-              </p:sp>
-            </p:grpSp>
+                <a:prstGeom prst="ellipse">
+                  <a:avLst/>
+                </a:prstGeom>
+                <a:solidFill>
+                  <a:schemeClr val="accent2"/>
+                </a:solidFill>
+                <a:ln>
+                  <a:noFill/>
+                </a:ln>
+              </p:spPr>
+              <p:style>
+                <a:lnRef idx="0">
+                  <a:scrgbClr r="0" g="0" b="0"/>
+                </a:lnRef>
+                <a:fillRef idx="0">
+                  <a:scrgbClr r="0" g="0" b="0"/>
+                </a:fillRef>
+                <a:effectRef idx="0">
+                  <a:scrgbClr r="0" g="0" b="0"/>
+                </a:effectRef>
+                <a:fontRef idx="minor">
+                  <a:schemeClr val="lt1"/>
+                </a:fontRef>
+              </p:style>
+              <p:txBody>
+                <a:bodyPr rtlCol="0" anchor="ctr"/>
+                <a:lstStyle/>
+                <a:p>
+                  <a:pPr algn="ctr"/>
+                  <a:endParaRPr lang="fr-FR"/>
+                </a:p>
+              </p:txBody>
+            </p:sp>
+            <p:sp>
+              <p:nvSpPr>
+                <p:cNvPr id="44" name="Ellipse 43">
+                  <a:extLst>
+                    <a:ext uri="{FF2B5EF4-FFF2-40B4-BE49-F238E27FC236}">
+                      <a16:creationId xmlns="" xmlns:a16="http://schemas.microsoft.com/office/drawing/2014/main" id="{43AA37E4-352A-4BF4-B8E8-252E6F44E6C2}"/>
+                    </a:ext>
+                  </a:extLst>
+                </p:cNvPr>
+                <p:cNvSpPr/>
+                <p:nvPr/>
+              </p:nvSpPr>
+              <p:spPr>
+                <a:xfrm>
+                  <a:off x="9403855" y="7762338"/>
+                  <a:ext cx="140817" cy="158401"/>
+                </a:xfrm>
+                <a:prstGeom prst="ellipse">
+                  <a:avLst/>
+                </a:prstGeom>
+                <a:solidFill>
+                  <a:schemeClr val="accent2"/>
+                </a:solidFill>
+                <a:ln>
+                  <a:noFill/>
+                </a:ln>
+              </p:spPr>
+              <p:style>
+                <a:lnRef idx="0">
+                  <a:scrgbClr r="0" g="0" b="0"/>
+                </a:lnRef>
+                <a:fillRef idx="0">
+                  <a:scrgbClr r="0" g="0" b="0"/>
+                </a:fillRef>
+                <a:effectRef idx="0">
+                  <a:scrgbClr r="0" g="0" b="0"/>
+                </a:effectRef>
+                <a:fontRef idx="minor">
+                  <a:schemeClr val="lt1"/>
+                </a:fontRef>
+              </p:style>
+              <p:txBody>
+                <a:bodyPr rtlCol="0" anchor="ctr"/>
+                <a:lstStyle/>
+                <a:p>
+                  <a:pPr algn="ctr"/>
+                  <a:endParaRPr lang="fr-FR"/>
+                </a:p>
+              </p:txBody>
+            </p:sp>
           </p:grpSp>
         </p:grpSp>
-        <p:sp>
-          <p:nvSpPr>
-            <p:cNvPr id="68" name="ZoneTexte 67">
-              <a:extLst>
-                <a:ext uri="{FF2B5EF4-FFF2-40B4-BE49-F238E27FC236}">
-                  <a16:creationId xmlns:a16="http://schemas.microsoft.com/office/drawing/2014/main" xmlns="" id="{B7AE6750-24D6-4440-BB19-11325D800ACA}"/>
-                </a:ext>
-              </a:extLst>
-            </p:cNvPr>
-            <p:cNvSpPr txBox="1"/>
-            <p:nvPr/>
-          </p:nvSpPr>
-          <p:spPr>
-            <a:xfrm>
-              <a:off x="5047030" y="2156104"/>
-              <a:ext cx="227494" cy="261610"/>
-            </a:xfrm>
-            <a:prstGeom prst="rect">
-              <a:avLst/>
-            </a:prstGeom>
-            <a:noFill/>
-          </p:spPr>
-          <p:txBody>
-            <a:bodyPr wrap="square" rtlCol="0">
-              <a:spAutoFit/>
-            </a:bodyPr>
-            <a:lstStyle/>
-            <a:p>
-              <a:r>
-                <a:rPr lang="fr-FR" sz="1100" b="1" dirty="0"/>
-                <a:t>1</a:t>
-              </a:r>
-            </a:p>
-          </p:txBody>
-        </p:sp>
-        <p:sp>
-          <p:nvSpPr>
-            <p:cNvPr id="69" name="ZoneTexte 68">
-              <a:extLst>
-                <a:ext uri="{FF2B5EF4-FFF2-40B4-BE49-F238E27FC236}">
-                  <a16:creationId xmlns:a16="http://schemas.microsoft.com/office/drawing/2014/main" xmlns="" id="{DB68CA80-0B37-48E0-B6E0-3C7F32D6BC2D}"/>
-                </a:ext>
-              </a:extLst>
-            </p:cNvPr>
-            <p:cNvSpPr txBox="1"/>
-            <p:nvPr/>
-          </p:nvSpPr>
-          <p:spPr>
-            <a:xfrm>
-              <a:off x="5277923" y="2148165"/>
-              <a:ext cx="227494" cy="261610"/>
-            </a:xfrm>
-            <a:prstGeom prst="rect">
-              <a:avLst/>
-            </a:prstGeom>
-            <a:noFill/>
-          </p:spPr>
-          <p:txBody>
-            <a:bodyPr wrap="square" rtlCol="0">
-              <a:spAutoFit/>
-            </a:bodyPr>
-            <a:lstStyle/>
-            <a:p>
-              <a:r>
-                <a:rPr lang="fr-FR" sz="1100" b="1" dirty="0"/>
-                <a:t>2</a:t>
-              </a:r>
-            </a:p>
-          </p:txBody>
-        </p:sp>
       </p:grpSp>
       <p:sp>
         <p:nvSpPr>
-          <p:cNvPr id="84" name="ZoneTexte 83">
+          <p:cNvPr id="68" name="ZoneTexte 67">
             <a:extLst>
               <a:ext uri="{FF2B5EF4-FFF2-40B4-BE49-F238E27FC236}">
-                <a16:creationId xmlns:a16="http://schemas.microsoft.com/office/drawing/2014/main" xmlns="" id="{319BBC48-9983-40FE-8445-64A269F71980}"/>
+                <a16:creationId xmlns="" xmlns:a16="http://schemas.microsoft.com/office/drawing/2014/main" id="{B7AE6750-24D6-4440-BB19-11325D800ACA}"/>
               </a:ext>
             </a:extLst>
           </p:cNvPr>
@@ -4007,8 +4913,8 @@
         </p:nvSpPr>
         <p:spPr>
           <a:xfrm>
-            <a:off x="6555136" y="1473348"/>
-            <a:ext cx="2273954" cy="2554545"/>
+            <a:off x="4857118" y="2429910"/>
+            <a:ext cx="227494" cy="261610"/>
           </a:xfrm>
           <a:prstGeom prst="rect">
             <a:avLst/>
@@ -4021,16 +4927,82 @@
           </a:bodyPr>
           <a:lstStyle/>
           <a:p>
+            <a:r>
+              <a:rPr lang="fr-FR" sz="1100" b="1" dirty="0"/>
+              <a:t>1</a:t>
+            </a:r>
+          </a:p>
+        </p:txBody>
+      </p:sp>
+      <p:sp>
+        <p:nvSpPr>
+          <p:cNvPr id="69" name="ZoneTexte 68">
+            <a:extLst>
+              <a:ext uri="{FF2B5EF4-FFF2-40B4-BE49-F238E27FC236}">
+                <a16:creationId xmlns="" xmlns:a16="http://schemas.microsoft.com/office/drawing/2014/main" id="{DB68CA80-0B37-48E0-B6E0-3C7F32D6BC2D}"/>
+              </a:ext>
+            </a:extLst>
+          </p:cNvPr>
+          <p:cNvSpPr txBox="1"/>
+          <p:nvPr/>
+        </p:nvSpPr>
+        <p:spPr>
+          <a:xfrm>
+            <a:off x="5076141" y="2429910"/>
+            <a:ext cx="227494" cy="261610"/>
+          </a:xfrm>
+          <a:prstGeom prst="rect">
+            <a:avLst/>
+          </a:prstGeom>
+          <a:noFill/>
+        </p:spPr>
+        <p:txBody>
+          <a:bodyPr wrap="square" rtlCol="0">
+            <a:spAutoFit/>
+          </a:bodyPr>
+          <a:lstStyle/>
+          <a:p>
+            <a:r>
+              <a:rPr lang="fr-FR" sz="1100" b="1" dirty="0"/>
+              <a:t>2</a:t>
+            </a:r>
+          </a:p>
+        </p:txBody>
+      </p:sp>
+      <p:sp>
+        <p:nvSpPr>
+          <p:cNvPr id="84" name="ZoneTexte 83">
+            <a:extLst>
+              <a:ext uri="{FF2B5EF4-FFF2-40B4-BE49-F238E27FC236}">
+                <a16:creationId xmlns="" xmlns:a16="http://schemas.microsoft.com/office/drawing/2014/main" id="{319BBC48-9983-40FE-8445-64A269F71980}"/>
+              </a:ext>
+            </a:extLst>
+          </p:cNvPr>
+          <p:cNvSpPr txBox="1"/>
+          <p:nvPr/>
+        </p:nvSpPr>
+        <p:spPr>
+          <a:xfrm>
+            <a:off x="6555136" y="1473348"/>
+            <a:ext cx="2273954" cy="2554545"/>
+          </a:xfrm>
+          <a:prstGeom prst="rect">
+            <a:avLst/>
+          </a:prstGeom>
+          <a:noFill/>
+        </p:spPr>
+        <p:txBody>
+          <a:bodyPr wrap="square" rtlCol="0">
+            <a:spAutoFit/>
+          </a:bodyPr>
+          <a:lstStyle/>
+          <a:p>
             <a:pPr marL="342900" indent="-342900">
               <a:buAutoNum type="arabicPeriod"/>
             </a:pPr>
             <a:r>
               <a:rPr lang="fr-FR" sz="1600" dirty="0" smtClean="0"/>
-              <a:t>Acide benzo</a:t>
-            </a:r>
-            <a:r>
-              <a:rPr lang="fr-FR" sz="1600" dirty="0" smtClean="0"/>
-              <a:t>ïque expérimental</a:t>
+              <a:t>Acide benzoïque expérimental</a:t>
             </a:r>
           </a:p>
           <a:p>
@@ -4050,19 +5022,11 @@
           <a:p>
             <a:r>
               <a:rPr lang="fr-FR" sz="1600" dirty="0"/>
-              <a:t>3</a:t>
-            </a:r>
-            <a:r>
-              <a:rPr lang="fr-FR" sz="1600" dirty="0"/>
-              <a:t>. </a:t>
+              <a:t>3. </a:t>
             </a:r>
             <a:r>
               <a:rPr lang="fr-FR" sz="1600" dirty="0" smtClean="0"/>
-              <a:t>   Benzaldéhyde </a:t>
-            </a:r>
-            <a:r>
-              <a:rPr lang="fr-FR" sz="1600" dirty="0" smtClean="0"/>
-              <a:t>expérimental</a:t>
+              <a:t>   Benzaldéhyde expérimental</a:t>
             </a:r>
             <a:endParaRPr lang="fr-FR" sz="1600" b="1" dirty="0"/>
           </a:p>
@@ -4165,7 +5129,7 @@
           <p:cNvPr id="53" name="Ellipse 52">
             <a:extLst>
               <a:ext uri="{FF2B5EF4-FFF2-40B4-BE49-F238E27FC236}">
-                <a16:creationId xmlns:a16="http://schemas.microsoft.com/office/drawing/2014/main" xmlns="" id="{43AA37E4-352A-4BF4-B8E8-252E6F44E6C2}"/>
+                <a16:creationId xmlns="" xmlns:a16="http://schemas.microsoft.com/office/drawing/2014/main" id="{43AA37E4-352A-4BF4-B8E8-252E6F44E6C2}"/>
               </a:ext>
             </a:extLst>
           </p:cNvPr>
@@ -4174,7 +5138,7 @@
         </p:nvSpPr>
         <p:spPr>
           <a:xfrm>
-            <a:off x="5797407" y="2488148"/>
+            <a:off x="5643091" y="2701810"/>
             <a:ext cx="72000" cy="72001"/>
           </a:xfrm>
           <a:prstGeom prst="ellipse">
@@ -4215,7 +5179,7 @@
           <p:cNvPr id="54" name="Ellipse 53">
             <a:extLst>
               <a:ext uri="{FF2B5EF4-FFF2-40B4-BE49-F238E27FC236}">
-                <a16:creationId xmlns:a16="http://schemas.microsoft.com/office/drawing/2014/main" xmlns="" id="{43AA37E4-352A-4BF4-B8E8-252E6F44E6C2}"/>
+                <a16:creationId xmlns="" xmlns:a16="http://schemas.microsoft.com/office/drawing/2014/main" id="{43AA37E4-352A-4BF4-B8E8-252E6F44E6C2}"/>
               </a:ext>
             </a:extLst>
           </p:cNvPr>
@@ -4224,7 +5188,7 @@
         </p:nvSpPr>
         <p:spPr>
           <a:xfrm>
-            <a:off x="6072364" y="2488150"/>
+            <a:off x="5882439" y="2701813"/>
             <a:ext cx="72000" cy="72001"/>
           </a:xfrm>
           <a:prstGeom prst="ellipse">
@@ -4265,7 +5229,7 @@
           <p:cNvPr id="55" name="ZoneTexte 54">
             <a:extLst>
               <a:ext uri="{FF2B5EF4-FFF2-40B4-BE49-F238E27FC236}">
-                <a16:creationId xmlns:a16="http://schemas.microsoft.com/office/drawing/2014/main" xmlns="" id="{DB68CA80-0B37-48E0-B6E0-3C7F32D6BC2D}"/>
+                <a16:creationId xmlns="" xmlns:a16="http://schemas.microsoft.com/office/drawing/2014/main" id="{DB68CA80-0B37-48E0-B6E0-3C7F32D6BC2D}"/>
               </a:ext>
             </a:extLst>
           </p:cNvPr>
@@ -4274,7 +5238,7 @@
         </p:nvSpPr>
         <p:spPr>
           <a:xfrm>
-            <a:off x="5521975" y="2274381"/>
+            <a:off x="5343931" y="2429910"/>
             <a:ext cx="227494" cy="261610"/>
           </a:xfrm>
           <a:prstGeom prst="rect">
@@ -4292,7 +5256,6 @@
               <a:rPr lang="fr-FR" sz="1100" b="1" dirty="0"/>
               <a:t>3</a:t>
             </a:r>
-            <a:endParaRPr lang="fr-FR" sz="1100" b="1" dirty="0"/>
           </a:p>
         </p:txBody>
       </p:sp>
@@ -4301,7 +5264,7 @@
           <p:cNvPr id="56" name="ZoneTexte 55">
             <a:extLst>
               <a:ext uri="{FF2B5EF4-FFF2-40B4-BE49-F238E27FC236}">
-                <a16:creationId xmlns:a16="http://schemas.microsoft.com/office/drawing/2014/main" xmlns="" id="{DB68CA80-0B37-48E0-B6E0-3C7F32D6BC2D}"/>
+                <a16:creationId xmlns="" xmlns:a16="http://schemas.microsoft.com/office/drawing/2014/main" id="{DB68CA80-0B37-48E0-B6E0-3C7F32D6BC2D}"/>
               </a:ext>
             </a:extLst>
           </p:cNvPr>
@@ -4310,7 +5273,7 @@
         </p:nvSpPr>
         <p:spPr>
           <a:xfrm>
-            <a:off x="5713655" y="2269679"/>
+            <a:off x="5547480" y="2429910"/>
             <a:ext cx="227494" cy="261610"/>
           </a:xfrm>
           <a:prstGeom prst="rect">
@@ -4336,7 +5299,7 @@
           <p:cNvPr id="57" name="ZoneTexte 56">
             <a:extLst>
               <a:ext uri="{FF2B5EF4-FFF2-40B4-BE49-F238E27FC236}">
-                <a16:creationId xmlns:a16="http://schemas.microsoft.com/office/drawing/2014/main" xmlns="" id="{DB68CA80-0B37-48E0-B6E0-3C7F32D6BC2D}"/>
+                <a16:creationId xmlns="" xmlns:a16="http://schemas.microsoft.com/office/drawing/2014/main" id="{DB68CA80-0B37-48E0-B6E0-3C7F32D6BC2D}"/>
               </a:ext>
             </a:extLst>
           </p:cNvPr>
@@ -4345,7 +5308,7 @@
         </p:nvSpPr>
         <p:spPr>
           <a:xfrm>
-            <a:off x="5988614" y="2269680"/>
+            <a:off x="5774954" y="2429910"/>
             <a:ext cx="227494" cy="261610"/>
           </a:xfrm>
           <a:prstGeom prst="rect">
@@ -4363,7 +5326,6 @@
               <a:rPr lang="fr-FR" sz="1100" b="1" dirty="0"/>
               <a:t>5</a:t>
             </a:r>
-            <a:endParaRPr lang="fr-FR" sz="1100" b="1" dirty="0"/>
           </a:p>
         </p:txBody>
       </p:sp>
@@ -4410,7 +5372,7 @@
 </p:sld>
 </file>
 
-<file path=ppt/slides/slide12.xml><?xml version="1.0" encoding="utf-8"?>
+<file path=ppt/slides/slide15.xml><?xml version="1.0" encoding="utf-8"?>
 <p:sld xmlns:a="http://schemas.openxmlformats.org/drawingml/2006/main" xmlns:r="http://schemas.openxmlformats.org/officeDocument/2006/relationships" xmlns:p="http://schemas.openxmlformats.org/presentationml/2006/main">
   <p:cSld>
     <p:spTree>
@@ -4432,7 +5394,7 @@
           <p:cNvPr id="2" name="Espace réservé du numéro de diapositive 1">
             <a:extLst>
               <a:ext uri="{FF2B5EF4-FFF2-40B4-BE49-F238E27FC236}">
-                <a16:creationId xmlns:a16="http://schemas.microsoft.com/office/drawing/2014/main" xmlns="" id="{BE39332B-210B-47A2-B817-3B36F804B453}"/>
+                <a16:creationId xmlns="" xmlns:a16="http://schemas.microsoft.com/office/drawing/2014/main" id="{DBFF135F-B69B-4A65-9006-6BDAC5011DB8}"/>
               </a:ext>
             </a:extLst>
           </p:cNvPr>
@@ -4451,7 +5413,7 @@
             <a:fld id="{4FAB73BC-B049-4115-A692-8D63A059BFB8}" type="slidenum">
               <a:rPr lang="en-US" smtClean="0"/>
               <a:pPr/>
-              <a:t>12</a:t>
+              <a:t>15</a:t>
             </a:fld>
             <a:endParaRPr lang="en-US" dirty="0"/>
           </a:p>
@@ -4462,7 +5424,7 @@
           <p:cNvPr id="3" name="Titre 2">
             <a:extLst>
               <a:ext uri="{FF2B5EF4-FFF2-40B4-BE49-F238E27FC236}">
-                <a16:creationId xmlns:a16="http://schemas.microsoft.com/office/drawing/2014/main" xmlns="" id="{8EA78384-7CF4-42B9-A9FF-2CA834E36808}"/>
+                <a16:creationId xmlns="" xmlns:a16="http://schemas.microsoft.com/office/drawing/2014/main" id="{E4423B90-71E1-4B49-922C-AA4015C36A60}"/>
               </a:ext>
             </a:extLst>
           </p:cNvPr>
@@ -4473,6 +5435,1519 @@
             <p:ph type="title"/>
           </p:nvPr>
         </p:nvSpPr>
+        <p:spPr>
+          <a:xfrm>
+            <a:off x="120770" y="24825"/>
+            <a:ext cx="9023230" cy="694497"/>
+          </a:xfrm>
+        </p:spPr>
+        <p:txBody>
+          <a:bodyPr/>
+          <a:lstStyle/>
+          <a:p>
+            <a:r>
+              <a:rPr lang="fr-FR" dirty="0"/>
+              <a:t>Chromatographie sur couche mince (CCM)</a:t>
+            </a:r>
+          </a:p>
+        </p:txBody>
+      </p:sp>
+      <p:grpSp>
+        <p:nvGrpSpPr>
+          <p:cNvPr id="18" name="Groupe 17">
+            <a:extLst>
+              <a:ext uri="{FF2B5EF4-FFF2-40B4-BE49-F238E27FC236}">
+                <a16:creationId xmlns="" xmlns:a16="http://schemas.microsoft.com/office/drawing/2014/main" id="{CF5B527D-5AE2-4D8E-8682-1F5E221F1EDB}"/>
+              </a:ext>
+            </a:extLst>
+          </p:cNvPr>
+          <p:cNvGrpSpPr/>
+          <p:nvPr/>
+        </p:nvGrpSpPr>
+        <p:grpSpPr>
+          <a:xfrm>
+            <a:off x="140615" y="2294262"/>
+            <a:ext cx="3376040" cy="1898502"/>
+            <a:chOff x="-675872" y="2779917"/>
+            <a:chExt cx="5460927" cy="3112589"/>
+          </a:xfrm>
+        </p:grpSpPr>
+        <p:cxnSp>
+          <p:nvCxnSpPr>
+            <p:cNvPr id="19" name="Connecteur droit 18">
+              <a:extLst>
+                <a:ext uri="{FF2B5EF4-FFF2-40B4-BE49-F238E27FC236}">
+                  <a16:creationId xmlns="" xmlns:a16="http://schemas.microsoft.com/office/drawing/2014/main" id="{98948A1E-BF8A-48C5-AC62-086DEB5AB683}"/>
+                </a:ext>
+              </a:extLst>
+            </p:cNvPr>
+            <p:cNvCxnSpPr>
+              <a:cxnSpLocks/>
+            </p:cNvCxnSpPr>
+            <p:nvPr/>
+          </p:nvCxnSpPr>
+          <p:spPr>
+            <a:xfrm>
+              <a:off x="2636916" y="5213773"/>
+              <a:ext cx="2148139" cy="0"/>
+            </a:xfrm>
+            <a:prstGeom prst="line">
+              <a:avLst/>
+            </a:prstGeom>
+          </p:spPr>
+          <p:style>
+            <a:lnRef idx="1">
+              <a:schemeClr val="dk1"/>
+            </a:lnRef>
+            <a:fillRef idx="0">
+              <a:schemeClr val="dk1"/>
+            </a:fillRef>
+            <a:effectRef idx="0">
+              <a:schemeClr val="dk1"/>
+            </a:effectRef>
+            <a:fontRef idx="minor">
+              <a:schemeClr val="tx1"/>
+            </a:fontRef>
+          </p:style>
+        </p:cxnSp>
+        <p:grpSp>
+          <p:nvGrpSpPr>
+            <p:cNvPr id="20" name="Groupe 19">
+              <a:extLst>
+                <a:ext uri="{FF2B5EF4-FFF2-40B4-BE49-F238E27FC236}">
+                  <a16:creationId xmlns="" xmlns:a16="http://schemas.microsoft.com/office/drawing/2014/main" id="{18031C64-8C12-4AB8-98C9-8AC555BFC713}"/>
+                </a:ext>
+              </a:extLst>
+            </p:cNvPr>
+            <p:cNvGrpSpPr/>
+            <p:nvPr/>
+          </p:nvGrpSpPr>
+          <p:grpSpPr>
+            <a:xfrm>
+              <a:off x="-675872" y="2779917"/>
+              <a:ext cx="5460927" cy="3112589"/>
+              <a:chOff x="-675872" y="2779917"/>
+              <a:chExt cx="5460927" cy="3112589"/>
+            </a:xfrm>
+          </p:grpSpPr>
+          <p:grpSp>
+            <p:nvGrpSpPr>
+              <p:cNvPr id="21" name="Groupe 20">
+                <a:extLst>
+                  <a:ext uri="{FF2B5EF4-FFF2-40B4-BE49-F238E27FC236}">
+                    <a16:creationId xmlns="" xmlns:a16="http://schemas.microsoft.com/office/drawing/2014/main" id="{D1FEAFA1-C9A6-4254-9752-B1D49C031361}"/>
+                  </a:ext>
+                </a:extLst>
+              </p:cNvPr>
+              <p:cNvGrpSpPr/>
+              <p:nvPr/>
+            </p:nvGrpSpPr>
+            <p:grpSpPr>
+              <a:xfrm>
+                <a:off x="-675872" y="4126410"/>
+                <a:ext cx="4389579" cy="1766096"/>
+                <a:chOff x="-675872" y="4126410"/>
+                <a:chExt cx="4389579" cy="1766096"/>
+              </a:xfrm>
+            </p:grpSpPr>
+            <p:sp>
+              <p:nvSpPr>
+                <p:cNvPr id="29" name="ZoneTexte 28">
+                  <a:extLst>
+                    <a:ext uri="{FF2B5EF4-FFF2-40B4-BE49-F238E27FC236}">
+                      <a16:creationId xmlns="" xmlns:a16="http://schemas.microsoft.com/office/drawing/2014/main" id="{70422014-72F8-4558-A6D3-AA403DBBB3A4}"/>
+                    </a:ext>
+                  </a:extLst>
+                </p:cNvPr>
+                <p:cNvSpPr txBox="1"/>
+                <p:nvPr/>
+              </p:nvSpPr>
+              <p:spPr>
+                <a:xfrm>
+                  <a:off x="-675872" y="4126410"/>
+                  <a:ext cx="3113416" cy="1766096"/>
+                </a:xfrm>
+                <a:prstGeom prst="rect">
+                  <a:avLst/>
+                </a:prstGeom>
+              </p:spPr>
+              <p:style>
+                <a:lnRef idx="2">
+                  <a:schemeClr val="accent2"/>
+                </a:lnRef>
+                <a:fillRef idx="1">
+                  <a:schemeClr val="lt1"/>
+                </a:fillRef>
+                <a:effectRef idx="0">
+                  <a:schemeClr val="accent2"/>
+                </a:effectRef>
+                <a:fontRef idx="minor">
+                  <a:schemeClr val="dk1"/>
+                </a:fontRef>
+              </p:style>
+              <p:txBody>
+                <a:bodyPr wrap="square" rtlCol="0">
+                  <a:spAutoFit/>
+                </a:bodyPr>
+                <a:lstStyle/>
+                <a:p>
+                  <a:r>
+                    <a:rPr lang="fr-FR" sz="1600" dirty="0"/>
+                    <a:t>Eluant :</a:t>
+                  </a:r>
+                </a:p>
+                <a:p>
+                  <a:pPr marL="285750" indent="-285750">
+                    <a:buFont typeface="Arial" panose="020B0604020202020204" pitchFamily="34" charset="0"/>
+                    <a:buChar char="•"/>
+                  </a:pPr>
+                  <a:r>
+                    <a:rPr lang="fr-FR" sz="1600" dirty="0"/>
+                    <a:t>Cyclohexane 2</a:t>
+                  </a:r>
+                  <a:r>
+                    <a:rPr lang="fr-FR" sz="1600" dirty="0" smtClean="0"/>
+                    <a:t>/</a:t>
+                  </a:r>
+                  <a:r>
+                    <a:rPr lang="fr-FR" sz="1600" dirty="0"/>
+                    <a:t>3</a:t>
+                  </a:r>
+                </a:p>
+                <a:p>
+                  <a:pPr marL="285750" indent="-285750">
+                    <a:buFont typeface="Arial" panose="020B0604020202020204" pitchFamily="34" charset="0"/>
+                    <a:buChar char="•"/>
+                  </a:pPr>
+                  <a:r>
+                    <a:rPr lang="fr-FR" sz="1600" dirty="0"/>
+                    <a:t>Éthanoate d’éthyle 1</a:t>
+                  </a:r>
+                  <a:r>
+                    <a:rPr lang="fr-FR" sz="1600" dirty="0" smtClean="0"/>
+                    <a:t>/3</a:t>
+                  </a:r>
+                  <a:endParaRPr lang="fr-FR" sz="1600" dirty="0"/>
+                </a:p>
+              </p:txBody>
+            </p:sp>
+            <p:cxnSp>
+              <p:nvCxnSpPr>
+                <p:cNvPr id="30" name="Connecteur droit avec flèche 29">
+                  <a:extLst>
+                    <a:ext uri="{FF2B5EF4-FFF2-40B4-BE49-F238E27FC236}">
+                      <a16:creationId xmlns="" xmlns:a16="http://schemas.microsoft.com/office/drawing/2014/main" id="{47ADF50E-AFBC-4429-9A50-7512DE6A9C62}"/>
+                    </a:ext>
+                  </a:extLst>
+                </p:cNvPr>
+                <p:cNvCxnSpPr>
+                  <a:cxnSpLocks/>
+                </p:cNvCxnSpPr>
+                <p:nvPr/>
+              </p:nvCxnSpPr>
+              <p:spPr>
+                <a:xfrm>
+                  <a:off x="2437541" y="5436042"/>
+                  <a:ext cx="1276166" cy="21645"/>
+                </a:xfrm>
+                <a:prstGeom prst="straightConnector1">
+                  <a:avLst/>
+                </a:prstGeom>
+                <a:ln>
+                  <a:tailEnd type="triangle"/>
+                </a:ln>
+              </p:spPr>
+              <p:style>
+                <a:lnRef idx="2">
+                  <a:schemeClr val="accent2"/>
+                </a:lnRef>
+                <a:fillRef idx="1">
+                  <a:schemeClr val="lt1"/>
+                </a:fillRef>
+                <a:effectRef idx="0">
+                  <a:schemeClr val="accent2"/>
+                </a:effectRef>
+                <a:fontRef idx="minor">
+                  <a:schemeClr val="dk1"/>
+                </a:fontRef>
+              </p:style>
+            </p:cxnSp>
+          </p:grpSp>
+          <p:grpSp>
+            <p:nvGrpSpPr>
+              <p:cNvPr id="22" name="Groupe 21">
+                <a:extLst>
+                  <a:ext uri="{FF2B5EF4-FFF2-40B4-BE49-F238E27FC236}">
+                    <a16:creationId xmlns="" xmlns:a16="http://schemas.microsoft.com/office/drawing/2014/main" id="{64F5239F-D662-4765-A74D-0F83FEEEE03F}"/>
+                  </a:ext>
+                </a:extLst>
+              </p:cNvPr>
+              <p:cNvGrpSpPr/>
+              <p:nvPr/>
+            </p:nvGrpSpPr>
+            <p:grpSpPr>
+              <a:xfrm>
+                <a:off x="-23729" y="2779917"/>
+                <a:ext cx="4808784" cy="2972094"/>
+                <a:chOff x="-23729" y="2779917"/>
+                <a:chExt cx="4808784" cy="2972094"/>
+              </a:xfrm>
+            </p:grpSpPr>
+            <p:sp>
+              <p:nvSpPr>
+                <p:cNvPr id="27" name="Arrondir un rectangle avec un coin du même côté 734">
+                  <a:extLst>
+                    <a:ext uri="{FF2B5EF4-FFF2-40B4-BE49-F238E27FC236}">
+                      <a16:creationId xmlns="" xmlns:a16="http://schemas.microsoft.com/office/drawing/2014/main" id="{4A75EB70-F5C6-45C4-B962-BB13936E8907}"/>
+                    </a:ext>
+                  </a:extLst>
+                </p:cNvPr>
+                <p:cNvSpPr/>
+                <p:nvPr/>
+              </p:nvSpPr>
+              <p:spPr>
+                <a:xfrm rot="10800000" flipH="1">
+                  <a:off x="2636916" y="3025115"/>
+                  <a:ext cx="2148139" cy="2726896"/>
+                </a:xfrm>
+                <a:custGeom>
+                  <a:avLst/>
+                  <a:gdLst>
+                    <a:gd name="connsiteX0" fmla="*/ 358030 w 2148139"/>
+                    <a:gd name="connsiteY0" fmla="*/ 0 h 2726896"/>
+                    <a:gd name="connsiteX1" fmla="*/ 1790109 w 2148139"/>
+                    <a:gd name="connsiteY1" fmla="*/ 0 h 2726896"/>
+                    <a:gd name="connsiteX2" fmla="*/ 2148139 w 2148139"/>
+                    <a:gd name="connsiteY2" fmla="*/ 358030 h 2726896"/>
+                    <a:gd name="connsiteX3" fmla="*/ 2148139 w 2148139"/>
+                    <a:gd name="connsiteY3" fmla="*/ 2726896 h 2726896"/>
+                    <a:gd name="connsiteX4" fmla="*/ 2148139 w 2148139"/>
+                    <a:gd name="connsiteY4" fmla="*/ 2726896 h 2726896"/>
+                    <a:gd name="connsiteX5" fmla="*/ 0 w 2148139"/>
+                    <a:gd name="connsiteY5" fmla="*/ 2726896 h 2726896"/>
+                    <a:gd name="connsiteX6" fmla="*/ 0 w 2148139"/>
+                    <a:gd name="connsiteY6" fmla="*/ 2726896 h 2726896"/>
+                    <a:gd name="connsiteX7" fmla="*/ 0 w 2148139"/>
+                    <a:gd name="connsiteY7" fmla="*/ 358030 h 2726896"/>
+                    <a:gd name="connsiteX8" fmla="*/ 358030 w 2148139"/>
+                    <a:gd name="connsiteY8" fmla="*/ 0 h 2726896"/>
+                    <a:gd name="connsiteX0" fmla="*/ 0 w 2239579"/>
+                    <a:gd name="connsiteY0" fmla="*/ 2726896 h 2818336"/>
+                    <a:gd name="connsiteX1" fmla="*/ 0 w 2239579"/>
+                    <a:gd name="connsiteY1" fmla="*/ 2726896 h 2818336"/>
+                    <a:gd name="connsiteX2" fmla="*/ 0 w 2239579"/>
+                    <a:gd name="connsiteY2" fmla="*/ 358030 h 2818336"/>
+                    <a:gd name="connsiteX3" fmla="*/ 358030 w 2239579"/>
+                    <a:gd name="connsiteY3" fmla="*/ 0 h 2818336"/>
+                    <a:gd name="connsiteX4" fmla="*/ 1790109 w 2239579"/>
+                    <a:gd name="connsiteY4" fmla="*/ 0 h 2818336"/>
+                    <a:gd name="connsiteX5" fmla="*/ 2148139 w 2239579"/>
+                    <a:gd name="connsiteY5" fmla="*/ 358030 h 2818336"/>
+                    <a:gd name="connsiteX6" fmla="*/ 2148139 w 2239579"/>
+                    <a:gd name="connsiteY6" fmla="*/ 2726896 h 2818336"/>
+                    <a:gd name="connsiteX7" fmla="*/ 2239579 w 2239579"/>
+                    <a:gd name="connsiteY7" fmla="*/ 2818336 h 2818336"/>
+                    <a:gd name="connsiteX0" fmla="*/ 0 w 2148139"/>
+                    <a:gd name="connsiteY0" fmla="*/ 2726896 h 2726896"/>
+                    <a:gd name="connsiteX1" fmla="*/ 0 w 2148139"/>
+                    <a:gd name="connsiteY1" fmla="*/ 2726896 h 2726896"/>
+                    <a:gd name="connsiteX2" fmla="*/ 0 w 2148139"/>
+                    <a:gd name="connsiteY2" fmla="*/ 358030 h 2726896"/>
+                    <a:gd name="connsiteX3" fmla="*/ 358030 w 2148139"/>
+                    <a:gd name="connsiteY3" fmla="*/ 0 h 2726896"/>
+                    <a:gd name="connsiteX4" fmla="*/ 1790109 w 2148139"/>
+                    <a:gd name="connsiteY4" fmla="*/ 0 h 2726896"/>
+                    <a:gd name="connsiteX5" fmla="*/ 2148139 w 2148139"/>
+                    <a:gd name="connsiteY5" fmla="*/ 358030 h 2726896"/>
+                    <a:gd name="connsiteX6" fmla="*/ 2148139 w 2148139"/>
+                    <a:gd name="connsiteY6" fmla="*/ 2726896 h 2726896"/>
+                  </a:gdLst>
+                  <a:ahLst/>
+                  <a:cxnLst>
+                    <a:cxn ang="0">
+                      <a:pos x="connsiteX0" y="connsiteY0"/>
+                    </a:cxn>
+                    <a:cxn ang="0">
+                      <a:pos x="connsiteX1" y="connsiteY1"/>
+                    </a:cxn>
+                    <a:cxn ang="0">
+                      <a:pos x="connsiteX2" y="connsiteY2"/>
+                    </a:cxn>
+                    <a:cxn ang="0">
+                      <a:pos x="connsiteX3" y="connsiteY3"/>
+                    </a:cxn>
+                    <a:cxn ang="0">
+                      <a:pos x="connsiteX4" y="connsiteY4"/>
+                    </a:cxn>
+                    <a:cxn ang="0">
+                      <a:pos x="connsiteX5" y="connsiteY5"/>
+                    </a:cxn>
+                    <a:cxn ang="0">
+                      <a:pos x="connsiteX6" y="connsiteY6"/>
+                    </a:cxn>
+                  </a:cxnLst>
+                  <a:rect l="l" t="t" r="r" b="b"/>
+                  <a:pathLst>
+                    <a:path w="2148139" h="2726896">
+                      <a:moveTo>
+                        <a:pt x="0" y="2726896"/>
+                      </a:moveTo>
+                      <a:lnTo>
+                        <a:pt x="0" y="2726896"/>
+                      </a:lnTo>
+                      <a:lnTo>
+                        <a:pt x="0" y="358030"/>
+                      </a:lnTo>
+                      <a:cubicBezTo>
+                        <a:pt x="0" y="160295"/>
+                        <a:pt x="160295" y="0"/>
+                        <a:pt x="358030" y="0"/>
+                      </a:cubicBezTo>
+                      <a:lnTo>
+                        <a:pt x="1790109" y="0"/>
+                      </a:lnTo>
+                      <a:cubicBezTo>
+                        <a:pt x="1987844" y="0"/>
+                        <a:pt x="2148139" y="160295"/>
+                        <a:pt x="2148139" y="358030"/>
+                      </a:cubicBezTo>
+                      <a:lnTo>
+                        <a:pt x="2148139" y="2726896"/>
+                      </a:lnTo>
+                    </a:path>
+                  </a:pathLst>
+                </a:custGeom>
+                <a:noFill/>
+                <a:ln w="12700" cmpd="sng">
+                  <a:solidFill>
+                    <a:schemeClr val="tx1"/>
+                  </a:solidFill>
+                </a:ln>
+                <a:effectLst/>
+              </p:spPr>
+              <p:style>
+                <a:lnRef idx="1">
+                  <a:schemeClr val="accent1"/>
+                </a:lnRef>
+                <a:fillRef idx="3">
+                  <a:schemeClr val="accent1"/>
+                </a:fillRef>
+                <a:effectRef idx="2">
+                  <a:schemeClr val="accent1"/>
+                </a:effectRef>
+                <a:fontRef idx="minor">
+                  <a:schemeClr val="lt1"/>
+                </a:fontRef>
+              </p:style>
+              <p:txBody>
+                <a:bodyPr rot="0" spcFirstLastPara="0" vert="horz" wrap="square" lIns="91440" tIns="45720" rIns="91440" bIns="45720" numCol="1" spcCol="0" rtlCol="0" fromWordArt="0" anchor="t" anchorCtr="0" forceAA="0" compatLnSpc="1">
+                  <a:prstTxWarp prst="textNoShape">
+                    <a:avLst/>
+                  </a:prstTxWarp>
+                  <a:noAutofit/>
+                </a:bodyPr>
+                <a:lstStyle/>
+                <a:p>
+                  <a:endParaRPr lang="fr-FR" dirty="0"/>
+                </a:p>
+              </p:txBody>
+            </p:sp>
+            <p:grpSp>
+              <p:nvGrpSpPr>
+                <p:cNvPr id="24" name="Groupe 23">
+                  <a:extLst>
+                    <a:ext uri="{FF2B5EF4-FFF2-40B4-BE49-F238E27FC236}">
+                      <a16:creationId xmlns="" xmlns:a16="http://schemas.microsoft.com/office/drawing/2014/main" id="{27B4B310-13BC-49E1-8793-BB4A1A0E7708}"/>
+                    </a:ext>
+                  </a:extLst>
+                </p:cNvPr>
+                <p:cNvGrpSpPr/>
+                <p:nvPr/>
+              </p:nvGrpSpPr>
+              <p:grpSpPr>
+                <a:xfrm>
+                  <a:off x="-23729" y="2779917"/>
+                  <a:ext cx="2847915" cy="1239678"/>
+                  <a:chOff x="-23729" y="2779917"/>
+                  <a:chExt cx="2847915" cy="1239678"/>
+                </a:xfrm>
+              </p:grpSpPr>
+              <p:sp>
+                <p:nvSpPr>
+                  <p:cNvPr id="25" name="ZoneTexte 24">
+                    <a:extLst>
+                      <a:ext uri="{FF2B5EF4-FFF2-40B4-BE49-F238E27FC236}">
+                        <a16:creationId xmlns="" xmlns:a16="http://schemas.microsoft.com/office/drawing/2014/main" id="{25B12ED7-9421-4643-9AC3-2F7A7E42BCB5}"/>
+                      </a:ext>
+                    </a:extLst>
+                  </p:cNvPr>
+                  <p:cNvSpPr txBox="1"/>
+                  <p:nvPr/>
+                </p:nvSpPr>
+                <p:spPr>
+                  <a:xfrm>
+                    <a:off x="-23729" y="2779917"/>
+                    <a:ext cx="1811069" cy="1059659"/>
+                  </a:xfrm>
+                  <a:prstGeom prst="rect">
+                    <a:avLst/>
+                  </a:prstGeom>
+                </p:spPr>
+                <p:style>
+                  <a:lnRef idx="2">
+                    <a:schemeClr val="accent2"/>
+                  </a:lnRef>
+                  <a:fillRef idx="1">
+                    <a:schemeClr val="lt1"/>
+                  </a:fillRef>
+                  <a:effectRef idx="0">
+                    <a:schemeClr val="accent2"/>
+                  </a:effectRef>
+                  <a:fontRef idx="minor">
+                    <a:schemeClr val="dk1"/>
+                  </a:fontRef>
+                </p:style>
+                <p:txBody>
+                  <a:bodyPr wrap="square" rtlCol="0">
+                    <a:spAutoFit/>
+                  </a:bodyPr>
+                  <a:lstStyle/>
+                  <a:p>
+                    <a:r>
+                      <a:rPr lang="fr-FR" dirty="0" smtClean="0"/>
+                      <a:t>Plaque de Silice</a:t>
+                    </a:r>
+                    <a:endParaRPr lang="fr-FR" dirty="0"/>
+                  </a:p>
+                </p:txBody>
+              </p:sp>
+              <p:cxnSp>
+                <p:nvCxnSpPr>
+                  <p:cNvPr id="26" name="Connecteur droit avec flèche 25">
+                    <a:extLst>
+                      <a:ext uri="{FF2B5EF4-FFF2-40B4-BE49-F238E27FC236}">
+                        <a16:creationId xmlns="" xmlns:a16="http://schemas.microsoft.com/office/drawing/2014/main" id="{4EC9263E-1573-41C0-9889-CE348B2F7886}"/>
+                      </a:ext>
+                    </a:extLst>
+                  </p:cNvPr>
+                  <p:cNvCxnSpPr>
+                    <a:cxnSpLocks/>
+                  </p:cNvCxnSpPr>
+                  <p:nvPr/>
+                </p:nvCxnSpPr>
+                <p:spPr>
+                  <a:xfrm>
+                    <a:off x="2146457" y="4019595"/>
+                    <a:ext cx="677729" cy="0"/>
+                  </a:xfrm>
+                  <a:prstGeom prst="straightConnector1">
+                    <a:avLst/>
+                  </a:prstGeom>
+                  <a:ln>
+                    <a:tailEnd type="triangle"/>
+                  </a:ln>
+                </p:spPr>
+                <p:style>
+                  <a:lnRef idx="2">
+                    <a:schemeClr val="accent2"/>
+                  </a:lnRef>
+                  <a:fillRef idx="1">
+                    <a:schemeClr val="lt1"/>
+                  </a:fillRef>
+                  <a:effectRef idx="0">
+                    <a:schemeClr val="accent2"/>
+                  </a:effectRef>
+                  <a:fontRef idx="minor">
+                    <a:schemeClr val="dk1"/>
+                  </a:fontRef>
+                </p:style>
+              </p:cxnSp>
+            </p:grpSp>
+          </p:grpSp>
+        </p:grpSp>
+      </p:grpSp>
+      <p:grpSp>
+        <p:nvGrpSpPr>
+          <p:cNvPr id="36" name="Groupe 35">
+            <a:extLst>
+              <a:ext uri="{FF2B5EF4-FFF2-40B4-BE49-F238E27FC236}">
+                <a16:creationId xmlns="" xmlns:a16="http://schemas.microsoft.com/office/drawing/2014/main" id="{4916D246-07AE-46E0-8CDB-A8E22538CF6D}"/>
+              </a:ext>
+            </a:extLst>
+          </p:cNvPr>
+          <p:cNvGrpSpPr/>
+          <p:nvPr/>
+        </p:nvGrpSpPr>
+        <p:grpSpPr>
+          <a:xfrm>
+            <a:off x="4785295" y="1250066"/>
+            <a:ext cx="1328019" cy="1786346"/>
+            <a:chOff x="8511061" y="4340451"/>
+            <a:chExt cx="3009460" cy="4553558"/>
+          </a:xfrm>
+        </p:grpSpPr>
+        <p:sp>
+          <p:nvSpPr>
+            <p:cNvPr id="37" name="Rectangle 36">
+              <a:extLst>
+                <a:ext uri="{FF2B5EF4-FFF2-40B4-BE49-F238E27FC236}">
+                  <a16:creationId xmlns="" xmlns:a16="http://schemas.microsoft.com/office/drawing/2014/main" id="{873C14F8-0712-404D-A4AB-7B144D97F5D0}"/>
+                </a:ext>
+              </a:extLst>
+            </p:cNvPr>
+            <p:cNvSpPr/>
+            <p:nvPr/>
+          </p:nvSpPr>
+          <p:spPr>
+            <a:xfrm>
+              <a:off x="8511061" y="4340451"/>
+              <a:ext cx="3009458" cy="4553558"/>
+            </a:xfrm>
+            <a:prstGeom prst="rect">
+              <a:avLst/>
+            </a:prstGeom>
+          </p:spPr>
+          <p:style>
+            <a:lnRef idx="2">
+              <a:schemeClr val="dk1"/>
+            </a:lnRef>
+            <a:fillRef idx="1">
+              <a:schemeClr val="lt1"/>
+            </a:fillRef>
+            <a:effectRef idx="0">
+              <a:schemeClr val="dk1"/>
+            </a:effectRef>
+            <a:fontRef idx="minor">
+              <a:schemeClr val="dk1"/>
+            </a:fontRef>
+          </p:style>
+          <p:txBody>
+            <a:bodyPr rtlCol="0" anchor="ctr"/>
+            <a:lstStyle/>
+            <a:p>
+              <a:pPr algn="ctr"/>
+              <a:endParaRPr lang="fr-FR" dirty="0"/>
+            </a:p>
+          </p:txBody>
+        </p:sp>
+        <p:grpSp>
+          <p:nvGrpSpPr>
+            <p:cNvPr id="38" name="Groupe 37">
+              <a:extLst>
+                <a:ext uri="{FF2B5EF4-FFF2-40B4-BE49-F238E27FC236}">
+                  <a16:creationId xmlns="" xmlns:a16="http://schemas.microsoft.com/office/drawing/2014/main" id="{BE1676BE-74C1-44CB-8ACD-02C82D290135}"/>
+                </a:ext>
+              </a:extLst>
+            </p:cNvPr>
+            <p:cNvGrpSpPr/>
+            <p:nvPr/>
+          </p:nvGrpSpPr>
+          <p:grpSpPr>
+            <a:xfrm>
+              <a:off x="8511063" y="5594241"/>
+              <a:ext cx="3009458" cy="2552091"/>
+              <a:chOff x="7851846" y="5649131"/>
+              <a:chExt cx="3009458" cy="2552091"/>
+            </a:xfrm>
+          </p:grpSpPr>
+          <p:cxnSp>
+            <p:nvCxnSpPr>
+              <p:cNvPr id="39" name="Connecteur droit 38">
+                <a:extLst>
+                  <a:ext uri="{FF2B5EF4-FFF2-40B4-BE49-F238E27FC236}">
+                    <a16:creationId xmlns="" xmlns:a16="http://schemas.microsoft.com/office/drawing/2014/main" id="{5177A6E5-0AB6-40EB-B78C-59B10FE18B4F}"/>
+                  </a:ext>
+                </a:extLst>
+              </p:cNvPr>
+              <p:cNvCxnSpPr>
+                <a:cxnSpLocks/>
+              </p:cNvCxnSpPr>
+              <p:nvPr/>
+            </p:nvCxnSpPr>
+            <p:spPr>
+              <a:xfrm>
+                <a:off x="7851846" y="8201222"/>
+                <a:ext cx="3009458" cy="0"/>
+              </a:xfrm>
+              <a:prstGeom prst="line">
+                <a:avLst/>
+              </a:prstGeom>
+            </p:spPr>
+            <p:style>
+              <a:lnRef idx="1">
+                <a:schemeClr val="dk1"/>
+              </a:lnRef>
+              <a:fillRef idx="0">
+                <a:schemeClr val="dk1"/>
+              </a:fillRef>
+              <a:effectRef idx="0">
+                <a:schemeClr val="dk1"/>
+              </a:effectRef>
+              <a:fontRef idx="minor">
+                <a:schemeClr val="tx1"/>
+              </a:fontRef>
+            </p:style>
+          </p:cxnSp>
+          <p:grpSp>
+            <p:nvGrpSpPr>
+              <p:cNvPr id="40" name="Groupe 39">
+                <a:extLst>
+                  <a:ext uri="{FF2B5EF4-FFF2-40B4-BE49-F238E27FC236}">
+                    <a16:creationId xmlns="" xmlns:a16="http://schemas.microsoft.com/office/drawing/2014/main" id="{0AFA783B-93D2-4F19-A6C9-B6EA02A7595B}"/>
+                  </a:ext>
+                </a:extLst>
+              </p:cNvPr>
+              <p:cNvGrpSpPr/>
+              <p:nvPr/>
+            </p:nvGrpSpPr>
+            <p:grpSpPr>
+              <a:xfrm>
+                <a:off x="8220473" y="5649131"/>
+                <a:ext cx="1253053" cy="1545037"/>
+                <a:chOff x="8463217" y="5647264"/>
+                <a:chExt cx="1081455" cy="1333463"/>
+              </a:xfrm>
+            </p:grpSpPr>
+            <p:sp>
+              <p:nvSpPr>
+                <p:cNvPr id="42" name="Ellipse 41">
+                  <a:extLst>
+                    <a:ext uri="{FF2B5EF4-FFF2-40B4-BE49-F238E27FC236}">
+                      <a16:creationId xmlns="" xmlns:a16="http://schemas.microsoft.com/office/drawing/2014/main" id="{F4E2F3A1-8D73-4835-8773-D7A76618291E}"/>
+                    </a:ext>
+                  </a:extLst>
+                </p:cNvPr>
+                <p:cNvSpPr/>
+                <p:nvPr/>
+              </p:nvSpPr>
+              <p:spPr>
+                <a:xfrm>
+                  <a:off x="8463217" y="6822323"/>
+                  <a:ext cx="140817" cy="158404"/>
+                </a:xfrm>
+                <a:prstGeom prst="ellipse">
+                  <a:avLst/>
+                </a:prstGeom>
+                <a:solidFill>
+                  <a:schemeClr val="accent2"/>
+                </a:solidFill>
+                <a:ln>
+                  <a:noFill/>
+                </a:ln>
+              </p:spPr>
+              <p:style>
+                <a:lnRef idx="0">
+                  <a:scrgbClr r="0" g="0" b="0"/>
+                </a:lnRef>
+                <a:fillRef idx="0">
+                  <a:scrgbClr r="0" g="0" b="0"/>
+                </a:fillRef>
+                <a:effectRef idx="0">
+                  <a:scrgbClr r="0" g="0" b="0"/>
+                </a:effectRef>
+                <a:fontRef idx="minor">
+                  <a:schemeClr val="lt1"/>
+                </a:fontRef>
+              </p:style>
+              <p:txBody>
+                <a:bodyPr rtlCol="0" anchor="ctr"/>
+                <a:lstStyle/>
+                <a:p>
+                  <a:pPr algn="ctr"/>
+                  <a:endParaRPr lang="fr-FR" dirty="0"/>
+                </a:p>
+              </p:txBody>
+            </p:sp>
+            <p:sp>
+              <p:nvSpPr>
+                <p:cNvPr id="43" name="Ellipse 42">
+                  <a:extLst>
+                    <a:ext uri="{FF2B5EF4-FFF2-40B4-BE49-F238E27FC236}">
+                      <a16:creationId xmlns="" xmlns:a16="http://schemas.microsoft.com/office/drawing/2014/main" id="{23BE5901-698E-45AB-A92A-D44AF3FAFD53}"/>
+                    </a:ext>
+                  </a:extLst>
+                </p:cNvPr>
+                <p:cNvSpPr/>
+                <p:nvPr/>
+              </p:nvSpPr>
+              <p:spPr>
+                <a:xfrm>
+                  <a:off x="8920885" y="6822326"/>
+                  <a:ext cx="140817" cy="158397"/>
+                </a:xfrm>
+                <a:prstGeom prst="ellipse">
+                  <a:avLst/>
+                </a:prstGeom>
+                <a:solidFill>
+                  <a:schemeClr val="accent2"/>
+                </a:solidFill>
+                <a:ln>
+                  <a:noFill/>
+                </a:ln>
+              </p:spPr>
+              <p:style>
+                <a:lnRef idx="0">
+                  <a:scrgbClr r="0" g="0" b="0"/>
+                </a:lnRef>
+                <a:fillRef idx="0">
+                  <a:scrgbClr r="0" g="0" b="0"/>
+                </a:fillRef>
+                <a:effectRef idx="0">
+                  <a:scrgbClr r="0" g="0" b="0"/>
+                </a:effectRef>
+                <a:fontRef idx="minor">
+                  <a:schemeClr val="lt1"/>
+                </a:fontRef>
+              </p:style>
+              <p:txBody>
+                <a:bodyPr rtlCol="0" anchor="ctr"/>
+                <a:lstStyle/>
+                <a:p>
+                  <a:pPr algn="ctr"/>
+                  <a:endParaRPr lang="fr-FR"/>
+                </a:p>
+              </p:txBody>
+            </p:sp>
+            <p:sp>
+              <p:nvSpPr>
+                <p:cNvPr id="44" name="Ellipse 43">
+                  <a:extLst>
+                    <a:ext uri="{FF2B5EF4-FFF2-40B4-BE49-F238E27FC236}">
+                      <a16:creationId xmlns="" xmlns:a16="http://schemas.microsoft.com/office/drawing/2014/main" id="{43AA37E4-352A-4BF4-B8E8-252E6F44E6C2}"/>
+                    </a:ext>
+                  </a:extLst>
+                </p:cNvPr>
+                <p:cNvSpPr/>
+                <p:nvPr/>
+              </p:nvSpPr>
+              <p:spPr>
+                <a:xfrm>
+                  <a:off x="9403855" y="5647264"/>
+                  <a:ext cx="140817" cy="158406"/>
+                </a:xfrm>
+                <a:prstGeom prst="ellipse">
+                  <a:avLst/>
+                </a:prstGeom>
+                <a:solidFill>
+                  <a:schemeClr val="accent2"/>
+                </a:solidFill>
+                <a:ln>
+                  <a:noFill/>
+                </a:ln>
+              </p:spPr>
+              <p:style>
+                <a:lnRef idx="0">
+                  <a:scrgbClr r="0" g="0" b="0"/>
+                </a:lnRef>
+                <a:fillRef idx="0">
+                  <a:scrgbClr r="0" g="0" b="0"/>
+                </a:fillRef>
+                <a:effectRef idx="0">
+                  <a:scrgbClr r="0" g="0" b="0"/>
+                </a:effectRef>
+                <a:fontRef idx="minor">
+                  <a:schemeClr val="lt1"/>
+                </a:fontRef>
+              </p:style>
+              <p:txBody>
+                <a:bodyPr rtlCol="0" anchor="ctr"/>
+                <a:lstStyle/>
+                <a:p>
+                  <a:pPr algn="ctr"/>
+                  <a:endParaRPr lang="fr-FR"/>
+                </a:p>
+              </p:txBody>
+            </p:sp>
+          </p:grpSp>
+        </p:grpSp>
+      </p:grpSp>
+      <p:sp>
+        <p:nvSpPr>
+          <p:cNvPr id="68" name="ZoneTexte 67">
+            <a:extLst>
+              <a:ext uri="{FF2B5EF4-FFF2-40B4-BE49-F238E27FC236}">
+                <a16:creationId xmlns="" xmlns:a16="http://schemas.microsoft.com/office/drawing/2014/main" id="{B7AE6750-24D6-4440-BB19-11325D800ACA}"/>
+              </a:ext>
+            </a:extLst>
+          </p:cNvPr>
+          <p:cNvSpPr txBox="1"/>
+          <p:nvPr/>
+        </p:nvSpPr>
+        <p:spPr>
+          <a:xfrm>
+            <a:off x="4857118" y="2429910"/>
+            <a:ext cx="227494" cy="261610"/>
+          </a:xfrm>
+          <a:prstGeom prst="rect">
+            <a:avLst/>
+          </a:prstGeom>
+          <a:noFill/>
+        </p:spPr>
+        <p:txBody>
+          <a:bodyPr wrap="square" rtlCol="0">
+            <a:spAutoFit/>
+          </a:bodyPr>
+          <a:lstStyle/>
+          <a:p>
+            <a:r>
+              <a:rPr lang="fr-FR" sz="1100" b="1" dirty="0"/>
+              <a:t>1</a:t>
+            </a:r>
+          </a:p>
+        </p:txBody>
+      </p:sp>
+      <p:sp>
+        <p:nvSpPr>
+          <p:cNvPr id="69" name="ZoneTexte 68">
+            <a:extLst>
+              <a:ext uri="{FF2B5EF4-FFF2-40B4-BE49-F238E27FC236}">
+                <a16:creationId xmlns="" xmlns:a16="http://schemas.microsoft.com/office/drawing/2014/main" id="{DB68CA80-0B37-48E0-B6E0-3C7F32D6BC2D}"/>
+              </a:ext>
+            </a:extLst>
+          </p:cNvPr>
+          <p:cNvSpPr txBox="1"/>
+          <p:nvPr/>
+        </p:nvSpPr>
+        <p:spPr>
+          <a:xfrm>
+            <a:off x="5076141" y="2429910"/>
+            <a:ext cx="227494" cy="261610"/>
+          </a:xfrm>
+          <a:prstGeom prst="rect">
+            <a:avLst/>
+          </a:prstGeom>
+          <a:noFill/>
+        </p:spPr>
+        <p:txBody>
+          <a:bodyPr wrap="square" rtlCol="0">
+            <a:spAutoFit/>
+          </a:bodyPr>
+          <a:lstStyle/>
+          <a:p>
+            <a:r>
+              <a:rPr lang="fr-FR" sz="1100" b="1" dirty="0"/>
+              <a:t>2</a:t>
+            </a:r>
+          </a:p>
+        </p:txBody>
+      </p:sp>
+      <p:sp>
+        <p:nvSpPr>
+          <p:cNvPr id="84" name="ZoneTexte 83">
+            <a:extLst>
+              <a:ext uri="{FF2B5EF4-FFF2-40B4-BE49-F238E27FC236}">
+                <a16:creationId xmlns="" xmlns:a16="http://schemas.microsoft.com/office/drawing/2014/main" id="{319BBC48-9983-40FE-8445-64A269F71980}"/>
+              </a:ext>
+            </a:extLst>
+          </p:cNvPr>
+          <p:cNvSpPr txBox="1"/>
+          <p:nvPr/>
+        </p:nvSpPr>
+        <p:spPr>
+          <a:xfrm>
+            <a:off x="6555136" y="1473348"/>
+            <a:ext cx="2273954" cy="2554545"/>
+          </a:xfrm>
+          <a:prstGeom prst="rect">
+            <a:avLst/>
+          </a:prstGeom>
+          <a:noFill/>
+        </p:spPr>
+        <p:txBody>
+          <a:bodyPr wrap="square" rtlCol="0">
+            <a:spAutoFit/>
+          </a:bodyPr>
+          <a:lstStyle/>
+          <a:p>
+            <a:pPr marL="342900" indent="-342900">
+              <a:buAutoNum type="arabicPeriod"/>
+            </a:pPr>
+            <a:r>
+              <a:rPr lang="fr-FR" sz="1600" dirty="0" smtClean="0"/>
+              <a:t>Acide benzoïque expérimental</a:t>
+            </a:r>
+          </a:p>
+          <a:p>
+            <a:pPr marL="342900" indent="-342900">
+              <a:buAutoNum type="arabicPeriod"/>
+            </a:pPr>
+            <a:r>
+              <a:rPr lang="fr-FR" sz="1600" dirty="0"/>
+              <a:t>Acide benzoïque </a:t>
+            </a:r>
+            <a:r>
+              <a:rPr lang="fr-FR" sz="1600" dirty="0" smtClean="0"/>
+              <a:t>commercial</a:t>
+            </a:r>
+            <a:endParaRPr lang="fr-FR" sz="1600" dirty="0"/>
+          </a:p>
+          <a:p>
+            <a:r>
+              <a:rPr lang="fr-FR" sz="1600" dirty="0"/>
+              <a:t>3. </a:t>
+            </a:r>
+            <a:r>
+              <a:rPr lang="fr-FR" sz="1600" dirty="0" smtClean="0"/>
+              <a:t>   Benzaldéhyde expérimental</a:t>
+            </a:r>
+            <a:endParaRPr lang="fr-FR" sz="1600" b="1" dirty="0"/>
+          </a:p>
+          <a:p>
+            <a:r>
+              <a:rPr lang="fr-FR" sz="1600" dirty="0"/>
+              <a:t>4</a:t>
+            </a:r>
+            <a:r>
+              <a:rPr lang="fr-FR" sz="1600" b="1" dirty="0" smtClean="0"/>
+              <a:t>.    </a:t>
+            </a:r>
+            <a:r>
+              <a:rPr lang="fr-FR" sz="1600" dirty="0" smtClean="0"/>
+              <a:t>Benzaldéhyde commercial</a:t>
+            </a:r>
+          </a:p>
+          <a:p>
+            <a:r>
+              <a:rPr lang="fr-FR" sz="1600" dirty="0" smtClean="0"/>
+              <a:t>5.    Benzaldéhyde laissé à l’air libre</a:t>
+            </a:r>
+            <a:r>
+              <a:rPr lang="fr-FR" sz="1600" b="1" dirty="0" smtClean="0"/>
+              <a:t> </a:t>
+            </a:r>
+            <a:endParaRPr lang="fr-FR" sz="1600" b="1" dirty="0"/>
+          </a:p>
+        </p:txBody>
+      </p:sp>
+      <p:cxnSp>
+        <p:nvCxnSpPr>
+          <p:cNvPr id="7" name="Connecteur droit 6"/>
+          <p:cNvCxnSpPr/>
+          <p:nvPr/>
+        </p:nvCxnSpPr>
+        <p:spPr>
+          <a:xfrm>
+            <a:off x="2173480" y="2723100"/>
+            <a:ext cx="405891" cy="1374641"/>
+          </a:xfrm>
+          <a:prstGeom prst="line">
+            <a:avLst/>
+          </a:prstGeom>
+        </p:spPr>
+        <p:style>
+          <a:lnRef idx="2">
+            <a:schemeClr val="dk1"/>
+          </a:lnRef>
+          <a:fillRef idx="0">
+            <a:schemeClr val="dk1"/>
+          </a:fillRef>
+          <a:effectRef idx="1">
+            <a:schemeClr val="dk1"/>
+          </a:effectRef>
+          <a:fontRef idx="minor">
+            <a:schemeClr val="tx1"/>
+          </a:fontRef>
+        </p:style>
+      </p:cxnSp>
+      <p:cxnSp>
+        <p:nvCxnSpPr>
+          <p:cNvPr id="13" name="Connecteur droit 12"/>
+          <p:cNvCxnSpPr>
+            <a:endCxn id="25" idx="3"/>
+          </p:cNvCxnSpPr>
+          <p:nvPr/>
+        </p:nvCxnSpPr>
+        <p:spPr>
+          <a:xfrm flipH="1" flipV="1">
+            <a:off x="1663416" y="2617428"/>
+            <a:ext cx="235106" cy="432967"/>
+          </a:xfrm>
+          <a:prstGeom prst="line">
+            <a:avLst/>
+          </a:prstGeom>
+          <a:ln>
+            <a:solidFill>
+              <a:srgbClr val="2BAC57"/>
+            </a:solidFill>
+          </a:ln>
+        </p:spPr>
+        <p:style>
+          <a:lnRef idx="2">
+            <a:schemeClr val="accent1"/>
+          </a:lnRef>
+          <a:fillRef idx="0">
+            <a:schemeClr val="accent1"/>
+          </a:fillRef>
+          <a:effectRef idx="1">
+            <a:schemeClr val="accent1"/>
+          </a:effectRef>
+          <a:fontRef idx="minor">
+            <a:schemeClr val="tx1"/>
+          </a:fontRef>
+        </p:style>
+      </p:cxnSp>
+      <p:sp>
+        <p:nvSpPr>
+          <p:cNvPr id="53" name="Ellipse 52">
+            <a:extLst>
+              <a:ext uri="{FF2B5EF4-FFF2-40B4-BE49-F238E27FC236}">
+                <a16:creationId xmlns="" xmlns:a16="http://schemas.microsoft.com/office/drawing/2014/main" id="{43AA37E4-352A-4BF4-B8E8-252E6F44E6C2}"/>
+              </a:ext>
+            </a:extLst>
+          </p:cNvPr>
+          <p:cNvSpPr/>
+          <p:nvPr/>
+        </p:nvSpPr>
+        <p:spPr>
+          <a:xfrm>
+            <a:off x="5643091" y="1740421"/>
+            <a:ext cx="72000" cy="72001"/>
+          </a:xfrm>
+          <a:prstGeom prst="ellipse">
+            <a:avLst/>
+          </a:prstGeom>
+          <a:solidFill>
+            <a:schemeClr val="accent2"/>
+          </a:solidFill>
+          <a:ln>
+            <a:noFill/>
+          </a:ln>
+        </p:spPr>
+        <p:style>
+          <a:lnRef idx="0">
+            <a:scrgbClr r="0" g="0" b="0"/>
+          </a:lnRef>
+          <a:fillRef idx="0">
+            <a:scrgbClr r="0" g="0" b="0"/>
+          </a:fillRef>
+          <a:effectRef idx="0">
+            <a:scrgbClr r="0" g="0" b="0"/>
+          </a:effectRef>
+          <a:fontRef idx="minor">
+            <a:schemeClr val="lt1"/>
+          </a:fontRef>
+        </p:style>
+        <p:txBody>
+          <a:bodyPr rtlCol="0" anchor="ctr"/>
+          <a:lstStyle/>
+          <a:p>
+            <a:pPr algn="ctr"/>
+            <a:endParaRPr lang="fr-FR"/>
+          </a:p>
+        </p:txBody>
+      </p:sp>
+      <p:sp>
+        <p:nvSpPr>
+          <p:cNvPr id="54" name="Ellipse 53">
+            <a:extLst>
+              <a:ext uri="{FF2B5EF4-FFF2-40B4-BE49-F238E27FC236}">
+                <a16:creationId xmlns="" xmlns:a16="http://schemas.microsoft.com/office/drawing/2014/main" id="{43AA37E4-352A-4BF4-B8E8-252E6F44E6C2}"/>
+              </a:ext>
+            </a:extLst>
+          </p:cNvPr>
+          <p:cNvSpPr/>
+          <p:nvPr/>
+        </p:nvSpPr>
+        <p:spPr>
+          <a:xfrm>
+            <a:off x="5882439" y="1740424"/>
+            <a:ext cx="72000" cy="72001"/>
+          </a:xfrm>
+          <a:prstGeom prst="ellipse">
+            <a:avLst/>
+          </a:prstGeom>
+          <a:solidFill>
+            <a:schemeClr val="accent2"/>
+          </a:solidFill>
+          <a:ln>
+            <a:noFill/>
+          </a:ln>
+        </p:spPr>
+        <p:style>
+          <a:lnRef idx="0">
+            <a:scrgbClr r="0" g="0" b="0"/>
+          </a:lnRef>
+          <a:fillRef idx="0">
+            <a:scrgbClr r="0" g="0" b="0"/>
+          </a:fillRef>
+          <a:effectRef idx="0">
+            <a:scrgbClr r="0" g="0" b="0"/>
+          </a:effectRef>
+          <a:fontRef idx="minor">
+            <a:schemeClr val="lt1"/>
+          </a:fontRef>
+        </p:style>
+        <p:txBody>
+          <a:bodyPr rtlCol="0" anchor="ctr"/>
+          <a:lstStyle/>
+          <a:p>
+            <a:pPr algn="ctr"/>
+            <a:endParaRPr lang="fr-FR"/>
+          </a:p>
+        </p:txBody>
+      </p:sp>
+      <p:sp>
+        <p:nvSpPr>
+          <p:cNvPr id="55" name="ZoneTexte 54">
+            <a:extLst>
+              <a:ext uri="{FF2B5EF4-FFF2-40B4-BE49-F238E27FC236}">
+                <a16:creationId xmlns="" xmlns:a16="http://schemas.microsoft.com/office/drawing/2014/main" id="{DB68CA80-0B37-48E0-B6E0-3C7F32D6BC2D}"/>
+              </a:ext>
+            </a:extLst>
+          </p:cNvPr>
+          <p:cNvSpPr txBox="1"/>
+          <p:nvPr/>
+        </p:nvSpPr>
+        <p:spPr>
+          <a:xfrm>
+            <a:off x="5343931" y="2429910"/>
+            <a:ext cx="227494" cy="261610"/>
+          </a:xfrm>
+          <a:prstGeom prst="rect">
+            <a:avLst/>
+          </a:prstGeom>
+          <a:noFill/>
+        </p:spPr>
+        <p:txBody>
+          <a:bodyPr wrap="square" rtlCol="0">
+            <a:spAutoFit/>
+          </a:bodyPr>
+          <a:lstStyle/>
+          <a:p>
+            <a:r>
+              <a:rPr lang="fr-FR" sz="1100" b="1" dirty="0"/>
+              <a:t>3</a:t>
+            </a:r>
+          </a:p>
+        </p:txBody>
+      </p:sp>
+      <p:sp>
+        <p:nvSpPr>
+          <p:cNvPr id="56" name="ZoneTexte 55">
+            <a:extLst>
+              <a:ext uri="{FF2B5EF4-FFF2-40B4-BE49-F238E27FC236}">
+                <a16:creationId xmlns="" xmlns:a16="http://schemas.microsoft.com/office/drawing/2014/main" id="{DB68CA80-0B37-48E0-B6E0-3C7F32D6BC2D}"/>
+              </a:ext>
+            </a:extLst>
+          </p:cNvPr>
+          <p:cNvSpPr txBox="1"/>
+          <p:nvPr/>
+        </p:nvSpPr>
+        <p:spPr>
+          <a:xfrm>
+            <a:off x="5547480" y="2429910"/>
+            <a:ext cx="227494" cy="261610"/>
+          </a:xfrm>
+          <a:prstGeom prst="rect">
+            <a:avLst/>
+          </a:prstGeom>
+          <a:noFill/>
+        </p:spPr>
+        <p:txBody>
+          <a:bodyPr wrap="square" rtlCol="0">
+            <a:spAutoFit/>
+          </a:bodyPr>
+          <a:lstStyle/>
+          <a:p>
+            <a:r>
+              <a:rPr lang="fr-FR" sz="1100" b="1" dirty="0"/>
+              <a:t>4</a:t>
+            </a:r>
+          </a:p>
+        </p:txBody>
+      </p:sp>
+      <p:sp>
+        <p:nvSpPr>
+          <p:cNvPr id="57" name="ZoneTexte 56">
+            <a:extLst>
+              <a:ext uri="{FF2B5EF4-FFF2-40B4-BE49-F238E27FC236}">
+                <a16:creationId xmlns="" xmlns:a16="http://schemas.microsoft.com/office/drawing/2014/main" id="{DB68CA80-0B37-48E0-B6E0-3C7F32D6BC2D}"/>
+              </a:ext>
+            </a:extLst>
+          </p:cNvPr>
+          <p:cNvSpPr txBox="1"/>
+          <p:nvPr/>
+        </p:nvSpPr>
+        <p:spPr>
+          <a:xfrm>
+            <a:off x="5774954" y="2429910"/>
+            <a:ext cx="227494" cy="261610"/>
+          </a:xfrm>
+          <a:prstGeom prst="rect">
+            <a:avLst/>
+          </a:prstGeom>
+          <a:noFill/>
+        </p:spPr>
+        <p:txBody>
+          <a:bodyPr wrap="square" rtlCol="0">
+            <a:spAutoFit/>
+          </a:bodyPr>
+          <a:lstStyle/>
+          <a:p>
+            <a:r>
+              <a:rPr lang="fr-FR" sz="1100" b="1" dirty="0"/>
+              <a:t>5</a:t>
+            </a:r>
+          </a:p>
+        </p:txBody>
+      </p:sp>
+      <p:cxnSp>
+        <p:nvCxnSpPr>
+          <p:cNvPr id="15" name="Connecteur droit 14"/>
+          <p:cNvCxnSpPr/>
+          <p:nvPr/>
+        </p:nvCxnSpPr>
+        <p:spPr>
+          <a:xfrm>
+            <a:off x="2121106" y="2435080"/>
+            <a:ext cx="1453351" cy="0"/>
+          </a:xfrm>
+          <a:prstGeom prst="line">
+            <a:avLst/>
+          </a:prstGeom>
+        </p:spPr>
+        <p:style>
+          <a:lnRef idx="2">
+            <a:schemeClr val="dk1"/>
+          </a:lnRef>
+          <a:fillRef idx="0">
+            <a:schemeClr val="dk1"/>
+          </a:fillRef>
+          <a:effectRef idx="1">
+            <a:schemeClr val="dk1"/>
+          </a:effectRef>
+          <a:fontRef idx="minor">
+            <a:schemeClr val="tx1"/>
+          </a:fontRef>
+        </p:style>
+      </p:cxnSp>
+      <p:cxnSp>
+        <p:nvCxnSpPr>
+          <p:cNvPr id="34" name="Connecteur droit 33">
+            <a:extLst>
+              <a:ext uri="{FF2B5EF4-FFF2-40B4-BE49-F238E27FC236}">
+                <a16:creationId xmlns="" xmlns:a16="http://schemas.microsoft.com/office/drawing/2014/main" id="{5177A6E5-0AB6-40EB-B78C-59B10FE18B4F}"/>
+              </a:ext>
+            </a:extLst>
+          </p:cNvPr>
+          <p:cNvCxnSpPr>
+            <a:cxnSpLocks/>
+          </p:cNvCxnSpPr>
+          <p:nvPr/>
+        </p:nvCxnSpPr>
+        <p:spPr>
+          <a:xfrm>
+            <a:off x="4795262" y="1506861"/>
+            <a:ext cx="1328018" cy="0"/>
+          </a:xfrm>
+          <a:prstGeom prst="line">
+            <a:avLst/>
+          </a:prstGeom>
+        </p:spPr>
+        <p:style>
+          <a:lnRef idx="1">
+            <a:schemeClr val="dk1"/>
+          </a:lnRef>
+          <a:fillRef idx="0">
+            <a:schemeClr val="dk1"/>
+          </a:fillRef>
+          <a:effectRef idx="0">
+            <a:schemeClr val="dk1"/>
+          </a:effectRef>
+          <a:fontRef idx="minor">
+            <a:schemeClr val="tx1"/>
+          </a:fontRef>
+        </p:style>
+      </p:cxnSp>
+      <p:cxnSp>
+        <p:nvCxnSpPr>
+          <p:cNvPr id="6" name="Connecteur droit avec flèche 5"/>
+          <p:cNvCxnSpPr/>
+          <p:nvPr/>
+        </p:nvCxnSpPr>
+        <p:spPr>
+          <a:xfrm flipV="1">
+            <a:off x="4296775" y="1507326"/>
+            <a:ext cx="451043" cy="0"/>
+          </a:xfrm>
+          <a:prstGeom prst="straightConnector1">
+            <a:avLst/>
+          </a:prstGeom>
+          <a:ln>
+            <a:tailEnd type="triangle"/>
+          </a:ln>
+        </p:spPr>
+        <p:style>
+          <a:lnRef idx="2">
+            <a:schemeClr val="accent2"/>
+          </a:lnRef>
+          <a:fillRef idx="1">
+            <a:schemeClr val="lt1"/>
+          </a:fillRef>
+          <a:effectRef idx="0">
+            <a:schemeClr val="accent2"/>
+          </a:effectRef>
+          <a:fontRef idx="minor">
+            <a:schemeClr val="dk1"/>
+          </a:fontRef>
+        </p:style>
+      </p:cxnSp>
+      <p:sp>
+        <p:nvSpPr>
+          <p:cNvPr id="8" name="ZoneTexte 7"/>
+          <p:cNvSpPr txBox="1"/>
+          <p:nvPr/>
+        </p:nvSpPr>
+        <p:spPr>
+          <a:xfrm>
+            <a:off x="2801209" y="1329294"/>
+            <a:ext cx="1395046" cy="307777"/>
+          </a:xfrm>
+          <a:prstGeom prst="rect">
+            <a:avLst/>
+          </a:prstGeom>
+          <a:noFill/>
+        </p:spPr>
+        <p:txBody>
+          <a:bodyPr wrap="none" rtlCol="0">
+            <a:spAutoFit/>
+          </a:bodyPr>
+          <a:lstStyle/>
+          <a:p>
+            <a:r>
+              <a:rPr lang="fr-FR" sz="1400" dirty="0" smtClean="0"/>
+              <a:t>Front de l’éluant</a:t>
+            </a:r>
+            <a:endParaRPr lang="fr-FR" sz="1400" dirty="0"/>
+          </a:p>
+        </p:txBody>
+      </p:sp>
+      <p:sp>
+        <p:nvSpPr>
+          <p:cNvPr id="41" name="Ellipse 40">
+            <a:extLst>
+              <a:ext uri="{FF2B5EF4-FFF2-40B4-BE49-F238E27FC236}">
+                <a16:creationId xmlns="" xmlns:a16="http://schemas.microsoft.com/office/drawing/2014/main" id="{23BE5901-698E-45AB-A92A-D44AF3FAFD53}"/>
+              </a:ext>
+            </a:extLst>
+          </p:cNvPr>
+          <p:cNvSpPr/>
+          <p:nvPr/>
+        </p:nvSpPr>
+        <p:spPr>
+          <a:xfrm>
+            <a:off x="5631120" y="2286009"/>
+            <a:ext cx="72000" cy="71998"/>
+          </a:xfrm>
+          <a:prstGeom prst="ellipse">
+            <a:avLst/>
+          </a:prstGeom>
+          <a:solidFill>
+            <a:schemeClr val="accent2"/>
+          </a:solidFill>
+          <a:ln>
+            <a:noFill/>
+          </a:ln>
+        </p:spPr>
+        <p:style>
+          <a:lnRef idx="0">
+            <a:scrgbClr r="0" g="0" b="0"/>
+          </a:lnRef>
+          <a:fillRef idx="0">
+            <a:scrgbClr r="0" g="0" b="0"/>
+          </a:fillRef>
+          <a:effectRef idx="0">
+            <a:scrgbClr r="0" g="0" b="0"/>
+          </a:effectRef>
+          <a:fontRef idx="minor">
+            <a:schemeClr val="lt1"/>
+          </a:fontRef>
+        </p:style>
+        <p:txBody>
+          <a:bodyPr rtlCol="0" anchor="ctr"/>
+          <a:lstStyle/>
+          <a:p>
+            <a:pPr algn="ctr"/>
+            <a:endParaRPr lang="fr-FR"/>
+          </a:p>
+        </p:txBody>
+      </p:sp>
+    </p:spTree>
+    <p:extLst>
+      <p:ext uri="{BB962C8B-B14F-4D97-AF65-F5344CB8AC3E}">
+        <p14:creationId xmlns:p14="http://schemas.microsoft.com/office/powerpoint/2010/main" val="2284604520"/>
+      </p:ext>
+    </p:extLst>
+  </p:cSld>
+  <p:clrMapOvr>
+    <a:masterClrMapping/>
+  </p:clrMapOvr>
+</p:sld>
+</file>
+
+<file path=ppt/slides/slide16.xml><?xml version="1.0" encoding="utf-8"?>
+<p:sld xmlns:a="http://schemas.openxmlformats.org/drawingml/2006/main" xmlns:r="http://schemas.openxmlformats.org/officeDocument/2006/relationships" xmlns:p="http://schemas.openxmlformats.org/presentationml/2006/main">
+  <p:cSld>
+    <p:spTree>
+      <p:nvGrpSpPr>
+        <p:cNvPr id="1" name=""/>
+        <p:cNvGrpSpPr/>
+        <p:nvPr/>
+      </p:nvGrpSpPr>
+      <p:grpSpPr>
+        <a:xfrm>
+          <a:off x="0" y="0"/>
+          <a:ext cx="0" cy="0"/>
+          <a:chOff x="0" y="0"/>
+          <a:chExt cx="0" cy="0"/>
+        </a:xfrm>
+      </p:grpSpPr>
+      <p:sp>
+        <p:nvSpPr>
+          <p:cNvPr id="2" name="Espace réservé du numéro de diapositive 1">
+            <a:extLst>
+              <a:ext uri="{FF2B5EF4-FFF2-40B4-BE49-F238E27FC236}">
+                <a16:creationId xmlns="" xmlns:a16="http://schemas.microsoft.com/office/drawing/2014/main" id="{BE39332B-210B-47A2-B817-3B36F804B453}"/>
+              </a:ext>
+            </a:extLst>
+          </p:cNvPr>
+          <p:cNvSpPr>
+            <a:spLocks noGrp="1"/>
+          </p:cNvSpPr>
+          <p:nvPr>
+            <p:ph type="sldNum" sz="quarter" idx="12"/>
+          </p:nvPr>
+        </p:nvSpPr>
+        <p:spPr/>
+        <p:txBody>
+          <a:bodyPr/>
+          <a:lstStyle/>
+          <a:p>
+            <a:fld id="{4FAB73BC-B049-4115-A692-8D63A059BFB8}" type="slidenum">
+              <a:rPr lang="en-US" smtClean="0"/>
+              <a:pPr/>
+              <a:t>16</a:t>
+            </a:fld>
+            <a:endParaRPr lang="en-US" dirty="0"/>
+          </a:p>
+        </p:txBody>
+      </p:sp>
+      <p:sp>
+        <p:nvSpPr>
+          <p:cNvPr id="3" name="Titre 2">
+            <a:extLst>
+              <a:ext uri="{FF2B5EF4-FFF2-40B4-BE49-F238E27FC236}">
+                <a16:creationId xmlns="" xmlns:a16="http://schemas.microsoft.com/office/drawing/2014/main" id="{8EA78384-7CF4-42B9-A9FF-2CA834E36808}"/>
+              </a:ext>
+            </a:extLst>
+          </p:cNvPr>
+          <p:cNvSpPr>
+            <a:spLocks noGrp="1"/>
+          </p:cNvSpPr>
+          <p:nvPr>
+            <p:ph type="title"/>
+          </p:nvPr>
+        </p:nvSpPr>
         <p:spPr/>
         <p:txBody>
           <a:bodyPr/>
@@ -4495,7 +6970,7 @@
           <p:cNvPr id="4" name="ZoneTexte 3">
             <a:extLst>
               <a:ext uri="{FF2B5EF4-FFF2-40B4-BE49-F238E27FC236}">
-                <a16:creationId xmlns:a16="http://schemas.microsoft.com/office/drawing/2014/main" xmlns="" id="{1929AD97-4A39-40A9-9D62-359C94D3ED38}"/>
+                <a16:creationId xmlns="" xmlns:a16="http://schemas.microsoft.com/office/drawing/2014/main" id="{1929AD97-4A39-40A9-9D62-359C94D3ED38}"/>
               </a:ext>
             </a:extLst>
           </p:cNvPr>
@@ -4548,7 +7023,7 @@
           <p:cNvPr id="5" name="Espace réservé du contenu 6">
             <a:extLst>
               <a:ext uri="{FF2B5EF4-FFF2-40B4-BE49-F238E27FC236}">
-                <a16:creationId xmlns:a16="http://schemas.microsoft.com/office/drawing/2014/main" xmlns="" id="{FBC54CC9-6A47-4C2E-AFA2-6C0CE071953E}"/>
+                <a16:creationId xmlns="" xmlns:a16="http://schemas.microsoft.com/office/drawing/2014/main" id="{FBC54CC9-6A47-4C2E-AFA2-6C0CE071953E}"/>
               </a:ext>
             </a:extLst>
           </p:cNvPr>
@@ -4715,38 +7190,29 @@
           <a:lstStyle/>
           <a:p>
             <a:r>
-              <a:rPr lang="fr-FR" sz="1400" dirty="0" err="1"/>
+              <a:rPr lang="fr-FR" sz="1400" dirty="0" err="1" smtClean="0"/>
               <a:t>T</a:t>
             </a:r>
             <a:r>
-              <a:rPr lang="fr-FR" sz="1400" baseline="-25000" dirty="0" err="1"/>
+              <a:rPr lang="fr-FR" sz="1400" baseline="-25000" dirty="0" err="1" smtClean="0"/>
               <a:t>fus</a:t>
             </a:r>
             <a:r>
-              <a:rPr lang="fr-FR" sz="1400" baseline="30000" dirty="0" err="1"/>
+              <a:rPr lang="fr-FR" sz="1400" baseline="30000" dirty="0" err="1" smtClean="0"/>
               <a:t>tab</a:t>
             </a:r>
             <a:r>
-              <a:rPr lang="fr-FR" sz="1400" baseline="30000" dirty="0"/>
+              <a:rPr lang="fr-FR" sz="1400" baseline="30000" dirty="0" smtClean="0"/>
               <a:t> </a:t>
             </a:r>
             <a:r>
               <a:rPr lang="fr-FR" sz="1400" dirty="0" smtClean="0"/>
-              <a:t>(acide benzo</a:t>
-            </a:r>
-            <a:r>
-              <a:rPr lang="fr-FR" sz="1400" dirty="0" smtClean="0"/>
-              <a:t>ïque) </a:t>
-            </a:r>
-            <a:r>
-              <a:rPr lang="fr-FR" sz="1400" dirty="0" smtClean="0"/>
-              <a:t>= </a:t>
+              <a:t>(acide benzoïque) = </a:t>
             </a:r>
             <a:r>
               <a:rPr lang="fr-FR" sz="1400" dirty="0"/>
               <a:t>122,3 °C </a:t>
             </a:r>
-            <a:endParaRPr lang="fr-FR" sz="1400" dirty="0"/>
           </a:p>
         </p:txBody>
       </p:sp>
@@ -4763,7 +7229,7 @@
 </p:sld>
 </file>
 
-<file path=ppt/slides/slide13.xml><?xml version="1.0" encoding="utf-8"?>
+<file path=ppt/slides/slide17.xml><?xml version="1.0" encoding="utf-8"?>
 <p:sld xmlns:a="http://schemas.openxmlformats.org/drawingml/2006/main" xmlns:r="http://schemas.openxmlformats.org/officeDocument/2006/relationships" xmlns:p="http://schemas.openxmlformats.org/presentationml/2006/main">
   <p:cSld>
     <p:spTree>
@@ -4785,7 +7251,7 @@
           <p:cNvPr id="2" name="Espace réservé du numéro de diapositive 1">
             <a:extLst>
               <a:ext uri="{FF2B5EF4-FFF2-40B4-BE49-F238E27FC236}">
-                <a16:creationId xmlns:a16="http://schemas.microsoft.com/office/drawing/2014/main" xmlns="" id="{9C35125B-8BCB-4F67-AF7A-E4C4794D821B}"/>
+                <a16:creationId xmlns="" xmlns:a16="http://schemas.microsoft.com/office/drawing/2014/main" id="{9C35125B-8BCB-4F67-AF7A-E4C4794D821B}"/>
               </a:ext>
             </a:extLst>
           </p:cNvPr>
@@ -4804,7 +7270,7 @@
             <a:fld id="{4FAB73BC-B049-4115-A692-8D63A059BFB8}" type="slidenum">
               <a:rPr lang="en-US" smtClean="0"/>
               <a:pPr/>
-              <a:t>13</a:t>
+              <a:t>17</a:t>
             </a:fld>
             <a:endParaRPr lang="en-US" dirty="0"/>
           </a:p>
@@ -4815,7 +7281,7 @@
           <p:cNvPr id="3" name="Titre 2">
             <a:extLst>
               <a:ext uri="{FF2B5EF4-FFF2-40B4-BE49-F238E27FC236}">
-                <a16:creationId xmlns:a16="http://schemas.microsoft.com/office/drawing/2014/main" xmlns="" id="{D85F719A-CC24-4029-8C5B-4B80B82656AD}"/>
+                <a16:creationId xmlns="" xmlns:a16="http://schemas.microsoft.com/office/drawing/2014/main" id="{D85F719A-CC24-4029-8C5B-4B80B82656AD}"/>
               </a:ext>
             </a:extLst>
           </p:cNvPr>
@@ -4843,7 +7309,7 @@
           <p:cNvPr id="4" name="ZoneTexte 3">
             <a:extLst>
               <a:ext uri="{FF2B5EF4-FFF2-40B4-BE49-F238E27FC236}">
-                <a16:creationId xmlns:a16="http://schemas.microsoft.com/office/drawing/2014/main" xmlns="" id="{F0C05F97-AFF9-46C4-89C4-665EE60649E2}"/>
+                <a16:creationId xmlns="" xmlns:a16="http://schemas.microsoft.com/office/drawing/2014/main" id="{F0C05F97-AFF9-46C4-89C4-665EE60649E2}"/>
               </a:ext>
             </a:extLst>
           </p:cNvPr>
@@ -4896,7 +7362,7 @@
           <p:cNvPr id="5" name="Espace réservé du contenu 6">
             <a:extLst>
               <a:ext uri="{FF2B5EF4-FFF2-40B4-BE49-F238E27FC236}">
-                <a16:creationId xmlns:a16="http://schemas.microsoft.com/office/drawing/2014/main" xmlns="" id="{4D38ACA4-816F-4E06-9DFF-AB09E0A12EBC}"/>
+                <a16:creationId xmlns="" xmlns:a16="http://schemas.microsoft.com/office/drawing/2014/main" id="{4D38ACA4-816F-4E06-9DFF-AB09E0A12EBC}"/>
               </a:ext>
             </a:extLst>
           </p:cNvPr>
@@ -4932,7 +7398,7 @@
           <p:cNvPr id="6" name="Image 5">
             <a:extLst>
               <a:ext uri="{FF2B5EF4-FFF2-40B4-BE49-F238E27FC236}">
-                <a16:creationId xmlns:a16="http://schemas.microsoft.com/office/drawing/2014/main" xmlns="" id="{FA9A39D9-2459-4B29-A2ED-C532267B57BD}"/>
+                <a16:creationId xmlns="" xmlns:a16="http://schemas.microsoft.com/office/drawing/2014/main" id="{FA9A39D9-2459-4B29-A2ED-C532267B57BD}"/>
               </a:ext>
             </a:extLst>
           </p:cNvPr>
@@ -5028,7 +7494,7 @@
 </p:sld>
 </file>
 
-<file path=ppt/slides/slide14.xml><?xml version="1.0" encoding="utf-8"?>
+<file path=ppt/slides/slide18.xml><?xml version="1.0" encoding="utf-8"?>
 <p:sld xmlns:a="http://schemas.openxmlformats.org/drawingml/2006/main" xmlns:r="http://schemas.openxmlformats.org/officeDocument/2006/relationships" xmlns:p="http://schemas.openxmlformats.org/presentationml/2006/main">
   <p:cSld>
     <p:spTree>
@@ -5050,7 +7516,7 @@
           <p:cNvPr id="2" name="Espace réservé du numéro de diapositive 1">
             <a:extLst>
               <a:ext uri="{FF2B5EF4-FFF2-40B4-BE49-F238E27FC236}">
-                <a16:creationId xmlns:a16="http://schemas.microsoft.com/office/drawing/2014/main" xmlns="" id="{72EFE635-2376-4D9B-B90B-942FF06E049F}"/>
+                <a16:creationId xmlns="" xmlns:a16="http://schemas.microsoft.com/office/drawing/2014/main" id="{72EFE635-2376-4D9B-B90B-942FF06E049F}"/>
               </a:ext>
             </a:extLst>
           </p:cNvPr>
@@ -5069,7 +7535,7 @@
             <a:fld id="{4FAB73BC-B049-4115-A692-8D63A059BFB8}" type="slidenum">
               <a:rPr lang="en-US" smtClean="0"/>
               <a:pPr/>
-              <a:t>14</a:t>
+              <a:t>18</a:t>
             </a:fld>
             <a:endParaRPr lang="en-US" dirty="0"/>
           </a:p>
@@ -5080,7 +7546,7 @@
           <p:cNvPr id="3" name="Titre 2">
             <a:extLst>
               <a:ext uri="{FF2B5EF4-FFF2-40B4-BE49-F238E27FC236}">
-                <a16:creationId xmlns:a16="http://schemas.microsoft.com/office/drawing/2014/main" xmlns="" id="{CF4D253A-0119-4691-BAAD-C9FD7C7CA6BC}"/>
+                <a16:creationId xmlns="" xmlns:a16="http://schemas.microsoft.com/office/drawing/2014/main" id="{CF4D253A-0119-4691-BAAD-C9FD7C7CA6BC}"/>
               </a:ext>
             </a:extLst>
           </p:cNvPr>
@@ -5113,7 +7579,7 @@
           <p:cNvPr id="4" name="Espace réservé du contenu 9">
             <a:extLst>
               <a:ext uri="{FF2B5EF4-FFF2-40B4-BE49-F238E27FC236}">
-                <a16:creationId xmlns:a16="http://schemas.microsoft.com/office/drawing/2014/main" xmlns="" id="{C923A69C-B964-48EB-9F8E-925704198CC8}"/>
+                <a16:creationId xmlns="" xmlns:a16="http://schemas.microsoft.com/office/drawing/2014/main" id="{C923A69C-B964-48EB-9F8E-925704198CC8}"/>
               </a:ext>
             </a:extLst>
           </p:cNvPr>
@@ -5149,7 +7615,7 @@
           <p:cNvPr id="5" name="ZoneTexte 4">
             <a:extLst>
               <a:ext uri="{FF2B5EF4-FFF2-40B4-BE49-F238E27FC236}">
-                <a16:creationId xmlns:a16="http://schemas.microsoft.com/office/drawing/2014/main" xmlns="" id="{66B6BDE8-E078-47AA-94DA-9E4E69DE9467}"/>
+                <a16:creationId xmlns="" xmlns:a16="http://schemas.microsoft.com/office/drawing/2014/main" id="{66B6BDE8-E078-47AA-94DA-9E4E69DE9467}"/>
               </a:ext>
             </a:extLst>
           </p:cNvPr>
@@ -5210,7 +7676,7 @@
 </p:sld>
 </file>
 
-<file path=ppt/slides/slide15.xml><?xml version="1.0" encoding="utf-8"?>
+<file path=ppt/slides/slide19.xml><?xml version="1.0" encoding="utf-8"?>
 <p:sld xmlns:a="http://schemas.openxmlformats.org/drawingml/2006/main" xmlns:r="http://schemas.openxmlformats.org/officeDocument/2006/relationships" xmlns:p="http://schemas.openxmlformats.org/presentationml/2006/main">
   <p:cSld>
     <p:spTree>
@@ -5232,7 +7698,7 @@
           <p:cNvPr id="2" name="Espace réservé du numéro de diapositive 1">
             <a:extLst>
               <a:ext uri="{FF2B5EF4-FFF2-40B4-BE49-F238E27FC236}">
-                <a16:creationId xmlns:a16="http://schemas.microsoft.com/office/drawing/2014/main" xmlns="" id="{EED7B8D2-51AD-49AD-B6BE-FC245EAEA0A7}"/>
+                <a16:creationId xmlns="" xmlns:a16="http://schemas.microsoft.com/office/drawing/2014/main" id="{EED7B8D2-51AD-49AD-B6BE-FC245EAEA0A7}"/>
               </a:ext>
             </a:extLst>
           </p:cNvPr>
@@ -5251,7 +7717,7 @@
             <a:fld id="{4FAB73BC-B049-4115-A692-8D63A059BFB8}" type="slidenum">
               <a:rPr lang="en-US" smtClean="0"/>
               <a:pPr/>
-              <a:t>15</a:t>
+              <a:t>19</a:t>
             </a:fld>
             <a:endParaRPr lang="en-US" dirty="0"/>
           </a:p>
@@ -5262,7 +7728,7 @@
           <p:cNvPr id="4" name="Espace réservé du contenu 9">
             <a:extLst>
               <a:ext uri="{FF2B5EF4-FFF2-40B4-BE49-F238E27FC236}">
-                <a16:creationId xmlns:a16="http://schemas.microsoft.com/office/drawing/2014/main" xmlns="" id="{02F18967-394D-4DFD-A758-21E484211CA6}"/>
+                <a16:creationId xmlns="" xmlns:a16="http://schemas.microsoft.com/office/drawing/2014/main" id="{02F18967-394D-4DFD-A758-21E484211CA6}"/>
               </a:ext>
             </a:extLst>
           </p:cNvPr>
@@ -5298,7 +7764,7 @@
           <p:cNvPr id="5" name="ZoneTexte 4">
             <a:extLst>
               <a:ext uri="{FF2B5EF4-FFF2-40B4-BE49-F238E27FC236}">
-                <a16:creationId xmlns:a16="http://schemas.microsoft.com/office/drawing/2014/main" xmlns="" id="{3DA1ABCB-800B-4DF2-9582-5F953E1B7D48}"/>
+                <a16:creationId xmlns="" xmlns:a16="http://schemas.microsoft.com/office/drawing/2014/main" id="{3DA1ABCB-800B-4DF2-9582-5F953E1B7D48}"/>
               </a:ext>
             </a:extLst>
           </p:cNvPr>
@@ -5351,7 +7817,7 @@
           <p:cNvPr id="3" name="Titre 2">
             <a:extLst>
               <a:ext uri="{FF2B5EF4-FFF2-40B4-BE49-F238E27FC236}">
-                <a16:creationId xmlns:a16="http://schemas.microsoft.com/office/drawing/2014/main" xmlns="" id="{684EB3A5-746D-4CC4-8689-5CEEA398998A}"/>
+                <a16:creationId xmlns="" xmlns:a16="http://schemas.microsoft.com/office/drawing/2014/main" id="{684EB3A5-746D-4CC4-8689-5CEEA398998A}"/>
               </a:ext>
             </a:extLst>
           </p:cNvPr>
@@ -5392,7 +7858,7 @@
 </p:sld>
 </file>
 
-<file path=ppt/slides/slide16.xml><?xml version="1.0" encoding="utf-8"?>
+<file path=ppt/slides/slide2.xml><?xml version="1.0" encoding="utf-8"?>
 <p:sld xmlns:a="http://schemas.openxmlformats.org/drawingml/2006/main" xmlns:r="http://schemas.openxmlformats.org/officeDocument/2006/relationships" xmlns:p="http://schemas.openxmlformats.org/presentationml/2006/main">
   <p:cSld>
     <p:spTree>
@@ -5411,10 +7877,268 @@
       </p:grpSpPr>
       <p:sp>
         <p:nvSpPr>
+          <p:cNvPr id="2" name="Espace réservé du numéro de diapositive 1"/>
+          <p:cNvSpPr>
+            <a:spLocks noGrp="1"/>
+          </p:cNvSpPr>
+          <p:nvPr>
+            <p:ph type="sldNum" sz="quarter" idx="12"/>
+          </p:nvPr>
+        </p:nvSpPr>
+        <p:spPr/>
+        <p:txBody>
+          <a:bodyPr/>
+          <a:lstStyle/>
+          <a:p>
+            <a:fld id="{4FAB73BC-B049-4115-A692-8D63A059BFB8}" type="slidenum">
+              <a:rPr lang="en-US" smtClean="0"/>
+              <a:pPr/>
+              <a:t>2</a:t>
+            </a:fld>
+            <a:endParaRPr lang="en-US" dirty="0"/>
+          </a:p>
+        </p:txBody>
+      </p:sp>
+      <p:sp>
+        <p:nvSpPr>
+          <p:cNvPr id="3" name="Titre 2"/>
+          <p:cNvSpPr>
+            <a:spLocks noGrp="1"/>
+          </p:cNvSpPr>
+          <p:nvPr>
+            <p:ph type="title"/>
+          </p:nvPr>
+        </p:nvSpPr>
+        <p:spPr/>
+        <p:txBody>
+          <a:bodyPr/>
+          <a:lstStyle/>
+          <a:p>
+            <a:r>
+              <a:rPr lang="fr-FR" dirty="0" smtClean="0"/>
+              <a:t>Le benzaldéhyde</a:t>
+            </a:r>
+            <a:endParaRPr lang="fr-FR" dirty="0"/>
+          </a:p>
+        </p:txBody>
+      </p:sp>
+      <p:pic>
+        <p:nvPicPr>
+          <p:cNvPr id="4" name="Image 3"/>
+          <p:cNvPicPr>
+            <a:picLocks noChangeAspect="1"/>
+          </p:cNvPicPr>
+          <p:nvPr/>
+        </p:nvPicPr>
+        <p:blipFill>
+          <a:blip r:embed="rId2"/>
+          <a:stretch>
+            <a:fillRect/>
+          </a:stretch>
+        </p:blipFill>
+        <p:spPr>
+          <a:xfrm>
+            <a:off x="365502" y="1114324"/>
+            <a:ext cx="3614847" cy="3271437"/>
+          </a:xfrm>
+          <a:prstGeom prst="rect">
+            <a:avLst/>
+          </a:prstGeom>
+        </p:spPr>
+      </p:pic>
+      <p:sp>
+        <p:nvSpPr>
+          <p:cNvPr id="5" name="ZoneTexte 4"/>
+          <p:cNvSpPr txBox="1"/>
+          <p:nvPr/>
+        </p:nvSpPr>
+        <p:spPr>
+          <a:xfrm>
+            <a:off x="4779037" y="706959"/>
+            <a:ext cx="1754958" cy="923330"/>
+          </a:xfrm>
+          <a:prstGeom prst="rect">
+            <a:avLst/>
+          </a:prstGeom>
+          <a:noFill/>
+        </p:spPr>
+        <p:txBody>
+          <a:bodyPr wrap="none" rtlCol="0">
+            <a:spAutoFit/>
+          </a:bodyPr>
+          <a:lstStyle/>
+          <a:p>
+            <a:r>
+              <a:rPr lang="fr-FR" b="1" u="sng" dirty="0" smtClean="0"/>
+              <a:t>Utilisation : </a:t>
+            </a:r>
+          </a:p>
+          <a:p>
+            <a:r>
+              <a:rPr lang="fr-FR" dirty="0" smtClean="0"/>
+              <a:t>- Arôme artificiel </a:t>
+            </a:r>
+          </a:p>
+          <a:p>
+            <a:r>
+              <a:rPr lang="fr-FR" dirty="0" smtClean="0"/>
+              <a:t>- Parfumerie</a:t>
+            </a:r>
+            <a:endParaRPr lang="fr-FR" dirty="0"/>
+          </a:p>
+        </p:txBody>
+      </p:sp>
+      <p:sp>
+        <p:nvSpPr>
+          <p:cNvPr id="6" name="ZoneTexte 5"/>
+          <p:cNvSpPr txBox="1"/>
+          <p:nvPr/>
+        </p:nvSpPr>
+        <p:spPr>
+          <a:xfrm>
+            <a:off x="4700477" y="2212518"/>
+            <a:ext cx="2965813" cy="369332"/>
+          </a:xfrm>
+          <a:prstGeom prst="rect">
+            <a:avLst/>
+          </a:prstGeom>
+          <a:noFill/>
+        </p:spPr>
+        <p:txBody>
+          <a:bodyPr wrap="none" rtlCol="0">
+            <a:spAutoFit/>
+          </a:bodyPr>
+          <a:lstStyle/>
+          <a:p>
+            <a:r>
+              <a:rPr lang="fr-FR" dirty="0" smtClean="0"/>
+              <a:t>Ph-CHO +O2 = </a:t>
+            </a:r>
+            <a:r>
+              <a:rPr lang="fr-FR" dirty="0" err="1" smtClean="0"/>
+              <a:t>PhCOOH</a:t>
+            </a:r>
+            <a:r>
+              <a:rPr lang="fr-FR" dirty="0" smtClean="0"/>
+              <a:t> +H2O</a:t>
+            </a:r>
+            <a:endParaRPr lang="fr-FR" dirty="0"/>
+          </a:p>
+        </p:txBody>
+      </p:sp>
+      <p:sp>
+        <p:nvSpPr>
+          <p:cNvPr id="7" name="Accolade ouvrante 6"/>
+          <p:cNvSpPr/>
+          <p:nvPr/>
+        </p:nvSpPr>
+        <p:spPr>
+          <a:xfrm rot="16200000">
+            <a:off x="6432069" y="2287758"/>
+            <a:ext cx="307682" cy="837971"/>
+          </a:xfrm>
+          <a:prstGeom prst="leftBrace">
+            <a:avLst/>
+          </a:prstGeom>
+          <a:ln>
+            <a:solidFill>
+              <a:srgbClr val="CA7362"/>
+            </a:solidFill>
+          </a:ln>
+        </p:spPr>
+        <p:style>
+          <a:lnRef idx="2">
+            <a:schemeClr val="accent1"/>
+          </a:lnRef>
+          <a:fillRef idx="0">
+            <a:schemeClr val="accent1"/>
+          </a:fillRef>
+          <a:effectRef idx="1">
+            <a:schemeClr val="accent1"/>
+          </a:effectRef>
+          <a:fontRef idx="minor">
+            <a:schemeClr val="tx1"/>
+          </a:fontRef>
+        </p:style>
+        <p:txBody>
+          <a:bodyPr rtlCol="0" anchor="ctr"/>
+          <a:lstStyle/>
+          <a:p>
+            <a:pPr algn="ctr"/>
+            <a:endParaRPr lang="fr-FR">
+              <a:solidFill>
+                <a:srgbClr val="CA7362"/>
+              </a:solidFill>
+            </a:endParaRPr>
+          </a:p>
+        </p:txBody>
+      </p:sp>
+      <p:sp>
+        <p:nvSpPr>
+          <p:cNvPr id="8" name="ZoneTexte 7"/>
+          <p:cNvSpPr txBox="1"/>
+          <p:nvPr/>
+        </p:nvSpPr>
+        <p:spPr>
+          <a:xfrm>
+            <a:off x="5878870" y="2971844"/>
+            <a:ext cx="1737825" cy="369332"/>
+          </a:xfrm>
+          <a:prstGeom prst="rect">
+            <a:avLst/>
+          </a:prstGeom>
+          <a:noFill/>
+        </p:spPr>
+        <p:txBody>
+          <a:bodyPr wrap="none" rtlCol="0">
+            <a:spAutoFit/>
+          </a:bodyPr>
+          <a:lstStyle/>
+          <a:p>
+            <a:r>
+              <a:rPr lang="fr-FR" dirty="0" smtClean="0"/>
+              <a:t>Acide benzoïque</a:t>
+            </a:r>
+            <a:endParaRPr lang="fr-FR" dirty="0"/>
+          </a:p>
+        </p:txBody>
+      </p:sp>
+    </p:spTree>
+    <p:extLst>
+      <p:ext uri="{BB962C8B-B14F-4D97-AF65-F5344CB8AC3E}">
+        <p14:creationId xmlns:p14="http://schemas.microsoft.com/office/powerpoint/2010/main" val="635302046"/>
+      </p:ext>
+    </p:extLst>
+  </p:cSld>
+  <p:clrMapOvr>
+    <a:masterClrMapping/>
+  </p:clrMapOvr>
+</p:sld>
+</file>
+
+<file path=ppt/slides/slide20.xml><?xml version="1.0" encoding="utf-8"?>
+<p:sld xmlns:a="http://schemas.openxmlformats.org/drawingml/2006/main" xmlns:r="http://schemas.openxmlformats.org/officeDocument/2006/relationships" xmlns:p="http://schemas.openxmlformats.org/presentationml/2006/main">
+  <p:cSld>
+    <p:spTree>
+      <p:nvGrpSpPr>
+        <p:cNvPr id="1" name=""/>
+        <p:cNvGrpSpPr/>
+        <p:nvPr/>
+      </p:nvGrpSpPr>
+      <p:grpSpPr>
+        <a:xfrm>
+          <a:off x="0" y="0"/>
+          <a:ext cx="0" cy="0"/>
+          <a:chOff x="0" y="0"/>
+          <a:chExt cx="0" cy="0"/>
+        </a:xfrm>
+      </p:grpSpPr>
+      <p:sp>
+        <p:nvSpPr>
           <p:cNvPr id="2" name="Espace réservé du numéro de diapositive 1">
             <a:extLst>
               <a:ext uri="{FF2B5EF4-FFF2-40B4-BE49-F238E27FC236}">
-                <a16:creationId xmlns:a16="http://schemas.microsoft.com/office/drawing/2014/main" xmlns="" id="{7A57F5A6-46F4-4E42-A1A5-48B8AAE290CE}"/>
+                <a16:creationId xmlns="" xmlns:a16="http://schemas.microsoft.com/office/drawing/2014/main" id="{7A57F5A6-46F4-4E42-A1A5-48B8AAE290CE}"/>
               </a:ext>
             </a:extLst>
           </p:cNvPr>
@@ -5433,7 +8157,7 @@
             <a:fld id="{4FAB73BC-B049-4115-A692-8D63A059BFB8}" type="slidenum">
               <a:rPr lang="en-US" smtClean="0"/>
               <a:pPr/>
-              <a:t>16</a:t>
+              <a:t>20</a:t>
             </a:fld>
             <a:endParaRPr lang="en-US" dirty="0"/>
           </a:p>
@@ -5444,7 +8168,7 @@
           <p:cNvPr id="3" name="Titre 2">
             <a:extLst>
               <a:ext uri="{FF2B5EF4-FFF2-40B4-BE49-F238E27FC236}">
-                <a16:creationId xmlns:a16="http://schemas.microsoft.com/office/drawing/2014/main" xmlns="" id="{22B1178B-7A8E-42F1-8F3F-C362BB334B31}"/>
+                <a16:creationId xmlns="" xmlns:a16="http://schemas.microsoft.com/office/drawing/2014/main" id="{22B1178B-7A8E-42F1-8F3F-C362BB334B31}"/>
               </a:ext>
             </a:extLst>
           </p:cNvPr>
@@ -5471,15 +8195,7 @@
             </a:r>
             <a:r>
               <a:rPr lang="fr-FR" sz="2400" dirty="0" smtClean="0"/>
-              <a:t>œuvre de séparation / contr</a:t>
-            </a:r>
-            <a:r>
-              <a:rPr lang="fr-FR" sz="2400" dirty="0" smtClean="0"/>
-              <a:t>ôle de purification / </a:t>
-            </a:r>
-            <a:r>
-              <a:rPr lang="fr-FR" sz="2400" dirty="0" smtClean="0"/>
-              <a:t>purification</a:t>
+              <a:t>œuvre de séparation / contrôle de purification / purification</a:t>
             </a:r>
             <a:endParaRPr lang="fr-FR" sz="2400" dirty="0"/>
           </a:p>
@@ -5569,31 +8285,7 @@
                             <a:srgbClr val="000000"/>
                           </a:solidFill>
                         </a:rPr>
-                        <a:t> </a:t>
-                      </a:r>
-                      <a:r>
-                        <a:rPr lang="fr-FR" sz="1400" baseline="0" dirty="0" smtClean="0">
-                          <a:solidFill>
-                            <a:srgbClr val="000000"/>
-                          </a:solidFill>
-                        </a:rPr>
-                        <a:t>(</a:t>
-                      </a:r>
-                      <a:r>
-                        <a:rPr lang="fr-FR" sz="1400" baseline="0" dirty="0" smtClean="0">
-                          <a:solidFill>
-                            <a:srgbClr val="000000"/>
-                          </a:solidFill>
-                        </a:rPr>
-                        <a:t>phase </a:t>
-                      </a:r>
-                      <a:r>
-                        <a:rPr lang="fr-FR" sz="1400" baseline="0" dirty="0" smtClean="0">
-                          <a:solidFill>
-                            <a:srgbClr val="000000"/>
-                          </a:solidFill>
-                        </a:rPr>
-                        <a:t>organique)</a:t>
+                        <a:t> (phase organique)</a:t>
                       </a:r>
                       <a:endParaRPr lang="fr-FR" sz="1400" dirty="0">
                         <a:solidFill>
@@ -6077,7 +8769,7 @@
 </p:sld>
 </file>
 
-<file path=ppt/slides/slide17.xml><?xml version="1.0" encoding="utf-8"?>
+<file path=ppt/slides/slide21.xml><?xml version="1.0" encoding="utf-8"?>
 <p:sld xmlns:a="http://schemas.openxmlformats.org/drawingml/2006/main" xmlns:r="http://schemas.openxmlformats.org/officeDocument/2006/relationships" xmlns:p="http://schemas.openxmlformats.org/presentationml/2006/main">
   <p:cSld>
     <p:spTree>
@@ -6099,7 +8791,7 @@
           <p:cNvPr id="2" name="ZoneTexte 1">
             <a:extLst>
               <a:ext uri="{FF2B5EF4-FFF2-40B4-BE49-F238E27FC236}">
-                <a16:creationId xmlns:a16="http://schemas.microsoft.com/office/drawing/2014/main" xmlns="" id="{51F8100B-FD68-4DD0-A06E-244227D93346}"/>
+                <a16:creationId xmlns="" xmlns:a16="http://schemas.microsoft.com/office/drawing/2014/main" id="{51F8100B-FD68-4DD0-A06E-244227D93346}"/>
               </a:ext>
             </a:extLst>
           </p:cNvPr>
@@ -6141,7 +8833,7 @@
           <p:cNvPr id="3" name="ZoneTexte 2">
             <a:extLst>
               <a:ext uri="{FF2B5EF4-FFF2-40B4-BE49-F238E27FC236}">
-                <a16:creationId xmlns:a16="http://schemas.microsoft.com/office/drawing/2014/main" xmlns="" id="{F4D558A5-1C17-4469-8DF8-34F1B6CC486A}"/>
+                <a16:creationId xmlns="" xmlns:a16="http://schemas.microsoft.com/office/drawing/2014/main" id="{F4D558A5-1C17-4469-8DF8-34F1B6CC486A}"/>
               </a:ext>
             </a:extLst>
           </p:cNvPr>
@@ -6234,7 +8926,7 @@
           <p:cNvPr id="1026" name="Picture 2" descr="Image illustrative de l’article Benzaldéhyde">
             <a:extLst>
               <a:ext uri="{FF2B5EF4-FFF2-40B4-BE49-F238E27FC236}">
-                <a16:creationId xmlns:a16="http://schemas.microsoft.com/office/drawing/2014/main" xmlns="" id="{88F44BF9-69CC-4180-B7B0-672935E7FB4B}"/>
+                <a16:creationId xmlns="" xmlns:a16="http://schemas.microsoft.com/office/drawing/2014/main" id="{88F44BF9-69CC-4180-B7B0-672935E7FB4B}"/>
               </a:ext>
             </a:extLst>
           </p:cNvPr>
@@ -6281,7 +8973,7 @@
           <p:cNvPr id="1030" name="Picture 6">
             <a:extLst>
               <a:ext uri="{FF2B5EF4-FFF2-40B4-BE49-F238E27FC236}">
-                <a16:creationId xmlns:a16="http://schemas.microsoft.com/office/drawing/2014/main" xmlns="" id="{D2E87579-B03B-49D3-BBC5-9D347B1E85CA}"/>
+                <a16:creationId xmlns="" xmlns:a16="http://schemas.microsoft.com/office/drawing/2014/main" id="{D2E87579-B03B-49D3-BBC5-9D347B1E85CA}"/>
               </a:ext>
             </a:extLst>
           </p:cNvPr>
@@ -6328,7 +9020,7 @@
           <p:cNvPr id="7" name="ZoneTexte 6">
             <a:extLst>
               <a:ext uri="{FF2B5EF4-FFF2-40B4-BE49-F238E27FC236}">
-                <a16:creationId xmlns:a16="http://schemas.microsoft.com/office/drawing/2014/main" xmlns="" id="{1D5711ED-9A27-48A5-AAF7-299CACFF3D09}"/>
+                <a16:creationId xmlns="" xmlns:a16="http://schemas.microsoft.com/office/drawing/2014/main" id="{1D5711ED-9A27-48A5-AAF7-299CACFF3D09}"/>
               </a:ext>
             </a:extLst>
           </p:cNvPr>
@@ -6427,7 +9119,7 @@
           <p:cNvPr id="8" name="ZoneTexte 7">
             <a:extLst>
               <a:ext uri="{FF2B5EF4-FFF2-40B4-BE49-F238E27FC236}">
-                <a16:creationId xmlns:a16="http://schemas.microsoft.com/office/drawing/2014/main" xmlns="" id="{F2D771B0-3204-44AE-B97D-64D1C520D3BC}"/>
+                <a16:creationId xmlns="" xmlns:a16="http://schemas.microsoft.com/office/drawing/2014/main" id="{F2D771B0-3204-44AE-B97D-64D1C520D3BC}"/>
               </a:ext>
             </a:extLst>
           </p:cNvPr>
@@ -6521,7 +9213,7 @@
           <p:cNvPr id="1032" name="Picture 8" descr="Image illustrative de l’article Alcool benzylique">
             <a:extLst>
               <a:ext uri="{FF2B5EF4-FFF2-40B4-BE49-F238E27FC236}">
-                <a16:creationId xmlns:a16="http://schemas.microsoft.com/office/drawing/2014/main" xmlns="" id="{5BC0B4DD-AA2B-4F13-A857-18D7912A724D}"/>
+                <a16:creationId xmlns="" xmlns:a16="http://schemas.microsoft.com/office/drawing/2014/main" id="{5BC0B4DD-AA2B-4F13-A857-18D7912A724D}"/>
               </a:ext>
             </a:extLst>
           </p:cNvPr>
@@ -6568,7 +9260,7 @@
           <p:cNvPr id="10" name="ZoneTexte 9">
             <a:extLst>
               <a:ext uri="{FF2B5EF4-FFF2-40B4-BE49-F238E27FC236}">
-                <a16:creationId xmlns:a16="http://schemas.microsoft.com/office/drawing/2014/main" xmlns="" id="{4F09EFE7-AF7B-41CC-A459-43C6A3AF1248}"/>
+                <a16:creationId xmlns="" xmlns:a16="http://schemas.microsoft.com/office/drawing/2014/main" id="{4F09EFE7-AF7B-41CC-A459-43C6A3AF1248}"/>
               </a:ext>
             </a:extLst>
           </p:cNvPr>
@@ -6659,7 +9351,7 @@
           <p:cNvPr id="1034" name="Picture 10" descr="Image illustrative de l’article Éther diéthylique">
             <a:extLst>
               <a:ext uri="{FF2B5EF4-FFF2-40B4-BE49-F238E27FC236}">
-                <a16:creationId xmlns:a16="http://schemas.microsoft.com/office/drawing/2014/main" xmlns="" id="{68934DD8-F1C2-48E9-9E04-8BE00C08DA4A}"/>
+                <a16:creationId xmlns="" xmlns:a16="http://schemas.microsoft.com/office/drawing/2014/main" id="{68934DD8-F1C2-48E9-9E04-8BE00C08DA4A}"/>
               </a:ext>
             </a:extLst>
           </p:cNvPr>
@@ -6706,7 +9398,7 @@
           <p:cNvPr id="11" name="ZoneTexte 10">
             <a:extLst>
               <a:ext uri="{FF2B5EF4-FFF2-40B4-BE49-F238E27FC236}">
-                <a16:creationId xmlns:a16="http://schemas.microsoft.com/office/drawing/2014/main" xmlns="" id="{D5F417D9-87C8-4B0A-9894-297CCDF2B89C}"/>
+                <a16:creationId xmlns="" xmlns:a16="http://schemas.microsoft.com/office/drawing/2014/main" id="{D5F417D9-87C8-4B0A-9894-297CCDF2B89C}"/>
               </a:ext>
             </a:extLst>
           </p:cNvPr>
@@ -6821,7 +9513,7 @@
 </p:sld>
 </file>
 
-<file path=ppt/slides/slide18.xml><?xml version="1.0" encoding="utf-8"?>
+<file path=ppt/slides/slide22.xml><?xml version="1.0" encoding="utf-8"?>
 <p:sld xmlns:a="http://schemas.openxmlformats.org/drawingml/2006/main" xmlns:r="http://schemas.openxmlformats.org/officeDocument/2006/relationships" xmlns:p="http://schemas.openxmlformats.org/presentationml/2006/main">
   <p:cSld>
     <p:spTree>
@@ -6843,7 +9535,7 @@
           <p:cNvPr id="2" name="ZoneTexte 1">
             <a:extLst>
               <a:ext uri="{FF2B5EF4-FFF2-40B4-BE49-F238E27FC236}">
-                <a16:creationId xmlns:a16="http://schemas.microsoft.com/office/drawing/2014/main" xmlns="" id="{F08A3C1A-3728-418B-BD9A-3ABFFD4BA9E2}"/>
+                <a16:creationId xmlns="" xmlns:a16="http://schemas.microsoft.com/office/drawing/2014/main" id="{F08A3C1A-3728-418B-BD9A-3ABFFD4BA9E2}"/>
               </a:ext>
             </a:extLst>
           </p:cNvPr>
@@ -6885,7 +9577,7 @@
           <p:cNvPr id="4" name="Image 3" descr="Une image contenant texte, carte&#10;&#10;Description générée automatiquement">
             <a:extLst>
               <a:ext uri="{FF2B5EF4-FFF2-40B4-BE49-F238E27FC236}">
-                <a16:creationId xmlns:a16="http://schemas.microsoft.com/office/drawing/2014/main" xmlns="" id="{DEB4ED68-7833-41B4-922C-861D4B212877}"/>
+                <a16:creationId xmlns="" xmlns:a16="http://schemas.microsoft.com/office/drawing/2014/main" id="{DEB4ED68-7833-41B4-922C-861D4B212877}"/>
               </a:ext>
             </a:extLst>
           </p:cNvPr>
@@ -6921,7 +9613,7 @@
           <p:cNvPr id="6" name="Image 5" descr="Une image contenant texte, carte&#10;&#10;Description générée automatiquement">
             <a:extLst>
               <a:ext uri="{FF2B5EF4-FFF2-40B4-BE49-F238E27FC236}">
-                <a16:creationId xmlns:a16="http://schemas.microsoft.com/office/drawing/2014/main" xmlns="" id="{C9478DE5-DD45-479C-B7CF-C42951D499BE}"/>
+                <a16:creationId xmlns="" xmlns:a16="http://schemas.microsoft.com/office/drawing/2014/main" id="{C9478DE5-DD45-479C-B7CF-C42951D499BE}"/>
               </a:ext>
             </a:extLst>
           </p:cNvPr>
@@ -6956,272 +9648,6 @@
     <p:extLst>
       <p:ext uri="{BB962C8B-B14F-4D97-AF65-F5344CB8AC3E}">
         <p14:creationId xmlns:p14="http://schemas.microsoft.com/office/powerpoint/2010/main" val="1006751715"/>
-      </p:ext>
-    </p:extLst>
-  </p:cSld>
-  <p:clrMapOvr>
-    <a:masterClrMapping/>
-  </p:clrMapOvr>
-</p:sld>
-</file>
-
-<file path=ppt/slides/slide2.xml><?xml version="1.0" encoding="utf-8"?>
-<p:sld xmlns:a="http://schemas.openxmlformats.org/drawingml/2006/main" xmlns:r="http://schemas.openxmlformats.org/officeDocument/2006/relationships" xmlns:p="http://schemas.openxmlformats.org/presentationml/2006/main">
-  <p:cSld>
-    <p:spTree>
-      <p:nvGrpSpPr>
-        <p:cNvPr id="1" name=""/>
-        <p:cNvGrpSpPr/>
-        <p:nvPr/>
-      </p:nvGrpSpPr>
-      <p:grpSpPr>
-        <a:xfrm>
-          <a:off x="0" y="0"/>
-          <a:ext cx="0" cy="0"/>
-          <a:chOff x="0" y="0"/>
-          <a:chExt cx="0" cy="0"/>
-        </a:xfrm>
-      </p:grpSpPr>
-      <p:sp>
-        <p:nvSpPr>
-          <p:cNvPr id="2" name="Espace réservé du numéro de diapositive 1"/>
-          <p:cNvSpPr>
-            <a:spLocks noGrp="1"/>
-          </p:cNvSpPr>
-          <p:nvPr>
-            <p:ph type="sldNum" sz="quarter" idx="12"/>
-          </p:nvPr>
-        </p:nvSpPr>
-        <p:spPr/>
-        <p:txBody>
-          <a:bodyPr/>
-          <a:lstStyle/>
-          <a:p>
-            <a:fld id="{4FAB73BC-B049-4115-A692-8D63A059BFB8}" type="slidenum">
-              <a:rPr lang="en-US" smtClean="0"/>
-              <a:pPr/>
-              <a:t>2</a:t>
-            </a:fld>
-            <a:endParaRPr lang="en-US" dirty="0"/>
-          </a:p>
-        </p:txBody>
-      </p:sp>
-      <p:sp>
-        <p:nvSpPr>
-          <p:cNvPr id="3" name="Titre 2"/>
-          <p:cNvSpPr>
-            <a:spLocks noGrp="1"/>
-          </p:cNvSpPr>
-          <p:nvPr>
-            <p:ph type="title"/>
-          </p:nvPr>
-        </p:nvSpPr>
-        <p:spPr/>
-        <p:txBody>
-          <a:bodyPr/>
-          <a:lstStyle/>
-          <a:p>
-            <a:r>
-              <a:rPr lang="fr-FR" dirty="0" smtClean="0"/>
-              <a:t>Le benzaldéhyde</a:t>
-            </a:r>
-            <a:endParaRPr lang="fr-FR" dirty="0"/>
-          </a:p>
-        </p:txBody>
-      </p:sp>
-      <p:pic>
-        <p:nvPicPr>
-          <p:cNvPr id="4" name="Image 3"/>
-          <p:cNvPicPr>
-            <a:picLocks noChangeAspect="1"/>
-          </p:cNvPicPr>
-          <p:nvPr/>
-        </p:nvPicPr>
-        <p:blipFill>
-          <a:blip r:embed="rId2"/>
-          <a:stretch>
-            <a:fillRect/>
-          </a:stretch>
-        </p:blipFill>
-        <p:spPr>
-          <a:xfrm>
-            <a:off x="365502" y="1114324"/>
-            <a:ext cx="3614847" cy="3271437"/>
-          </a:xfrm>
-          <a:prstGeom prst="rect">
-            <a:avLst/>
-          </a:prstGeom>
-        </p:spPr>
-      </p:pic>
-      <p:sp>
-        <p:nvSpPr>
-          <p:cNvPr id="5" name="ZoneTexte 4"/>
-          <p:cNvSpPr txBox="1"/>
-          <p:nvPr/>
-        </p:nvSpPr>
-        <p:spPr>
-          <a:xfrm>
-            <a:off x="4779037" y="706959"/>
-            <a:ext cx="1754958" cy="923330"/>
-          </a:xfrm>
-          <a:prstGeom prst="rect">
-            <a:avLst/>
-          </a:prstGeom>
-          <a:noFill/>
-        </p:spPr>
-        <p:txBody>
-          <a:bodyPr wrap="none" rtlCol="0">
-            <a:spAutoFit/>
-          </a:bodyPr>
-          <a:lstStyle/>
-          <a:p>
-            <a:r>
-              <a:rPr lang="fr-FR" b="1" u="sng" dirty="0" smtClean="0"/>
-              <a:t>Utilisation : </a:t>
-            </a:r>
-          </a:p>
-          <a:p>
-            <a:r>
-              <a:rPr lang="fr-FR" dirty="0" smtClean="0"/>
-              <a:t>- Ar</a:t>
-            </a:r>
-            <a:r>
-              <a:rPr lang="fr-FR" dirty="0" smtClean="0"/>
-              <a:t>ôme artificiel </a:t>
-            </a:r>
-          </a:p>
-          <a:p>
-            <a:r>
-              <a:rPr lang="fr-FR" dirty="0" smtClean="0"/>
-              <a:t>- Parfumerie</a:t>
-            </a:r>
-            <a:endParaRPr lang="fr-FR" dirty="0"/>
-          </a:p>
-        </p:txBody>
-      </p:sp>
-      <p:sp>
-        <p:nvSpPr>
-          <p:cNvPr id="6" name="ZoneTexte 5"/>
-          <p:cNvSpPr txBox="1"/>
-          <p:nvPr/>
-        </p:nvSpPr>
-        <p:spPr>
-          <a:xfrm>
-            <a:off x="4700477" y="2212518"/>
-            <a:ext cx="2965813" cy="369332"/>
-          </a:xfrm>
-          <a:prstGeom prst="rect">
-            <a:avLst/>
-          </a:prstGeom>
-          <a:noFill/>
-        </p:spPr>
-        <p:txBody>
-          <a:bodyPr wrap="none" rtlCol="0">
-            <a:spAutoFit/>
-          </a:bodyPr>
-          <a:lstStyle/>
-          <a:p>
-            <a:r>
-              <a:rPr lang="fr-FR" dirty="0" smtClean="0"/>
-              <a:t>Ph-CHO +O2 = </a:t>
-            </a:r>
-            <a:r>
-              <a:rPr lang="fr-FR" dirty="0" err="1" smtClean="0"/>
-              <a:t>PhCOOH</a:t>
-            </a:r>
-            <a:r>
-              <a:rPr lang="fr-FR" dirty="0" smtClean="0"/>
-              <a:t> +H2O</a:t>
-            </a:r>
-            <a:endParaRPr lang="fr-FR" dirty="0"/>
-          </a:p>
-        </p:txBody>
-      </p:sp>
-      <p:sp>
-        <p:nvSpPr>
-          <p:cNvPr id="7" name="Accolade ouvrante 6"/>
-          <p:cNvSpPr/>
-          <p:nvPr/>
-        </p:nvSpPr>
-        <p:spPr>
-          <a:xfrm rot="16200000">
-            <a:off x="6432069" y="2287758"/>
-            <a:ext cx="307682" cy="837971"/>
-          </a:xfrm>
-          <a:prstGeom prst="leftBrace">
-            <a:avLst/>
-          </a:prstGeom>
-          <a:ln>
-            <a:solidFill>
-              <a:srgbClr val="CA7362"/>
-            </a:solidFill>
-          </a:ln>
-        </p:spPr>
-        <p:style>
-          <a:lnRef idx="2">
-            <a:schemeClr val="accent1"/>
-          </a:lnRef>
-          <a:fillRef idx="0">
-            <a:schemeClr val="accent1"/>
-          </a:fillRef>
-          <a:effectRef idx="1">
-            <a:schemeClr val="accent1"/>
-          </a:effectRef>
-          <a:fontRef idx="minor">
-            <a:schemeClr val="tx1"/>
-          </a:fontRef>
-        </p:style>
-        <p:txBody>
-          <a:bodyPr rtlCol="0" anchor="ctr"/>
-          <a:lstStyle/>
-          <a:p>
-            <a:pPr algn="ctr"/>
-            <a:endParaRPr lang="fr-FR">
-              <a:solidFill>
-                <a:srgbClr val="CA7362"/>
-              </a:solidFill>
-            </a:endParaRPr>
-          </a:p>
-        </p:txBody>
-      </p:sp>
-      <p:sp>
-        <p:nvSpPr>
-          <p:cNvPr id="8" name="ZoneTexte 7"/>
-          <p:cNvSpPr txBox="1"/>
-          <p:nvPr/>
-        </p:nvSpPr>
-        <p:spPr>
-          <a:xfrm>
-            <a:off x="5878870" y="2971844"/>
-            <a:ext cx="1737825" cy="369332"/>
-          </a:xfrm>
-          <a:prstGeom prst="rect">
-            <a:avLst/>
-          </a:prstGeom>
-          <a:noFill/>
-        </p:spPr>
-        <p:txBody>
-          <a:bodyPr wrap="none" rtlCol="0">
-            <a:spAutoFit/>
-          </a:bodyPr>
-          <a:lstStyle/>
-          <a:p>
-            <a:r>
-              <a:rPr lang="fr-FR" dirty="0" smtClean="0"/>
-              <a:t>Acide benzo</a:t>
-            </a:r>
-            <a:r>
-              <a:rPr lang="fr-FR" dirty="0" smtClean="0"/>
-              <a:t>ïque</a:t>
-            </a:r>
-            <a:endParaRPr lang="fr-FR" dirty="0"/>
-          </a:p>
-        </p:txBody>
-      </p:sp>
-    </p:spTree>
-    <p:extLst>
-      <p:ext uri="{BB962C8B-B14F-4D97-AF65-F5344CB8AC3E}">
-        <p14:creationId xmlns:p14="http://schemas.microsoft.com/office/powerpoint/2010/main" val="635302046"/>
       </p:ext>
     </p:extLst>
   </p:cSld>
@@ -7277,7 +9703,7 @@
           <p:cNvPr id="2" name="Espace réservé du numéro de diapositive 1">
             <a:extLst>
               <a:ext uri="{FF2B5EF4-FFF2-40B4-BE49-F238E27FC236}">
-                <a16:creationId xmlns:a16="http://schemas.microsoft.com/office/drawing/2014/main" xmlns="" id="{177316BF-99BD-4B47-95CD-28508FECD6D7}"/>
+                <a16:creationId xmlns="" xmlns:a16="http://schemas.microsoft.com/office/drawing/2014/main" id="{177316BF-99BD-4B47-95CD-28508FECD6D7}"/>
               </a:ext>
             </a:extLst>
           </p:cNvPr>
@@ -7435,13 +9861,8 @@
             </a:r>
             <a:r>
               <a:rPr lang="fr-FR" sz="1600" dirty="0" smtClean="0"/>
-              <a:t>. benzo</a:t>
-            </a:r>
-            <a:r>
-              <a:rPr lang="fr-FR" sz="1600" dirty="0" smtClean="0"/>
-              <a:t>ïque</a:t>
-            </a:r>
-            <a:endParaRPr lang="fr-FR" sz="1600" dirty="0" smtClean="0"/>
+              <a:t>. benzoïque</a:t>
+            </a:r>
           </a:p>
         </p:txBody>
       </p:sp>
@@ -7689,11 +10110,7 @@
           <a:p>
             <a:r>
               <a:rPr lang="fr-FR" i="1" u="sng" dirty="0" smtClean="0"/>
-              <a:t>Mélange d’intér</a:t>
-            </a:r>
-            <a:r>
-              <a:rPr lang="fr-FR" i="1" u="sng" dirty="0" smtClean="0"/>
-              <a:t>êt</a:t>
+              <a:t>Mélange d’intérêt</a:t>
             </a:r>
             <a:endParaRPr lang="fr-FR" i="1" u="sng" dirty="0"/>
           </a:p>
@@ -7728,15 +10145,7 @@
                   <a:srgbClr val="CA7362"/>
                 </a:solidFill>
               </a:rPr>
-              <a:t>Présentation du mélange d’intér</a:t>
-            </a:r>
-            <a:r>
-              <a:rPr lang="fr-FR" sz="2400" dirty="0" smtClean="0">
-                <a:solidFill>
-                  <a:srgbClr val="CA7362"/>
-                </a:solidFill>
-              </a:rPr>
-              <a:t>êt</a:t>
+              <a:t>Présentation du mélange d’intérêt</a:t>
             </a:r>
             <a:endParaRPr lang="fr-FR" sz="2400" dirty="0">
               <a:solidFill>
@@ -7968,11 +10377,7 @@
           <a:p>
             <a:r>
               <a:rPr lang="fr-FR" dirty="0" smtClean="0"/>
-              <a:t>Acide benzo</a:t>
-            </a:r>
-            <a:r>
-              <a:rPr lang="fr-FR" dirty="0" smtClean="0"/>
-              <a:t>ïque purifié</a:t>
+              <a:t>Acide benzoïque purifié</a:t>
             </a:r>
             <a:endParaRPr lang="fr-FR" dirty="0"/>
           </a:p>
@@ -8095,7 +10500,31 @@
       </p:grpSpPr>
       <p:sp>
         <p:nvSpPr>
-          <p:cNvPr id="4" name="Titre 3"/>
+          <p:cNvPr id="2" name="Espace réservé du numéro de diapositive 1"/>
+          <p:cNvSpPr>
+            <a:spLocks noGrp="1"/>
+          </p:cNvSpPr>
+          <p:nvPr>
+            <p:ph type="sldNum" sz="quarter" idx="12"/>
+          </p:nvPr>
+        </p:nvSpPr>
+        <p:spPr/>
+        <p:txBody>
+          <a:bodyPr/>
+          <a:lstStyle/>
+          <a:p>
+            <a:fld id="{4FAB73BC-B049-4115-A692-8D63A059BFB8}" type="slidenum">
+              <a:rPr lang="en-US" smtClean="0"/>
+              <a:pPr/>
+              <a:t>4</a:t>
+            </a:fld>
+            <a:endParaRPr lang="en-US" dirty="0"/>
+          </a:p>
+        </p:txBody>
+      </p:sp>
+      <p:sp>
+        <p:nvSpPr>
+          <p:cNvPr id="3" name="Titre 2"/>
           <p:cNvSpPr>
             <a:spLocks noGrp="1"/>
           </p:cNvSpPr>
@@ -8103,581 +10532,247 @@
             <p:ph type="title"/>
           </p:nvPr>
         </p:nvSpPr>
-        <p:spPr>
-          <a:xfrm>
-            <a:off x="675048" y="177535"/>
-            <a:ext cx="7543800" cy="511120"/>
-          </a:xfrm>
-        </p:spPr>
+        <p:spPr/>
         <p:txBody>
           <a:bodyPr/>
           <a:lstStyle/>
           <a:p>
             <a:r>
               <a:rPr lang="fr-FR" dirty="0" smtClean="0"/>
-              <a:t>Extraction liquide-liquide  </a:t>
+              <a:t>Etude de la solubilité des composés dans l’eau et l’éther</a:t>
             </a:r>
             <a:endParaRPr lang="fr-FR" dirty="0"/>
           </a:p>
         </p:txBody>
       </p:sp>
-      <p:pic>
-        <p:nvPicPr>
-          <p:cNvPr id="5" name="Espace réservé du contenu 16">
-            <a:extLst>
-              <a:ext uri="{FF2B5EF4-FFF2-40B4-BE49-F238E27FC236}">
-                <a16:creationId xmlns:a16="http://schemas.microsoft.com/office/drawing/2014/main" xmlns="" id="{C437F124-4600-4F4F-8AD0-2752F5A537CA}"/>
-              </a:ext>
-            </a:extLst>
-          </p:cNvPr>
-          <p:cNvPicPr>
-            <a:picLocks noChangeAspect="1"/>
-          </p:cNvPicPr>
-          <p:nvPr/>
-        </p:nvPicPr>
-        <p:blipFill>
-          <a:blip r:embed="rId2">
-            <a:extLst>
-              <a:ext uri="{28A0092B-C50C-407E-A947-70E740481C1C}">
-                <a14:useLocalDpi xmlns:a14="http://schemas.microsoft.com/office/drawing/2010/main" val="0"/>
-              </a:ext>
-            </a:extLst>
-          </a:blip>
-          <a:stretch>
-            <a:fillRect/>
-          </a:stretch>
-        </p:blipFill>
-        <p:spPr>
-          <a:xfrm>
-            <a:off x="3263177" y="1242492"/>
-            <a:ext cx="2688516" cy="3287352"/>
-          </a:xfrm>
-          <a:prstGeom prst="rect">
-            <a:avLst/>
-          </a:prstGeom>
-        </p:spPr>
-      </p:pic>
-      <p:sp>
-        <p:nvSpPr>
-          <p:cNvPr id="8" name="ZoneTexte 7"/>
-          <p:cNvSpPr txBox="1"/>
-          <p:nvPr/>
-        </p:nvSpPr>
-        <p:spPr>
-          <a:xfrm>
-            <a:off x="2264687" y="4375849"/>
-            <a:ext cx="3715455" cy="646331"/>
-          </a:xfrm>
-          <a:prstGeom prst="rect">
-            <a:avLst/>
-          </a:prstGeom>
-          <a:noFill/>
-        </p:spPr>
-        <p:txBody>
-          <a:bodyPr wrap="none" rtlCol="0">
-            <a:spAutoFit/>
-          </a:bodyPr>
-          <a:lstStyle/>
-          <a:p>
-            <a:pPr algn="ctr"/>
-            <a:r>
-              <a:rPr lang="fr-FR" i="1" u="sng" dirty="0" smtClean="0"/>
-              <a:t>Montage de décantation : </a:t>
-            </a:r>
-          </a:p>
-          <a:p>
-            <a:pPr algn="ctr"/>
-            <a:r>
-              <a:rPr lang="fr-FR" i="1" u="sng" dirty="0" smtClean="0"/>
-              <a:t>utilisation d’une ampoule à décanter</a:t>
-            </a:r>
-            <a:endParaRPr lang="fr-FR" i="1" u="sng" dirty="0"/>
-          </a:p>
-        </p:txBody>
-      </p:sp>
-      <p:pic>
-        <p:nvPicPr>
-          <p:cNvPr id="9" name="Image 8"/>
-          <p:cNvPicPr>
-            <a:picLocks noChangeAspect="1"/>
-          </p:cNvPicPr>
-          <p:nvPr/>
-        </p:nvPicPr>
-        <p:blipFill>
-          <a:blip r:embed="rId3"/>
-          <a:stretch>
-            <a:fillRect/>
-          </a:stretch>
-        </p:blipFill>
-        <p:spPr>
-          <a:xfrm>
-            <a:off x="587387" y="1103228"/>
-            <a:ext cx="2162206" cy="2162206"/>
-          </a:xfrm>
-          <a:prstGeom prst="rect">
-            <a:avLst/>
-          </a:prstGeom>
-        </p:spPr>
-      </p:pic>
-      <p:cxnSp>
-        <p:nvCxnSpPr>
-          <p:cNvPr id="14" name="Connecteur droit 13"/>
-          <p:cNvCxnSpPr/>
-          <p:nvPr/>
-        </p:nvCxnSpPr>
-        <p:spPr>
-          <a:xfrm>
-            <a:off x="985307" y="2132757"/>
-            <a:ext cx="889191" cy="2849"/>
-          </a:xfrm>
-          <a:prstGeom prst="line">
-            <a:avLst/>
-          </a:prstGeom>
-        </p:spPr>
-        <p:style>
-          <a:lnRef idx="2">
-            <a:schemeClr val="accent1"/>
-          </a:lnRef>
-          <a:fillRef idx="0">
-            <a:schemeClr val="accent1"/>
-          </a:fillRef>
-          <a:effectRef idx="1">
-            <a:schemeClr val="accent1"/>
-          </a:effectRef>
-          <a:fontRef idx="minor">
-            <a:schemeClr val="tx1"/>
-          </a:fontRef>
-        </p:style>
-      </p:cxnSp>
-      <p:sp>
-        <p:nvSpPr>
-          <p:cNvPr id="18" name="ZoneTexte 17"/>
-          <p:cNvSpPr txBox="1"/>
-          <p:nvPr/>
-        </p:nvSpPr>
-        <p:spPr>
-          <a:xfrm>
-            <a:off x="552125" y="3155110"/>
-            <a:ext cx="1922346" cy="369332"/>
-          </a:xfrm>
-          <a:prstGeom prst="rect">
-            <a:avLst/>
-          </a:prstGeom>
-          <a:noFill/>
-        </p:spPr>
-        <p:txBody>
-          <a:bodyPr wrap="none" rtlCol="0">
-            <a:spAutoFit/>
-          </a:bodyPr>
-          <a:lstStyle/>
-          <a:p>
-            <a:r>
-              <a:rPr lang="fr-FR" i="1" u="sng" dirty="0" smtClean="0"/>
-              <a:t>Mélange d’intér</a:t>
-            </a:r>
-            <a:r>
-              <a:rPr lang="fr-FR" i="1" u="sng" dirty="0" smtClean="0"/>
-              <a:t>êt</a:t>
-            </a:r>
-            <a:endParaRPr lang="fr-FR" i="1" u="sng" dirty="0"/>
-          </a:p>
-        </p:txBody>
-      </p:sp>
-      <p:sp>
-        <p:nvSpPr>
-          <p:cNvPr id="2" name="ZoneTexte 1"/>
-          <p:cNvSpPr txBox="1"/>
-          <p:nvPr/>
-        </p:nvSpPr>
-        <p:spPr>
-          <a:xfrm>
-            <a:off x="0" y="723780"/>
-            <a:ext cx="1714832" cy="923330"/>
-          </a:xfrm>
-          <a:prstGeom prst="rect">
-            <a:avLst/>
-          </a:prstGeom>
-          <a:noFill/>
-        </p:spPr>
-        <p:txBody>
-          <a:bodyPr wrap="none" rtlCol="0">
-            <a:spAutoFit/>
-          </a:bodyPr>
-          <a:lstStyle/>
-          <a:p>
-            <a:r>
-              <a:rPr lang="fr-FR" dirty="0" smtClean="0"/>
-              <a:t>Benzaldéhyde +</a:t>
-            </a:r>
-          </a:p>
-          <a:p>
-            <a:r>
-              <a:rPr lang="fr-FR" dirty="0" smtClean="0"/>
-              <a:t>acide benzo</a:t>
-            </a:r>
-            <a:r>
-              <a:rPr lang="fr-FR" dirty="0" smtClean="0"/>
-              <a:t>ïque </a:t>
-            </a:r>
-          </a:p>
-          <a:p>
-            <a:r>
-              <a:rPr lang="fr-FR" dirty="0" smtClean="0"/>
-              <a:t>dans de l’éther</a:t>
-            </a:r>
-            <a:endParaRPr lang="fr-FR" dirty="0"/>
-          </a:p>
-        </p:txBody>
-      </p:sp>
-      <p:cxnSp>
-        <p:nvCxnSpPr>
-          <p:cNvPr id="19" name="Connecteur droit avec flèche 18"/>
-          <p:cNvCxnSpPr/>
-          <p:nvPr/>
-        </p:nvCxnSpPr>
-        <p:spPr>
-          <a:xfrm>
-            <a:off x="792013" y="2430857"/>
-            <a:ext cx="764703" cy="13656"/>
-          </a:xfrm>
-          <a:prstGeom prst="straightConnector1">
-            <a:avLst/>
-          </a:prstGeom>
-          <a:ln>
-            <a:tailEnd type="arrow"/>
-          </a:ln>
-        </p:spPr>
-        <p:style>
-          <a:lnRef idx="2">
-            <a:schemeClr val="accent1"/>
-          </a:lnRef>
-          <a:fillRef idx="0">
-            <a:schemeClr val="accent1"/>
-          </a:fillRef>
-          <a:effectRef idx="1">
-            <a:schemeClr val="accent1"/>
-          </a:effectRef>
-          <a:fontRef idx="minor">
-            <a:schemeClr val="tx1"/>
-          </a:fontRef>
-        </p:style>
-      </p:cxnSp>
-      <p:pic>
-        <p:nvPicPr>
-          <p:cNvPr id="33" name="Image 32"/>
-          <p:cNvPicPr>
-            <a:picLocks noChangeAspect="1"/>
-          </p:cNvPicPr>
-          <p:nvPr/>
-        </p:nvPicPr>
-        <p:blipFill>
-          <a:blip r:embed="rId4"/>
-          <a:stretch>
-            <a:fillRect/>
-          </a:stretch>
-        </p:blipFill>
-        <p:spPr>
-          <a:xfrm>
-            <a:off x="6573448" y="1993850"/>
-            <a:ext cx="677836" cy="1348960"/>
-          </a:xfrm>
-          <a:prstGeom prst="rect">
-            <a:avLst/>
-          </a:prstGeom>
-        </p:spPr>
-      </p:pic>
-      <p:cxnSp>
-        <p:nvCxnSpPr>
-          <p:cNvPr id="37" name="Connecteur droit 36"/>
-          <p:cNvCxnSpPr/>
-          <p:nvPr/>
-        </p:nvCxnSpPr>
-        <p:spPr>
-          <a:xfrm flipH="1" flipV="1">
-            <a:off x="559872" y="1652437"/>
-            <a:ext cx="218486" cy="764764"/>
-          </a:xfrm>
-          <a:prstGeom prst="line">
-            <a:avLst/>
-          </a:prstGeom>
-        </p:spPr>
-        <p:style>
-          <a:lnRef idx="2">
-            <a:schemeClr val="accent1"/>
-          </a:lnRef>
-          <a:fillRef idx="0">
-            <a:schemeClr val="accent1"/>
-          </a:fillRef>
-          <a:effectRef idx="1">
-            <a:schemeClr val="accent1"/>
-          </a:effectRef>
-          <a:fontRef idx="minor">
-            <a:schemeClr val="tx1"/>
-          </a:fontRef>
-        </p:style>
-      </p:cxnSp>
-      <p:sp>
-        <p:nvSpPr>
-          <p:cNvPr id="38" name="Virage 37"/>
-          <p:cNvSpPr/>
-          <p:nvPr/>
-        </p:nvSpPr>
-        <p:spPr>
-          <a:xfrm>
-            <a:off x="1652304" y="1229085"/>
-            <a:ext cx="1747892" cy="628199"/>
-          </a:xfrm>
-          <a:prstGeom prst="bentArrow">
-            <a:avLst/>
-          </a:prstGeom>
-          <a:solidFill>
-            <a:schemeClr val="accent1"/>
-          </a:solidFill>
-          <a:ln>
-            <a:noFill/>
-          </a:ln>
-        </p:spPr>
-        <p:style>
-          <a:lnRef idx="2">
-            <a:schemeClr val="accent1">
-              <a:shade val="50000"/>
-            </a:schemeClr>
-          </a:lnRef>
-          <a:fillRef idx="1">
-            <a:schemeClr val="accent1"/>
-          </a:fillRef>
-          <a:effectRef idx="0">
-            <a:schemeClr val="accent1"/>
-          </a:effectRef>
-          <a:fontRef idx="minor">
-            <a:schemeClr val="lt1"/>
-          </a:fontRef>
-        </p:style>
-        <p:txBody>
-          <a:bodyPr rtlCol="0" anchor="ctr"/>
-          <a:lstStyle/>
-          <a:p>
-            <a:pPr algn="ctr"/>
-            <a:endParaRPr lang="fr-FR">
-              <a:solidFill>
-                <a:schemeClr val="tx1"/>
-              </a:solidFill>
-            </a:endParaRPr>
-          </a:p>
-        </p:txBody>
-      </p:sp>
-      <p:sp>
-        <p:nvSpPr>
-          <p:cNvPr id="39" name="ZoneTexte 38"/>
-          <p:cNvSpPr txBox="1"/>
-          <p:nvPr/>
-        </p:nvSpPr>
-        <p:spPr>
-          <a:xfrm>
-            <a:off x="6199554" y="3441439"/>
-            <a:ext cx="2625638" cy="923330"/>
-          </a:xfrm>
-          <a:prstGeom prst="rect">
-            <a:avLst/>
-          </a:prstGeom>
-          <a:noFill/>
-        </p:spPr>
-        <p:txBody>
-          <a:bodyPr wrap="none" rtlCol="0">
-            <a:spAutoFit/>
-          </a:bodyPr>
-          <a:lstStyle/>
-          <a:p>
-            <a:r>
-              <a:rPr lang="fr-FR" i="1" u="sng" dirty="0" smtClean="0"/>
-              <a:t>Solvant d’extraction : </a:t>
-            </a:r>
-          </a:p>
-          <a:p>
-            <a:r>
-              <a:rPr lang="fr-FR" dirty="0" smtClean="0"/>
-              <a:t>20 </a:t>
-            </a:r>
-            <a:r>
-              <a:rPr lang="fr-FR" dirty="0" err="1" smtClean="0"/>
-              <a:t>mL</a:t>
-            </a:r>
-            <a:r>
-              <a:rPr lang="fr-FR" dirty="0" smtClean="0"/>
-              <a:t> d’eau contenant</a:t>
-            </a:r>
-          </a:p>
-          <a:p>
-            <a:r>
-              <a:rPr lang="fr-FR" dirty="0" smtClean="0"/>
-              <a:t>1g d’hydrogénocarbonate </a:t>
-            </a:r>
-            <a:endParaRPr lang="fr-FR" dirty="0"/>
-          </a:p>
-        </p:txBody>
-      </p:sp>
-      <p:sp>
-        <p:nvSpPr>
-          <p:cNvPr id="40" name="Virage 39"/>
-          <p:cNvSpPr/>
-          <p:nvPr/>
-        </p:nvSpPr>
-        <p:spPr>
-          <a:xfrm flipH="1">
-            <a:off x="4041999" y="1092520"/>
-            <a:ext cx="2910791" cy="521126"/>
-          </a:xfrm>
-          <a:prstGeom prst="bentArrow">
-            <a:avLst/>
-          </a:prstGeom>
-          <a:solidFill>
-            <a:schemeClr val="accent1"/>
-          </a:solidFill>
-          <a:ln>
-            <a:noFill/>
-          </a:ln>
-        </p:spPr>
-        <p:style>
-          <a:lnRef idx="2">
-            <a:schemeClr val="accent1">
-              <a:shade val="50000"/>
-            </a:schemeClr>
-          </a:lnRef>
-          <a:fillRef idx="1">
-            <a:schemeClr val="accent1"/>
-          </a:fillRef>
-          <a:effectRef idx="0">
-            <a:schemeClr val="accent1"/>
-          </a:effectRef>
-          <a:fontRef idx="minor">
-            <a:schemeClr val="lt1"/>
-          </a:fontRef>
-        </p:style>
-        <p:txBody>
-          <a:bodyPr rtlCol="0" anchor="ctr"/>
-          <a:lstStyle/>
-          <a:p>
-            <a:pPr algn="ctr"/>
-            <a:endParaRPr lang="fr-FR">
-              <a:solidFill>
-                <a:schemeClr val="tx1"/>
-              </a:solidFill>
-            </a:endParaRPr>
-          </a:p>
-        </p:txBody>
-      </p:sp>
-      <p:sp>
-        <p:nvSpPr>
-          <p:cNvPr id="41" name="ZoneTexte 40"/>
-          <p:cNvSpPr txBox="1"/>
-          <p:nvPr/>
-        </p:nvSpPr>
-        <p:spPr>
-          <a:xfrm>
-            <a:off x="1829824" y="914986"/>
-            <a:ext cx="1113744" cy="369332"/>
-          </a:xfrm>
-          <a:prstGeom prst="rect">
-            <a:avLst/>
-          </a:prstGeom>
-          <a:noFill/>
-        </p:spPr>
-        <p:txBody>
-          <a:bodyPr wrap="none" rtlCol="0">
-            <a:spAutoFit/>
-          </a:bodyPr>
-          <a:lstStyle/>
-          <a:p>
-            <a:r>
-              <a:rPr lang="fr-FR" b="1" dirty="0" smtClean="0">
-                <a:solidFill>
-                  <a:srgbClr val="CA7362"/>
-                </a:solidFill>
-              </a:rPr>
-              <a:t>1</a:t>
-            </a:r>
-            <a:r>
-              <a:rPr lang="fr-FR" b="1" baseline="30000" dirty="0" smtClean="0">
-                <a:solidFill>
-                  <a:srgbClr val="CA7362"/>
-                </a:solidFill>
-              </a:rPr>
-              <a:t>ère</a:t>
-            </a:r>
-            <a:r>
-              <a:rPr lang="fr-FR" b="1" dirty="0" smtClean="0">
-                <a:solidFill>
-                  <a:srgbClr val="CA7362"/>
-                </a:solidFill>
-              </a:rPr>
-              <a:t> étape</a:t>
-            </a:r>
-            <a:endParaRPr lang="fr-FR" b="1" dirty="0">
-              <a:solidFill>
-                <a:srgbClr val="CA7362"/>
-              </a:solidFill>
-            </a:endParaRPr>
-          </a:p>
-        </p:txBody>
-      </p:sp>
-      <p:sp>
-        <p:nvSpPr>
-          <p:cNvPr id="42" name="ZoneTexte 41"/>
-          <p:cNvSpPr txBox="1"/>
-          <p:nvPr/>
-        </p:nvSpPr>
-        <p:spPr>
-          <a:xfrm>
-            <a:off x="5571405" y="614543"/>
-            <a:ext cx="1223412" cy="369332"/>
-          </a:xfrm>
-          <a:prstGeom prst="rect">
-            <a:avLst/>
-          </a:prstGeom>
-          <a:noFill/>
-        </p:spPr>
-        <p:txBody>
-          <a:bodyPr wrap="none" rtlCol="0">
-            <a:spAutoFit/>
-          </a:bodyPr>
-          <a:lstStyle/>
-          <a:p>
-            <a:r>
-              <a:rPr lang="fr-FR" b="1" dirty="0" smtClean="0">
-                <a:solidFill>
-                  <a:srgbClr val="CA7362"/>
-                </a:solidFill>
-              </a:rPr>
-              <a:t>2</a:t>
-            </a:r>
-            <a:r>
-              <a:rPr lang="fr-FR" b="1" baseline="30000" dirty="0" smtClean="0">
-                <a:solidFill>
-                  <a:srgbClr val="CA7362"/>
-                </a:solidFill>
-              </a:rPr>
-              <a:t>ième</a:t>
-            </a:r>
-            <a:r>
-              <a:rPr lang="fr-FR" b="1" dirty="0" smtClean="0">
-                <a:solidFill>
-                  <a:srgbClr val="CA7362"/>
-                </a:solidFill>
-              </a:rPr>
-              <a:t> étape</a:t>
-            </a:r>
-            <a:endParaRPr lang="fr-FR" b="1" dirty="0">
-              <a:solidFill>
-                <a:srgbClr val="CA7362"/>
-              </a:solidFill>
-            </a:endParaRPr>
-          </a:p>
-        </p:txBody>
-      </p:sp>
+      <p:graphicFrame>
+        <p:nvGraphicFramePr>
+          <p:cNvPr id="9" name="Tableau 8"/>
+          <p:cNvGraphicFramePr>
+            <a:graphicFrameLocks noGrp="1"/>
+          </p:cNvGraphicFramePr>
+          <p:nvPr>
+            <p:extLst>
+              <p:ext uri="{D42A27DB-BD31-4B8C-83A1-F6EECF244321}">
+                <p14:modId xmlns:p14="http://schemas.microsoft.com/office/powerpoint/2010/main" val="514677046"/>
+              </p:ext>
+            </p:extLst>
+          </p:nvPr>
+        </p:nvGraphicFramePr>
+        <p:xfrm>
+          <a:off x="918654" y="1395090"/>
+          <a:ext cx="6891508" cy="2118048"/>
+        </p:xfrm>
+        <a:graphic>
+          <a:graphicData uri="http://schemas.openxmlformats.org/drawingml/2006/table">
+            <a:tbl>
+              <a:tblPr firstRow="1" bandRow="1">
+                <a:tableStyleId>{5C22544A-7EE6-4342-B048-85BDC9FD1C3A}</a:tableStyleId>
+              </a:tblPr>
+              <a:tblGrid>
+                <a:gridCol w="1722877"/>
+                <a:gridCol w="1722877"/>
+                <a:gridCol w="1722877"/>
+                <a:gridCol w="1722877"/>
+              </a:tblGrid>
+              <a:tr h="841304">
+                <a:tc>
+                  <a:txBody>
+                    <a:bodyPr/>
+                    <a:lstStyle/>
+                    <a:p>
+                      <a:pPr algn="ctr"/>
+                      <a:r>
+                        <a:rPr lang="fr-FR" sz="2000" dirty="0" smtClean="0"/>
+                        <a:t>Solubilité</a:t>
+                      </a:r>
+                      <a:endParaRPr lang="fr-FR" sz="2000" dirty="0"/>
+                    </a:p>
+                  </a:txBody>
+                  <a:tcPr/>
+                </a:tc>
+                <a:tc>
+                  <a:txBody>
+                    <a:bodyPr/>
+                    <a:lstStyle/>
+                    <a:p>
+                      <a:pPr algn="ctr"/>
+                      <a:r>
+                        <a:rPr lang="fr-FR" sz="2000" dirty="0" smtClean="0"/>
+                        <a:t>Benzaldéhyde</a:t>
+                      </a:r>
+                      <a:endParaRPr lang="fr-FR" sz="2000" dirty="0"/>
+                    </a:p>
+                  </a:txBody>
+                  <a:tcPr/>
+                </a:tc>
+                <a:tc>
+                  <a:txBody>
+                    <a:bodyPr/>
+                    <a:lstStyle/>
+                    <a:p>
+                      <a:pPr algn="ctr"/>
+                      <a:r>
+                        <a:rPr lang="fr-FR" sz="2000" dirty="0" smtClean="0"/>
+                        <a:t>Acide benzo</a:t>
+                      </a:r>
+                      <a:r>
+                        <a:rPr lang="fr-FR" sz="2000" dirty="0" smtClean="0"/>
+                        <a:t>ïque</a:t>
+                      </a:r>
+                      <a:endParaRPr lang="fr-FR" sz="2000" dirty="0"/>
+                    </a:p>
+                  </a:txBody>
+                  <a:tcPr/>
+                </a:tc>
+                <a:tc>
+                  <a:txBody>
+                    <a:bodyPr/>
+                    <a:lstStyle/>
+                    <a:p>
+                      <a:pPr algn="ctr"/>
+                      <a:r>
+                        <a:rPr lang="fr-FR" sz="2000" dirty="0" smtClean="0"/>
+                        <a:t>Ion benzoate</a:t>
+                      </a:r>
+                      <a:endParaRPr lang="fr-FR" sz="2000" dirty="0"/>
+                    </a:p>
+                  </a:txBody>
+                  <a:tcPr/>
+                </a:tc>
+              </a:tr>
+              <a:tr h="638372">
+                <a:tc>
+                  <a:txBody>
+                    <a:bodyPr/>
+                    <a:lstStyle/>
+                    <a:p>
+                      <a:pPr algn="ctr"/>
+                      <a:r>
+                        <a:rPr lang="fr-FR" sz="2000" b="1" dirty="0" smtClean="0"/>
+                        <a:t>Dans l’éther</a:t>
+                      </a:r>
+                      <a:endParaRPr lang="fr-FR" sz="2000" b="1" dirty="0"/>
+                    </a:p>
+                  </a:txBody>
+                  <a:tcPr/>
+                </a:tc>
+                <a:tc>
+                  <a:txBody>
+                    <a:bodyPr/>
+                    <a:lstStyle/>
+                    <a:p>
+                      <a:pPr algn="ctr"/>
+                      <a:r>
+                        <a:rPr lang="fr-FR" sz="2000" dirty="0" smtClean="0"/>
+                        <a:t>soluble</a:t>
+                      </a:r>
+                      <a:endParaRPr lang="fr-FR" sz="2000" dirty="0"/>
+                    </a:p>
+                  </a:txBody>
+                  <a:tcPr/>
+                </a:tc>
+                <a:tc>
+                  <a:txBody>
+                    <a:bodyPr/>
+                    <a:lstStyle/>
+                    <a:p>
+                      <a:pPr algn="ctr"/>
+                      <a:r>
+                        <a:rPr lang="fr-FR" sz="2000" dirty="0" smtClean="0"/>
+                        <a:t>très soluble</a:t>
+                      </a:r>
+                      <a:endParaRPr lang="fr-FR" sz="2000" dirty="0"/>
+                    </a:p>
+                  </a:txBody>
+                  <a:tcPr/>
+                </a:tc>
+                <a:tc>
+                  <a:txBody>
+                    <a:bodyPr/>
+                    <a:lstStyle/>
+                    <a:p>
+                      <a:pPr algn="ctr"/>
+                      <a:r>
+                        <a:rPr lang="fr-FR" sz="2000" dirty="0" smtClean="0"/>
+                        <a:t>insoluble</a:t>
+                      </a:r>
+                      <a:endParaRPr lang="fr-FR" sz="2000" dirty="0"/>
+                    </a:p>
+                  </a:txBody>
+                  <a:tcPr/>
+                </a:tc>
+              </a:tr>
+              <a:tr h="638372">
+                <a:tc>
+                  <a:txBody>
+                    <a:bodyPr/>
+                    <a:lstStyle/>
+                    <a:p>
+                      <a:pPr algn="ctr"/>
+                      <a:r>
+                        <a:rPr lang="fr-FR" sz="2000" b="1" dirty="0" smtClean="0"/>
+                        <a:t>Dans l’eau</a:t>
+                      </a:r>
+                      <a:endParaRPr lang="fr-FR" sz="2000" b="1" dirty="0"/>
+                    </a:p>
+                  </a:txBody>
+                  <a:tcPr/>
+                </a:tc>
+                <a:tc>
+                  <a:txBody>
+                    <a:bodyPr/>
+                    <a:lstStyle/>
+                    <a:p>
+                      <a:pPr algn="ctr"/>
+                      <a:r>
+                        <a:rPr lang="fr-FR" sz="2000" dirty="0" smtClean="0"/>
+                        <a:t>insoluble</a:t>
+                      </a:r>
+                      <a:endParaRPr lang="fr-FR" sz="2000" dirty="0"/>
+                    </a:p>
+                  </a:txBody>
+                  <a:tcPr/>
+                </a:tc>
+                <a:tc>
+                  <a:txBody>
+                    <a:bodyPr/>
+                    <a:lstStyle/>
+                    <a:p>
+                      <a:pPr algn="ctr"/>
+                      <a:r>
+                        <a:rPr lang="fr-FR" sz="2000" dirty="0" smtClean="0"/>
+                        <a:t>peu soluble</a:t>
+                      </a:r>
+                      <a:endParaRPr lang="fr-FR" sz="2000" dirty="0"/>
+                    </a:p>
+                  </a:txBody>
+                  <a:tcPr/>
+                </a:tc>
+                <a:tc>
+                  <a:txBody>
+                    <a:bodyPr/>
+                    <a:lstStyle/>
+                    <a:p>
+                      <a:pPr algn="ctr"/>
+                      <a:r>
+                        <a:rPr lang="fr-FR" sz="2000" dirty="0" smtClean="0"/>
+                        <a:t>Très soluble</a:t>
+                      </a:r>
+                      <a:endParaRPr lang="fr-FR" sz="2000" dirty="0"/>
+                    </a:p>
+                  </a:txBody>
+                  <a:tcPr/>
+                </a:tc>
+              </a:tr>
+            </a:tbl>
+          </a:graphicData>
+        </a:graphic>
+      </p:graphicFrame>
     </p:spTree>
     <p:extLst>
       <p:ext uri="{BB962C8B-B14F-4D97-AF65-F5344CB8AC3E}">
-        <p14:creationId xmlns:p14="http://schemas.microsoft.com/office/powerpoint/2010/main" val="1054205973"/>
+        <p14:creationId xmlns:p14="http://schemas.microsoft.com/office/powerpoint/2010/main" val="1864291481"/>
       </p:ext>
     </p:extLst>
   </p:cSld>
@@ -8706,31 +10801,7 @@
       </p:grpSpPr>
       <p:sp>
         <p:nvSpPr>
-          <p:cNvPr id="2" name="Espace réservé du numéro de diapositive 1"/>
-          <p:cNvSpPr>
-            <a:spLocks noGrp="1"/>
-          </p:cNvSpPr>
-          <p:nvPr>
-            <p:ph type="sldNum" sz="quarter" idx="12"/>
-          </p:nvPr>
-        </p:nvSpPr>
-        <p:spPr/>
-        <p:txBody>
-          <a:bodyPr/>
-          <a:lstStyle/>
-          <a:p>
-            <a:fld id="{4FAB73BC-B049-4115-A692-8D63A059BFB8}" type="slidenum">
-              <a:rPr lang="en-US" smtClean="0"/>
-              <a:pPr/>
-              <a:t>5</a:t>
-            </a:fld>
-            <a:endParaRPr lang="en-US" dirty="0"/>
-          </a:p>
-        </p:txBody>
-      </p:sp>
-      <p:sp>
-        <p:nvSpPr>
-          <p:cNvPr id="3" name="Titre 2"/>
+          <p:cNvPr id="4" name="Titre 3"/>
           <p:cNvSpPr>
             <a:spLocks noGrp="1"/>
           </p:cNvSpPr>
@@ -8738,14 +10809,19 @@
             <p:ph type="title"/>
           </p:nvPr>
         </p:nvSpPr>
-        <p:spPr/>
+        <p:spPr>
+          <a:xfrm>
+            <a:off x="675048" y="177535"/>
+            <a:ext cx="7543800" cy="511120"/>
+          </a:xfrm>
+        </p:spPr>
         <p:txBody>
           <a:bodyPr/>
           <a:lstStyle/>
           <a:p>
             <a:r>
               <a:rPr lang="fr-FR" dirty="0" smtClean="0"/>
-              <a:t>Traitement de la phase organique</a:t>
+              <a:t>Extraction liquide-liquide  </a:t>
             </a:r>
             <a:endParaRPr lang="fr-FR" dirty="0"/>
           </a:p>
@@ -8753,22 +10829,96 @@
       </p:sp>
       <p:pic>
         <p:nvPicPr>
-          <p:cNvPr id="4" name="Image 3"/>
+          <p:cNvPr id="5" name="Espace réservé du contenu 16">
+            <a:extLst>
+              <a:ext uri="{FF2B5EF4-FFF2-40B4-BE49-F238E27FC236}">
+                <a16:creationId xmlns="" xmlns:a16="http://schemas.microsoft.com/office/drawing/2014/main" id="{C437F124-4600-4F4F-8AD0-2752F5A537CA}"/>
+              </a:ext>
+            </a:extLst>
+          </p:cNvPr>
           <p:cNvPicPr>
             <a:picLocks noChangeAspect="1"/>
           </p:cNvPicPr>
           <p:nvPr/>
         </p:nvPicPr>
         <p:blipFill>
-          <a:blip r:embed="rId2"/>
+          <a:blip r:embed="rId2">
+            <a:extLst>
+              <a:ext uri="{28A0092B-C50C-407E-A947-70E740481C1C}">
+                <a14:useLocalDpi xmlns:a14="http://schemas.microsoft.com/office/drawing/2010/main" val="0"/>
+              </a:ext>
+            </a:extLst>
+          </a:blip>
           <a:stretch>
             <a:fillRect/>
           </a:stretch>
         </p:blipFill>
         <p:spPr>
           <a:xfrm>
-            <a:off x="923192" y="1739116"/>
-            <a:ext cx="1104900" cy="1612900"/>
+            <a:off x="3263177" y="1242492"/>
+            <a:ext cx="2688516" cy="3287352"/>
+          </a:xfrm>
+          <a:prstGeom prst="rect">
+            <a:avLst/>
+          </a:prstGeom>
+        </p:spPr>
+      </p:pic>
+      <p:sp>
+        <p:nvSpPr>
+          <p:cNvPr id="8" name="ZoneTexte 7"/>
+          <p:cNvSpPr txBox="1"/>
+          <p:nvPr/>
+        </p:nvSpPr>
+        <p:spPr>
+          <a:xfrm>
+            <a:off x="2264687" y="4375849"/>
+            <a:ext cx="3715455" cy="646331"/>
+          </a:xfrm>
+          <a:prstGeom prst="rect">
+            <a:avLst/>
+          </a:prstGeom>
+          <a:noFill/>
+        </p:spPr>
+        <p:txBody>
+          <a:bodyPr wrap="none" rtlCol="0">
+            <a:spAutoFit/>
+          </a:bodyPr>
+          <a:lstStyle/>
+          <a:p>
+            <a:pPr algn="ctr"/>
+            <a:r>
+              <a:rPr lang="fr-FR" i="1" u="sng" dirty="0" smtClean="0"/>
+              <a:t>Montage de décantation : </a:t>
+            </a:r>
+          </a:p>
+          <a:p>
+            <a:pPr algn="ctr"/>
+            <a:r>
+              <a:rPr lang="fr-FR" i="1" u="sng" dirty="0" smtClean="0"/>
+              <a:t>utilisation d’une ampoule à décanter</a:t>
+            </a:r>
+            <a:endParaRPr lang="fr-FR" i="1" u="sng" dirty="0"/>
+          </a:p>
+        </p:txBody>
+      </p:sp>
+      <p:pic>
+        <p:nvPicPr>
+          <p:cNvPr id="9" name="Image 8"/>
+          <p:cNvPicPr>
+            <a:picLocks noChangeAspect="1"/>
+          </p:cNvPicPr>
+          <p:nvPr/>
+        </p:nvPicPr>
+        <p:blipFill>
+          <a:blip r:embed="rId3"/>
+          <a:stretch>
+            <a:fillRect/>
+          </a:stretch>
+        </p:blipFill>
+        <p:spPr>
+          <a:xfrm>
+            <a:off x="587387" y="1103228"/>
+            <a:ext cx="2162206" cy="2162206"/>
           </a:xfrm>
           <a:prstGeom prst="rect">
             <a:avLst/>
@@ -8777,23 +10927,18 @@
       </p:pic>
       <p:cxnSp>
         <p:nvCxnSpPr>
-          <p:cNvPr id="6" name="Connecteur droit 5"/>
+          <p:cNvPr id="14" name="Connecteur droit 13"/>
           <p:cNvCxnSpPr/>
           <p:nvPr/>
         </p:nvCxnSpPr>
         <p:spPr>
           <a:xfrm>
-            <a:off x="1060554" y="2919477"/>
-            <a:ext cx="851061" cy="13092"/>
+            <a:off x="985307" y="2132757"/>
+            <a:ext cx="889191" cy="2849"/>
           </a:xfrm>
           <a:prstGeom prst="line">
             <a:avLst/>
           </a:prstGeom>
-          <a:ln>
-            <a:solidFill>
-              <a:srgbClr val="000000"/>
-            </a:solidFill>
-          </a:ln>
         </p:spPr>
         <p:style>
           <a:lnRef idx="2">
@@ -8810,24 +10955,93 @@
           </a:fontRef>
         </p:style>
       </p:cxnSp>
+      <p:sp>
+        <p:nvSpPr>
+          <p:cNvPr id="18" name="ZoneTexte 17"/>
+          <p:cNvSpPr txBox="1"/>
+          <p:nvPr/>
+        </p:nvSpPr>
+        <p:spPr>
+          <a:xfrm>
+            <a:off x="552125" y="3155110"/>
+            <a:ext cx="1922346" cy="369332"/>
+          </a:xfrm>
+          <a:prstGeom prst="rect">
+            <a:avLst/>
+          </a:prstGeom>
+          <a:noFill/>
+        </p:spPr>
+        <p:txBody>
+          <a:bodyPr wrap="none" rtlCol="0">
+            <a:spAutoFit/>
+          </a:bodyPr>
+          <a:lstStyle/>
+          <a:p>
+            <a:r>
+              <a:rPr lang="fr-FR" i="1" u="sng" dirty="0" smtClean="0"/>
+              <a:t>Mélange d’intérêt</a:t>
+            </a:r>
+            <a:endParaRPr lang="fr-FR" i="1" u="sng" dirty="0"/>
+          </a:p>
+        </p:txBody>
+      </p:sp>
+      <p:sp>
+        <p:nvSpPr>
+          <p:cNvPr id="2" name="ZoneTexte 1"/>
+          <p:cNvSpPr txBox="1"/>
+          <p:nvPr/>
+        </p:nvSpPr>
+        <p:spPr>
+          <a:xfrm>
+            <a:off x="0" y="723780"/>
+            <a:ext cx="1714832" cy="923330"/>
+          </a:xfrm>
+          <a:prstGeom prst="rect">
+            <a:avLst/>
+          </a:prstGeom>
+          <a:noFill/>
+        </p:spPr>
+        <p:txBody>
+          <a:bodyPr wrap="none" rtlCol="0">
+            <a:spAutoFit/>
+          </a:bodyPr>
+          <a:lstStyle/>
+          <a:p>
+            <a:r>
+              <a:rPr lang="fr-FR" dirty="0" smtClean="0"/>
+              <a:t>Benzaldéhyde +</a:t>
+            </a:r>
+          </a:p>
+          <a:p>
+            <a:r>
+              <a:rPr lang="fr-FR" dirty="0" smtClean="0"/>
+              <a:t>acide benzoïque </a:t>
+            </a:r>
+          </a:p>
+          <a:p>
+            <a:r>
+              <a:rPr lang="fr-FR" dirty="0" smtClean="0"/>
+              <a:t>dans de l’éther</a:t>
+            </a:r>
+            <a:endParaRPr lang="fr-FR" dirty="0"/>
+          </a:p>
+        </p:txBody>
+      </p:sp>
       <p:cxnSp>
         <p:nvCxnSpPr>
-          <p:cNvPr id="8" name="Connecteur droit avec flèche 7"/>
+          <p:cNvPr id="19" name="Connecteur droit avec flèche 18"/>
           <p:cNvCxnSpPr/>
           <p:nvPr/>
         </p:nvCxnSpPr>
         <p:spPr>
-          <a:xfrm flipH="1">
-            <a:off x="1811616" y="3076580"/>
-            <a:ext cx="697544" cy="0"/>
+          <a:xfrm>
+            <a:off x="792013" y="2430857"/>
+            <a:ext cx="764703" cy="13656"/>
           </a:xfrm>
           <a:prstGeom prst="straightConnector1">
             <a:avLst/>
           </a:prstGeom>
           <a:ln>
-            <a:solidFill>
-              <a:srgbClr val="000000"/>
-            </a:solidFill>
             <a:tailEnd type="arrow"/>
           </a:ln>
         </p:spPr>
@@ -8846,16 +11060,120 @@
           </a:fontRef>
         </p:style>
       </p:cxnSp>
-      <p:sp>
-        <p:nvSpPr>
-          <p:cNvPr id="9" name="ZoneTexte 8"/>
+      <p:pic>
+        <p:nvPicPr>
+          <p:cNvPr id="33" name="Image 32"/>
+          <p:cNvPicPr>
+            <a:picLocks noChangeAspect="1"/>
+          </p:cNvPicPr>
+          <p:nvPr/>
+        </p:nvPicPr>
+        <p:blipFill>
+          <a:blip r:embed="rId4"/>
+          <a:stretch>
+            <a:fillRect/>
+          </a:stretch>
+        </p:blipFill>
+        <p:spPr>
+          <a:xfrm>
+            <a:off x="6098666" y="1661526"/>
+            <a:ext cx="677836" cy="1348960"/>
+          </a:xfrm>
+          <a:prstGeom prst="rect">
+            <a:avLst/>
+          </a:prstGeom>
+        </p:spPr>
+      </p:pic>
+      <p:cxnSp>
+        <p:nvCxnSpPr>
+          <p:cNvPr id="37" name="Connecteur droit 36"/>
+          <p:cNvCxnSpPr/>
+          <p:nvPr/>
+        </p:nvCxnSpPr>
+        <p:spPr>
+          <a:xfrm flipH="1" flipV="1">
+            <a:off x="559872" y="1652437"/>
+            <a:ext cx="218486" cy="764764"/>
+          </a:xfrm>
+          <a:prstGeom prst="line">
+            <a:avLst/>
+          </a:prstGeom>
+        </p:spPr>
+        <p:style>
+          <a:lnRef idx="2">
+            <a:schemeClr val="accent1"/>
+          </a:lnRef>
+          <a:fillRef idx="0">
+            <a:schemeClr val="accent1"/>
+          </a:fillRef>
+          <a:effectRef idx="1">
+            <a:schemeClr val="accent1"/>
+          </a:effectRef>
+          <a:fontRef idx="minor">
+            <a:schemeClr val="tx1"/>
+          </a:fontRef>
+        </p:style>
+      </p:cxnSp>
+      <p:sp>
+        <p:nvSpPr>
+          <p:cNvPr id="38" name="Virage 37"/>
+          <p:cNvSpPr/>
+          <p:nvPr/>
+        </p:nvSpPr>
+        <p:spPr>
+          <a:xfrm>
+            <a:off x="1652304" y="1229085"/>
+            <a:ext cx="1747892" cy="628199"/>
+          </a:xfrm>
+          <a:prstGeom prst="bentArrow">
+            <a:avLst/>
+          </a:prstGeom>
+          <a:solidFill>
+            <a:schemeClr val="accent1"/>
+          </a:solidFill>
+          <a:ln>
+            <a:noFill/>
+          </a:ln>
+        </p:spPr>
+        <p:style>
+          <a:lnRef idx="2">
+            <a:schemeClr val="accent1">
+              <a:shade val="50000"/>
+            </a:schemeClr>
+          </a:lnRef>
+          <a:fillRef idx="1">
+            <a:schemeClr val="accent1"/>
+          </a:fillRef>
+          <a:effectRef idx="0">
+            <a:schemeClr val="accent1"/>
+          </a:effectRef>
+          <a:fontRef idx="minor">
+            <a:schemeClr val="lt1"/>
+          </a:fontRef>
+        </p:style>
+        <p:txBody>
+          <a:bodyPr rtlCol="0" anchor="ctr"/>
+          <a:lstStyle/>
+          <a:p>
+            <a:pPr algn="ctr"/>
+            <a:endParaRPr lang="fr-FR">
+              <a:solidFill>
+                <a:schemeClr val="tx1"/>
+              </a:solidFill>
+            </a:endParaRPr>
+          </a:p>
+        </p:txBody>
+      </p:sp>
+      <p:sp>
+        <p:nvSpPr>
+          <p:cNvPr id="39" name="ZoneTexte 38"/>
           <p:cNvSpPr txBox="1"/>
           <p:nvPr/>
         </p:nvSpPr>
         <p:spPr>
           <a:xfrm>
-            <a:off x="2657930" y="2631457"/>
-            <a:ext cx="2608406" cy="1754327"/>
+            <a:off x="6709944" y="1886638"/>
+            <a:ext cx="2625638" cy="923330"/>
           </a:xfrm>
           <a:prstGeom prst="rect">
             <a:avLst/>
@@ -8868,82 +11186,94 @@
           </a:bodyPr>
           <a:lstStyle/>
           <a:p>
-            <a:pPr marL="285750" indent="-285750">
-              <a:buFont typeface="Arial"/>
-              <a:buChar char="•"/>
-            </a:pPr>
+            <a:r>
+              <a:rPr lang="fr-FR" i="1" u="sng" dirty="0" smtClean="0"/>
+              <a:t>Solvant d’extraction : </a:t>
+            </a:r>
+          </a:p>
+          <a:p>
             <a:r>
               <a:rPr lang="fr-FR" dirty="0" smtClean="0"/>
-              <a:t>Benzaldéhyde</a:t>
-            </a:r>
-          </a:p>
-          <a:p>
-            <a:pPr marL="285750" indent="-285750">
-              <a:buFont typeface="Arial"/>
-              <a:buChar char="•"/>
-            </a:pPr>
-            <a:r>
-              <a:rPr lang="fr-FR" dirty="0" smtClean="0">
-                <a:solidFill>
-                  <a:srgbClr val="0000FF"/>
-                </a:solidFill>
-              </a:rPr>
-              <a:t>Traces d’eau</a:t>
-            </a:r>
-          </a:p>
-          <a:p>
-            <a:pPr marL="285750" indent="-285750">
-              <a:buFont typeface="Arial"/>
-              <a:buChar char="•"/>
-            </a:pPr>
-            <a:r>
-              <a:rPr lang="fr-FR" dirty="0" smtClean="0">
-                <a:solidFill>
-                  <a:srgbClr val="FF0000"/>
-                </a:solidFill>
-              </a:rPr>
-              <a:t>Traces d’ions benzoate </a:t>
-            </a:r>
-          </a:p>
-          <a:p>
-            <a:r>
-              <a:rPr lang="fr-FR" dirty="0" smtClean="0">
-                <a:solidFill>
-                  <a:srgbClr val="FF0000"/>
-                </a:solidFill>
-              </a:rPr>
-              <a:t>et l’hydrogénocarbonate</a:t>
-            </a:r>
-          </a:p>
-          <a:p>
-            <a:pPr marL="285750" indent="-285750">
-              <a:buFont typeface="Arial"/>
-              <a:buChar char="•"/>
-            </a:pPr>
-            <a:r>
-              <a:rPr lang="fr-FR" dirty="0" smtClean="0">
-                <a:solidFill>
-                  <a:srgbClr val="800000"/>
-                </a:solidFill>
-              </a:rPr>
-              <a:t>Solvant : Ether</a:t>
-            </a:r>
-          </a:p>
-          <a:p>
+              <a:t>20 </a:t>
+            </a:r>
+            <a:r>
+              <a:rPr lang="fr-FR" dirty="0" err="1" smtClean="0"/>
+              <a:t>mL</a:t>
+            </a:r>
+            <a:r>
+              <a:rPr lang="fr-FR" dirty="0" smtClean="0"/>
+              <a:t> d’eau contenant</a:t>
+            </a:r>
+          </a:p>
+          <a:p>
+            <a:r>
+              <a:rPr lang="fr-FR" dirty="0" smtClean="0"/>
+              <a:t>1g d’hydrogénocarbonate </a:t>
+            </a:r>
             <a:endParaRPr lang="fr-FR" dirty="0"/>
           </a:p>
         </p:txBody>
       </p:sp>
       <p:sp>
         <p:nvSpPr>
-          <p:cNvPr id="10" name="ZoneTexte 9"/>
+          <p:cNvPr id="40" name="Virage 39"/>
+          <p:cNvSpPr/>
+          <p:nvPr/>
+        </p:nvSpPr>
+        <p:spPr>
+          <a:xfrm flipH="1">
+            <a:off x="4041999" y="1092520"/>
+            <a:ext cx="2910791" cy="521126"/>
+          </a:xfrm>
+          <a:prstGeom prst="bentArrow">
+            <a:avLst/>
+          </a:prstGeom>
+          <a:solidFill>
+            <a:schemeClr val="accent1"/>
+          </a:solidFill>
+          <a:ln>
+            <a:noFill/>
+          </a:ln>
+        </p:spPr>
+        <p:style>
+          <a:lnRef idx="2">
+            <a:schemeClr val="accent1">
+              <a:shade val="50000"/>
+            </a:schemeClr>
+          </a:lnRef>
+          <a:fillRef idx="1">
+            <a:schemeClr val="accent1"/>
+          </a:fillRef>
+          <a:effectRef idx="0">
+            <a:schemeClr val="accent1"/>
+          </a:effectRef>
+          <a:fontRef idx="minor">
+            <a:schemeClr val="lt1"/>
+          </a:fontRef>
+        </p:style>
+        <p:txBody>
+          <a:bodyPr rtlCol="0" anchor="ctr"/>
+          <a:lstStyle/>
+          <a:p>
+            <a:pPr algn="ctr"/>
+            <a:endParaRPr lang="fr-FR">
+              <a:solidFill>
+                <a:schemeClr val="tx1"/>
+              </a:solidFill>
+            </a:endParaRPr>
+          </a:p>
+        </p:txBody>
+      </p:sp>
+      <p:sp>
+        <p:nvSpPr>
+          <p:cNvPr id="41" name="ZoneTexte 40"/>
           <p:cNvSpPr txBox="1"/>
           <p:nvPr/>
         </p:nvSpPr>
         <p:spPr>
           <a:xfrm>
-            <a:off x="4753054" y="1217540"/>
-            <a:ext cx="4390946" cy="1200329"/>
+            <a:off x="1829824" y="914986"/>
+            <a:ext cx="1113744" cy="369332"/>
           </a:xfrm>
           <a:prstGeom prst="rect">
             <a:avLst/>
@@ -8956,55 +11286,87 @@
           </a:bodyPr>
           <a:lstStyle/>
           <a:p>
-            <a:pPr marL="342900" indent="-342900">
-              <a:buFont typeface="+mj-lt"/>
-              <a:buAutoNum type="arabicPeriod"/>
-            </a:pPr>
-            <a:r>
-              <a:rPr lang="fr-FR" dirty="0" smtClean="0">
+            <a:r>
+              <a:rPr lang="fr-FR" b="1" dirty="0" smtClean="0">
                 <a:solidFill>
-                  <a:srgbClr val="FF0000"/>
+                  <a:srgbClr val="CA7362"/>
                 </a:solidFill>
               </a:rPr>
-              <a:t>Lavage à l’eau (ampoule à décanter)</a:t>
-            </a:r>
-          </a:p>
-          <a:p>
-            <a:pPr marL="342900" indent="-342900">
-              <a:buFont typeface="+mj-lt"/>
-              <a:buAutoNum type="arabicPeriod"/>
-            </a:pPr>
-            <a:r>
-              <a:rPr lang="fr-FR" dirty="0" smtClean="0">
+              <a:t>1</a:t>
+            </a:r>
+            <a:r>
+              <a:rPr lang="fr-FR" b="1" baseline="30000" dirty="0" smtClean="0">
                 <a:solidFill>
-                  <a:srgbClr val="0000FF"/>
+                  <a:srgbClr val="CA7362"/>
                 </a:solidFill>
               </a:rPr>
-              <a:t>Séchage </a:t>
-            </a:r>
-          </a:p>
-          <a:p>
-            <a:pPr marL="342900" indent="-342900">
-              <a:buFont typeface="+mj-lt"/>
-              <a:buAutoNum type="arabicPeriod"/>
-            </a:pPr>
-            <a:r>
-              <a:rPr lang="fr-FR" dirty="0" smtClean="0">
+              <a:t>ère</a:t>
+            </a:r>
+            <a:r>
+              <a:rPr lang="fr-FR" b="1" dirty="0" smtClean="0">
                 <a:solidFill>
-                  <a:srgbClr val="800000"/>
+                  <a:srgbClr val="CA7362"/>
                 </a:solidFill>
               </a:rPr>
-              <a:t>Distillation  simple à l’évaporateur rotatif</a:t>
-            </a:r>
-          </a:p>
-          <a:p>
-            <a:pPr marL="342900" indent="-342900">
-              <a:buFont typeface="+mj-lt"/>
-              <a:buAutoNum type="arabicPeriod"/>
-            </a:pPr>
-            <a:endParaRPr lang="fr-FR" dirty="0">
+              <a:t> étape</a:t>
+            </a:r>
+            <a:endParaRPr lang="fr-FR" b="1" dirty="0">
               <a:solidFill>
-                <a:srgbClr val="0000FF"/>
+                <a:srgbClr val="CA7362"/>
+              </a:solidFill>
+            </a:endParaRPr>
+          </a:p>
+        </p:txBody>
+      </p:sp>
+      <p:sp>
+        <p:nvSpPr>
+          <p:cNvPr id="42" name="ZoneTexte 41"/>
+          <p:cNvSpPr txBox="1"/>
+          <p:nvPr/>
+        </p:nvSpPr>
+        <p:spPr>
+          <a:xfrm>
+            <a:off x="5571405" y="614543"/>
+            <a:ext cx="1223412" cy="369332"/>
+          </a:xfrm>
+          <a:prstGeom prst="rect">
+            <a:avLst/>
+          </a:prstGeom>
+          <a:noFill/>
+        </p:spPr>
+        <p:txBody>
+          <a:bodyPr wrap="none" rtlCol="0">
+            <a:spAutoFit/>
+          </a:bodyPr>
+          <a:lstStyle/>
+          <a:p>
+            <a:r>
+              <a:rPr lang="fr-FR" b="1" dirty="0" smtClean="0">
+                <a:solidFill>
+                  <a:srgbClr val="CA7362"/>
+                </a:solidFill>
+              </a:rPr>
+              <a:t>2</a:t>
+            </a:r>
+            <a:r>
+              <a:rPr lang="fr-FR" b="1" baseline="30000" dirty="0" smtClean="0">
+                <a:solidFill>
+                  <a:srgbClr val="CA7362"/>
+                </a:solidFill>
+              </a:rPr>
+              <a:t>ième</a:t>
+            </a:r>
+            <a:r>
+              <a:rPr lang="fr-FR" b="1" dirty="0" smtClean="0">
+                <a:solidFill>
+                  <a:srgbClr val="CA7362"/>
+                </a:solidFill>
+              </a:rPr>
+              <a:t> étape</a:t>
+            </a:r>
+            <a:endParaRPr lang="fr-FR" b="1" dirty="0">
+              <a:solidFill>
+                <a:srgbClr val="CA7362"/>
               </a:solidFill>
             </a:endParaRPr>
           </a:p>
@@ -9013,7 +11375,7 @@
     </p:spTree>
     <p:extLst>
       <p:ext uri="{BB962C8B-B14F-4D97-AF65-F5344CB8AC3E}">
-        <p14:creationId xmlns:p14="http://schemas.microsoft.com/office/powerpoint/2010/main" val="2826857212"/>
+        <p14:creationId xmlns:p14="http://schemas.microsoft.com/office/powerpoint/2010/main" val="1054205973"/>
       </p:ext>
     </p:extLst>
   </p:cSld>
@@ -9042,10 +11404,383 @@
       </p:grpSpPr>
       <p:sp>
         <p:nvSpPr>
+          <p:cNvPr id="2" name="Espace réservé du numéro de diapositive 1"/>
+          <p:cNvSpPr>
+            <a:spLocks noGrp="1"/>
+          </p:cNvSpPr>
+          <p:nvPr>
+            <p:ph type="sldNum" sz="quarter" idx="12"/>
+          </p:nvPr>
+        </p:nvSpPr>
+        <p:spPr/>
+        <p:txBody>
+          <a:bodyPr/>
+          <a:lstStyle/>
+          <a:p>
+            <a:fld id="{4FAB73BC-B049-4115-A692-8D63A059BFB8}" type="slidenum">
+              <a:rPr lang="en-US" smtClean="0"/>
+              <a:pPr/>
+              <a:t>6</a:t>
+            </a:fld>
+            <a:endParaRPr lang="en-US" dirty="0"/>
+          </a:p>
+        </p:txBody>
+      </p:sp>
+      <p:sp>
+        <p:nvSpPr>
+          <p:cNvPr id="3" name="Titre 2"/>
+          <p:cNvSpPr>
+            <a:spLocks noGrp="1"/>
+          </p:cNvSpPr>
+          <p:nvPr>
+            <p:ph type="title"/>
+          </p:nvPr>
+        </p:nvSpPr>
+        <p:spPr/>
+        <p:txBody>
+          <a:bodyPr/>
+          <a:lstStyle/>
+          <a:p>
+            <a:r>
+              <a:rPr lang="fr-FR" dirty="0" smtClean="0"/>
+              <a:t>Traitement de la phase organique</a:t>
+            </a:r>
+            <a:endParaRPr lang="fr-FR" dirty="0"/>
+          </a:p>
+        </p:txBody>
+      </p:sp>
+      <p:pic>
+        <p:nvPicPr>
+          <p:cNvPr id="4" name="Image 3"/>
+          <p:cNvPicPr>
+            <a:picLocks noChangeAspect="1"/>
+          </p:cNvPicPr>
+          <p:nvPr/>
+        </p:nvPicPr>
+        <p:blipFill>
+          <a:blip r:embed="rId2"/>
+          <a:stretch>
+            <a:fillRect/>
+          </a:stretch>
+        </p:blipFill>
+        <p:spPr>
+          <a:xfrm>
+            <a:off x="923192" y="1739116"/>
+            <a:ext cx="1104900" cy="1612900"/>
+          </a:xfrm>
+          <a:prstGeom prst="rect">
+            <a:avLst/>
+          </a:prstGeom>
+        </p:spPr>
+      </p:pic>
+      <p:cxnSp>
+        <p:nvCxnSpPr>
+          <p:cNvPr id="6" name="Connecteur droit 5"/>
+          <p:cNvCxnSpPr/>
+          <p:nvPr/>
+        </p:nvCxnSpPr>
+        <p:spPr>
+          <a:xfrm>
+            <a:off x="1060554" y="2919477"/>
+            <a:ext cx="851061" cy="13092"/>
+          </a:xfrm>
+          <a:prstGeom prst="line">
+            <a:avLst/>
+          </a:prstGeom>
+          <a:ln>
+            <a:solidFill>
+              <a:srgbClr val="000000"/>
+            </a:solidFill>
+          </a:ln>
+        </p:spPr>
+        <p:style>
+          <a:lnRef idx="2">
+            <a:schemeClr val="accent1"/>
+          </a:lnRef>
+          <a:fillRef idx="0">
+            <a:schemeClr val="accent1"/>
+          </a:fillRef>
+          <a:effectRef idx="1">
+            <a:schemeClr val="accent1"/>
+          </a:effectRef>
+          <a:fontRef idx="minor">
+            <a:schemeClr val="tx1"/>
+          </a:fontRef>
+        </p:style>
+      </p:cxnSp>
+      <p:cxnSp>
+        <p:nvCxnSpPr>
+          <p:cNvPr id="8" name="Connecteur droit avec flèche 7"/>
+          <p:cNvCxnSpPr/>
+          <p:nvPr/>
+        </p:nvCxnSpPr>
+        <p:spPr>
+          <a:xfrm flipH="1">
+            <a:off x="1811616" y="3076580"/>
+            <a:ext cx="697544" cy="0"/>
+          </a:xfrm>
+          <a:prstGeom prst="straightConnector1">
+            <a:avLst/>
+          </a:prstGeom>
+          <a:ln>
+            <a:solidFill>
+              <a:srgbClr val="000000"/>
+            </a:solidFill>
+            <a:tailEnd type="arrow"/>
+          </a:ln>
+        </p:spPr>
+        <p:style>
+          <a:lnRef idx="2">
+            <a:schemeClr val="accent1"/>
+          </a:lnRef>
+          <a:fillRef idx="0">
+            <a:schemeClr val="accent1"/>
+          </a:fillRef>
+          <a:effectRef idx="1">
+            <a:schemeClr val="accent1"/>
+          </a:effectRef>
+          <a:fontRef idx="minor">
+            <a:schemeClr val="tx1"/>
+          </a:fontRef>
+        </p:style>
+      </p:cxnSp>
+      <p:sp>
+        <p:nvSpPr>
+          <p:cNvPr id="9" name="ZoneTexte 8"/>
+          <p:cNvSpPr txBox="1"/>
+          <p:nvPr/>
+        </p:nvSpPr>
+        <p:spPr>
+          <a:xfrm>
+            <a:off x="2657930" y="2631457"/>
+            <a:ext cx="2608406" cy="1754327"/>
+          </a:xfrm>
+          <a:prstGeom prst="rect">
+            <a:avLst/>
+          </a:prstGeom>
+          <a:noFill/>
+        </p:spPr>
+        <p:txBody>
+          <a:bodyPr wrap="none" rtlCol="0">
+            <a:spAutoFit/>
+          </a:bodyPr>
+          <a:lstStyle/>
+          <a:p>
+            <a:pPr marL="285750" indent="-285750">
+              <a:buFont typeface="Arial"/>
+              <a:buChar char="•"/>
+            </a:pPr>
+            <a:r>
+              <a:rPr lang="fr-FR" dirty="0" smtClean="0"/>
+              <a:t>Benzaldéhyde</a:t>
+            </a:r>
+          </a:p>
+          <a:p>
+            <a:pPr marL="285750" indent="-285750">
+              <a:buFont typeface="Arial"/>
+              <a:buChar char="•"/>
+            </a:pPr>
+            <a:r>
+              <a:rPr lang="fr-FR" dirty="0" smtClean="0">
+                <a:solidFill>
+                  <a:srgbClr val="0000FF"/>
+                </a:solidFill>
+              </a:rPr>
+              <a:t>Traces d’eau</a:t>
+            </a:r>
+          </a:p>
+          <a:p>
+            <a:pPr marL="285750" indent="-285750">
+              <a:buFont typeface="Arial"/>
+              <a:buChar char="•"/>
+            </a:pPr>
+            <a:r>
+              <a:rPr lang="fr-FR" dirty="0" smtClean="0">
+                <a:solidFill>
+                  <a:srgbClr val="FF0000"/>
+                </a:solidFill>
+              </a:rPr>
+              <a:t>Traces d’ions benzoate </a:t>
+            </a:r>
+          </a:p>
+          <a:p>
+            <a:r>
+              <a:rPr lang="fr-FR" dirty="0" smtClean="0">
+                <a:solidFill>
+                  <a:srgbClr val="FF0000"/>
+                </a:solidFill>
+              </a:rPr>
+              <a:t>et l’hydrogénocarbonate</a:t>
+            </a:r>
+          </a:p>
+          <a:p>
+            <a:pPr marL="285750" indent="-285750">
+              <a:buFont typeface="Arial"/>
+              <a:buChar char="•"/>
+            </a:pPr>
+            <a:r>
+              <a:rPr lang="fr-FR" dirty="0" smtClean="0">
+                <a:solidFill>
+                  <a:srgbClr val="800000"/>
+                </a:solidFill>
+              </a:rPr>
+              <a:t>Solvant : Ether</a:t>
+            </a:r>
+          </a:p>
+          <a:p>
+            <a:endParaRPr lang="fr-FR" dirty="0"/>
+          </a:p>
+        </p:txBody>
+      </p:sp>
+      <p:sp>
+        <p:nvSpPr>
+          <p:cNvPr id="10" name="ZoneTexte 9"/>
+          <p:cNvSpPr txBox="1"/>
+          <p:nvPr/>
+        </p:nvSpPr>
+        <p:spPr>
+          <a:xfrm>
+            <a:off x="4753054" y="1217540"/>
+            <a:ext cx="4390946" cy="1200329"/>
+          </a:xfrm>
+          <a:prstGeom prst="rect">
+            <a:avLst/>
+          </a:prstGeom>
+          <a:noFill/>
+        </p:spPr>
+        <p:txBody>
+          <a:bodyPr wrap="none" rtlCol="0">
+            <a:spAutoFit/>
+          </a:bodyPr>
+          <a:lstStyle/>
+          <a:p>
+            <a:pPr marL="342900" indent="-342900">
+              <a:buFont typeface="+mj-lt"/>
+              <a:buAutoNum type="arabicPeriod"/>
+            </a:pPr>
+            <a:r>
+              <a:rPr lang="fr-FR" dirty="0" smtClean="0">
+                <a:solidFill>
+                  <a:srgbClr val="FF0000"/>
+                </a:solidFill>
+              </a:rPr>
+              <a:t>Lavage à l’eau (ampoule à décanter)</a:t>
+            </a:r>
+          </a:p>
+          <a:p>
+            <a:pPr marL="342900" indent="-342900">
+              <a:buFont typeface="+mj-lt"/>
+              <a:buAutoNum type="arabicPeriod"/>
+            </a:pPr>
+            <a:r>
+              <a:rPr lang="fr-FR" dirty="0" smtClean="0">
+                <a:solidFill>
+                  <a:srgbClr val="0000FF"/>
+                </a:solidFill>
+              </a:rPr>
+              <a:t>Séchage </a:t>
+            </a:r>
+            <a:r>
+              <a:rPr lang="fr-FR" dirty="0" smtClean="0">
+                <a:solidFill>
+                  <a:srgbClr val="0000FF"/>
+                </a:solidFill>
+              </a:rPr>
+              <a:t>(Sulfat</a:t>
+            </a:r>
+            <a:r>
+              <a:rPr lang="fr-FR" dirty="0" smtClean="0">
+                <a:solidFill>
+                  <a:srgbClr val="0000FF"/>
+                </a:solidFill>
+              </a:rPr>
+              <a:t>e de </a:t>
+            </a:r>
+            <a:r>
+              <a:rPr lang="fr-FR" dirty="0">
+                <a:solidFill>
+                  <a:srgbClr val="0000FF"/>
+                </a:solidFill>
+              </a:rPr>
+              <a:t>m</a:t>
+            </a:r>
+            <a:r>
+              <a:rPr lang="fr-FR" dirty="0" smtClean="0">
+                <a:solidFill>
+                  <a:srgbClr val="0000FF"/>
+                </a:solidFill>
+              </a:rPr>
+              <a:t>agnésium anhydre)</a:t>
+            </a:r>
+            <a:endParaRPr lang="fr-FR" dirty="0" smtClean="0">
+              <a:solidFill>
+                <a:srgbClr val="0000FF"/>
+              </a:solidFill>
+            </a:endParaRPr>
+          </a:p>
+          <a:p>
+            <a:pPr marL="342900" indent="-342900">
+              <a:buFont typeface="+mj-lt"/>
+              <a:buAutoNum type="arabicPeriod"/>
+            </a:pPr>
+            <a:r>
+              <a:rPr lang="fr-FR" dirty="0" smtClean="0">
+                <a:solidFill>
+                  <a:srgbClr val="800000"/>
+                </a:solidFill>
+              </a:rPr>
+              <a:t>Distillation  simple à l’évaporateur rotatif</a:t>
+            </a:r>
+          </a:p>
+          <a:p>
+            <a:pPr marL="342900" indent="-342900">
+              <a:buFont typeface="+mj-lt"/>
+              <a:buAutoNum type="arabicPeriod"/>
+            </a:pPr>
+            <a:endParaRPr lang="fr-FR" dirty="0">
+              <a:solidFill>
+                <a:srgbClr val="0000FF"/>
+              </a:solidFill>
+            </a:endParaRPr>
+          </a:p>
+        </p:txBody>
+      </p:sp>
+    </p:spTree>
+    <p:extLst>
+      <p:ext uri="{BB962C8B-B14F-4D97-AF65-F5344CB8AC3E}">
+        <p14:creationId xmlns:p14="http://schemas.microsoft.com/office/powerpoint/2010/main" val="2826857212"/>
+      </p:ext>
+    </p:extLst>
+  </p:cSld>
+  <p:clrMapOvr>
+    <a:masterClrMapping/>
+  </p:clrMapOvr>
+</p:sld>
+</file>
+
+<file path=ppt/slides/slide7.xml><?xml version="1.0" encoding="utf-8"?>
+<p:sld xmlns:a="http://schemas.openxmlformats.org/drawingml/2006/main" xmlns:r="http://schemas.openxmlformats.org/officeDocument/2006/relationships" xmlns:p="http://schemas.openxmlformats.org/presentationml/2006/main">
+  <p:cSld>
+    <p:spTree>
+      <p:nvGrpSpPr>
+        <p:cNvPr id="1" name=""/>
+        <p:cNvGrpSpPr/>
+        <p:nvPr/>
+      </p:nvGrpSpPr>
+      <p:grpSpPr>
+        <a:xfrm>
+          <a:off x="0" y="0"/>
+          <a:ext cx="0" cy="0"/>
+          <a:chOff x="0" y="0"/>
+          <a:chExt cx="0" cy="0"/>
+        </a:xfrm>
+      </p:grpSpPr>
+      <p:sp>
+        <p:nvSpPr>
           <p:cNvPr id="2" name="Espace réservé du numéro de diapositive 1">
             <a:extLst>
               <a:ext uri="{FF2B5EF4-FFF2-40B4-BE49-F238E27FC236}">
-                <a16:creationId xmlns:a16="http://schemas.microsoft.com/office/drawing/2014/main" xmlns="" id="{2321A203-6AC1-493F-93DB-BFAEC04F051F}"/>
+                <a16:creationId xmlns="" xmlns:a16="http://schemas.microsoft.com/office/drawing/2014/main" id="{2321A203-6AC1-493F-93DB-BFAEC04F051F}"/>
               </a:ext>
             </a:extLst>
           </p:cNvPr>
@@ -9064,7 +11799,7 @@
             <a:fld id="{4FAB73BC-B049-4115-A692-8D63A059BFB8}" type="slidenum">
               <a:rPr lang="en-US" smtClean="0"/>
               <a:pPr/>
-              <a:t>6</a:t>
+              <a:t>7</a:t>
             </a:fld>
             <a:endParaRPr lang="en-US" dirty="0"/>
           </a:p>
@@ -9075,7 +11810,7 @@
           <p:cNvPr id="3" name="Titre 2">
             <a:extLst>
               <a:ext uri="{FF2B5EF4-FFF2-40B4-BE49-F238E27FC236}">
-                <a16:creationId xmlns:a16="http://schemas.microsoft.com/office/drawing/2014/main" xmlns="" id="{03F375E3-4CB9-4434-8CDA-0659DE5DA816}"/>
+                <a16:creationId xmlns="" xmlns:a16="http://schemas.microsoft.com/office/drawing/2014/main" id="{03F375E3-4CB9-4434-8CDA-0659DE5DA816}"/>
               </a:ext>
             </a:extLst>
           </p:cNvPr>
@@ -9104,7 +11839,7 @@
           <p:cNvPr id="4" name="Espace réservé du contenu 5">
             <a:extLst>
               <a:ext uri="{FF2B5EF4-FFF2-40B4-BE49-F238E27FC236}">
-                <a16:creationId xmlns:a16="http://schemas.microsoft.com/office/drawing/2014/main" xmlns="" id="{940F86CA-C09E-4C40-AAA7-78427D5B0B7F}"/>
+                <a16:creationId xmlns="" xmlns:a16="http://schemas.microsoft.com/office/drawing/2014/main" id="{940F86CA-C09E-4C40-AAA7-78427D5B0B7F}"/>
               </a:ext>
             </a:extLst>
           </p:cNvPr>
@@ -9134,7 +11869,7 @@
           <p:cNvPr id="5" name="Groupe 4">
             <a:extLst>
               <a:ext uri="{FF2B5EF4-FFF2-40B4-BE49-F238E27FC236}">
-                <a16:creationId xmlns:a16="http://schemas.microsoft.com/office/drawing/2014/main" xmlns="" id="{083A7DCE-1A8F-4FBB-A0B9-13574DA0F9A8}"/>
+                <a16:creationId xmlns="" xmlns:a16="http://schemas.microsoft.com/office/drawing/2014/main" id="{083A7DCE-1A8F-4FBB-A0B9-13574DA0F9A8}"/>
               </a:ext>
             </a:extLst>
           </p:cNvPr>
@@ -9154,7 +11889,7 @@
             <p:cNvPr id="6" name="Connecteur droit avec flèche 5">
               <a:extLst>
                 <a:ext uri="{FF2B5EF4-FFF2-40B4-BE49-F238E27FC236}">
-                  <a16:creationId xmlns:a16="http://schemas.microsoft.com/office/drawing/2014/main" xmlns="" id="{C98C157B-8B11-4291-8F00-C4179CB76DCC}"/>
+                  <a16:creationId xmlns="" xmlns:a16="http://schemas.microsoft.com/office/drawing/2014/main" id="{C98C157B-8B11-4291-8F00-C4179CB76DCC}"/>
                 </a:ext>
               </a:extLst>
             </p:cNvPr>
@@ -9198,7 +11933,7 @@
             <p:cNvPr id="7" name="ZoneTexte 6">
               <a:extLst>
                 <a:ext uri="{FF2B5EF4-FFF2-40B4-BE49-F238E27FC236}">
-                  <a16:creationId xmlns:a16="http://schemas.microsoft.com/office/drawing/2014/main" xmlns="" id="{6C1399C6-7A50-49F6-B27A-25707E446F72}"/>
+                  <a16:creationId xmlns="" xmlns:a16="http://schemas.microsoft.com/office/drawing/2014/main" id="{6C1399C6-7A50-49F6-B27A-25707E446F72}"/>
                 </a:ext>
               </a:extLst>
             </p:cNvPr>
@@ -9238,7 +11973,7 @@
           <p:cNvPr id="8" name="ZoneTexte 7">
             <a:extLst>
               <a:ext uri="{FF2B5EF4-FFF2-40B4-BE49-F238E27FC236}">
-                <a16:creationId xmlns:a16="http://schemas.microsoft.com/office/drawing/2014/main" xmlns="" id="{F4D558A5-1C17-4469-8DF8-34F1B6CC486A}"/>
+                <a16:creationId xmlns="" xmlns:a16="http://schemas.microsoft.com/office/drawing/2014/main" id="{F4D558A5-1C17-4469-8DF8-34F1B6CC486A}"/>
               </a:ext>
             </a:extLst>
           </p:cNvPr>
@@ -9290,7 +12025,7 @@
           <p:cNvPr id="9" name="Picture 2" descr="Image illustrative de l’article Benzaldéhyde">
             <a:extLst>
               <a:ext uri="{FF2B5EF4-FFF2-40B4-BE49-F238E27FC236}">
-                <a16:creationId xmlns:a16="http://schemas.microsoft.com/office/drawing/2014/main" xmlns="" id="{88F44BF9-69CC-4180-B7B0-672935E7FB4B}"/>
+                <a16:creationId xmlns="" xmlns:a16="http://schemas.microsoft.com/office/drawing/2014/main" id="{88F44BF9-69CC-4180-B7B0-672935E7FB4B}"/>
               </a:ext>
             </a:extLst>
           </p:cNvPr>
@@ -9337,7 +12072,7 @@
           <p:cNvPr id="10" name="ZoneTexte 9">
             <a:extLst>
               <a:ext uri="{FF2B5EF4-FFF2-40B4-BE49-F238E27FC236}">
-                <a16:creationId xmlns:a16="http://schemas.microsoft.com/office/drawing/2014/main" xmlns="" id="{4F09EFE7-AF7B-41CC-A459-43C6A3AF1248}"/>
+                <a16:creationId xmlns="" xmlns:a16="http://schemas.microsoft.com/office/drawing/2014/main" id="{4F09EFE7-AF7B-41CC-A459-43C6A3AF1248}"/>
               </a:ext>
             </a:extLst>
           </p:cNvPr>
@@ -9399,7 +12134,7 @@
           <p:cNvPr id="11" name="Picture 10" descr="Image illustrative de l’article Éther diéthylique">
             <a:extLst>
               <a:ext uri="{FF2B5EF4-FFF2-40B4-BE49-F238E27FC236}">
-                <a16:creationId xmlns:a16="http://schemas.microsoft.com/office/drawing/2014/main" xmlns="" id="{68934DD8-F1C2-48E9-9E04-8BE00C08DA4A}"/>
+                <a16:creationId xmlns="" xmlns:a16="http://schemas.microsoft.com/office/drawing/2014/main" id="{68934DD8-F1C2-48E9-9E04-8BE00C08DA4A}"/>
               </a:ext>
             </a:extLst>
           </p:cNvPr>
@@ -9445,305 +12180,6 @@
     <p:extLst>
       <p:ext uri="{BB962C8B-B14F-4D97-AF65-F5344CB8AC3E}">
         <p14:creationId xmlns:p14="http://schemas.microsoft.com/office/powerpoint/2010/main" val="3426132005"/>
-      </p:ext>
-    </p:extLst>
-  </p:cSld>
-  <p:clrMapOvr>
-    <a:masterClrMapping/>
-  </p:clrMapOvr>
-</p:sld>
-</file>
-
-<file path=ppt/slides/slide7.xml><?xml version="1.0" encoding="utf-8"?>
-<p:sld xmlns:a="http://schemas.openxmlformats.org/drawingml/2006/main" xmlns:r="http://schemas.openxmlformats.org/officeDocument/2006/relationships" xmlns:p="http://schemas.openxmlformats.org/presentationml/2006/main">
-  <p:cSld>
-    <p:spTree>
-      <p:nvGrpSpPr>
-        <p:cNvPr id="1" name=""/>
-        <p:cNvGrpSpPr/>
-        <p:nvPr/>
-      </p:nvGrpSpPr>
-      <p:grpSpPr>
-        <a:xfrm>
-          <a:off x="0" y="0"/>
-          <a:ext cx="0" cy="0"/>
-          <a:chOff x="0" y="0"/>
-          <a:chExt cx="0" cy="0"/>
-        </a:xfrm>
-      </p:grpSpPr>
-      <p:sp>
-        <p:nvSpPr>
-          <p:cNvPr id="3" name="Titre 2"/>
-          <p:cNvSpPr>
-            <a:spLocks noGrp="1"/>
-          </p:cNvSpPr>
-          <p:nvPr>
-            <p:ph type="title"/>
-          </p:nvPr>
-        </p:nvSpPr>
-        <p:spPr/>
-        <p:txBody>
-          <a:bodyPr/>
-          <a:lstStyle/>
-          <a:p>
-            <a:r>
-              <a:rPr lang="fr-FR" dirty="0" smtClean="0"/>
-              <a:t>Traitement de la phase aqueuse</a:t>
-            </a:r>
-            <a:endParaRPr lang="fr-FR" dirty="0"/>
-          </a:p>
-        </p:txBody>
-      </p:sp>
-      <p:pic>
-        <p:nvPicPr>
-          <p:cNvPr id="4" name="Image 3"/>
-          <p:cNvPicPr>
-            <a:picLocks noChangeAspect="1"/>
-          </p:cNvPicPr>
-          <p:nvPr/>
-        </p:nvPicPr>
-        <p:blipFill>
-          <a:blip r:embed="rId2"/>
-          <a:stretch>
-            <a:fillRect/>
-          </a:stretch>
-        </p:blipFill>
-        <p:spPr>
-          <a:xfrm>
-            <a:off x="923192" y="1739116"/>
-            <a:ext cx="1104900" cy="1612900"/>
-          </a:xfrm>
-          <a:prstGeom prst="rect">
-            <a:avLst/>
-          </a:prstGeom>
-        </p:spPr>
-      </p:pic>
-      <p:cxnSp>
-        <p:nvCxnSpPr>
-          <p:cNvPr id="6" name="Connecteur droit 5"/>
-          <p:cNvCxnSpPr/>
-          <p:nvPr/>
-        </p:nvCxnSpPr>
-        <p:spPr>
-          <a:xfrm>
-            <a:off x="1060554" y="2919477"/>
-            <a:ext cx="851061" cy="13092"/>
-          </a:xfrm>
-          <a:prstGeom prst="line">
-            <a:avLst/>
-          </a:prstGeom>
-          <a:ln>
-            <a:solidFill>
-              <a:srgbClr val="000000"/>
-            </a:solidFill>
-          </a:ln>
-        </p:spPr>
-        <p:style>
-          <a:lnRef idx="2">
-            <a:schemeClr val="accent1"/>
-          </a:lnRef>
-          <a:fillRef idx="0">
-            <a:schemeClr val="accent1"/>
-          </a:fillRef>
-          <a:effectRef idx="1">
-            <a:schemeClr val="accent1"/>
-          </a:effectRef>
-          <a:fontRef idx="minor">
-            <a:schemeClr val="tx1"/>
-          </a:fontRef>
-        </p:style>
-      </p:cxnSp>
-      <p:cxnSp>
-        <p:nvCxnSpPr>
-          <p:cNvPr id="8" name="Connecteur droit avec flèche 7"/>
-          <p:cNvCxnSpPr/>
-          <p:nvPr/>
-        </p:nvCxnSpPr>
-        <p:spPr>
-          <a:xfrm flipH="1">
-            <a:off x="1579474" y="3076580"/>
-            <a:ext cx="697544" cy="0"/>
-          </a:xfrm>
-          <a:prstGeom prst="straightConnector1">
-            <a:avLst/>
-          </a:prstGeom>
-          <a:ln>
-            <a:solidFill>
-              <a:srgbClr val="000000"/>
-            </a:solidFill>
-            <a:tailEnd type="arrow"/>
-          </a:ln>
-        </p:spPr>
-        <p:style>
-          <a:lnRef idx="2">
-            <a:schemeClr val="accent1"/>
-          </a:lnRef>
-          <a:fillRef idx="0">
-            <a:schemeClr val="accent1"/>
-          </a:fillRef>
-          <a:effectRef idx="1">
-            <a:schemeClr val="accent1"/>
-          </a:effectRef>
-          <a:fontRef idx="minor">
-            <a:schemeClr val="tx1"/>
-          </a:fontRef>
-        </p:style>
-      </p:cxnSp>
-      <p:sp>
-        <p:nvSpPr>
-          <p:cNvPr id="9" name="ZoneTexte 8"/>
-          <p:cNvSpPr txBox="1"/>
-          <p:nvPr/>
-        </p:nvSpPr>
-        <p:spPr>
-          <a:xfrm>
-            <a:off x="2261923" y="2604144"/>
-            <a:ext cx="4185761" cy="1200329"/>
-          </a:xfrm>
-          <a:prstGeom prst="rect">
-            <a:avLst/>
-          </a:prstGeom>
-          <a:noFill/>
-        </p:spPr>
-        <p:txBody>
-          <a:bodyPr wrap="none" rtlCol="0">
-            <a:spAutoFit/>
-          </a:bodyPr>
-          <a:lstStyle/>
-          <a:p>
-            <a:pPr marL="285750" lvl="0" indent="-285750">
-              <a:buFont typeface="Arial"/>
-              <a:buChar char="•"/>
-            </a:pPr>
-            <a:r>
-              <a:rPr lang="fr-FR" dirty="0" smtClean="0"/>
-              <a:t>Solvant : Eau</a:t>
-            </a:r>
-          </a:p>
-          <a:p>
-            <a:pPr marL="285750" lvl="0" indent="-285750">
-              <a:buFont typeface="Arial"/>
-              <a:buChar char="•"/>
-            </a:pPr>
-            <a:r>
-              <a:rPr lang="fr-FR" dirty="0" smtClean="0"/>
-              <a:t>Ion </a:t>
-            </a:r>
-            <a:r>
-              <a:rPr lang="fr-FR" dirty="0"/>
-              <a:t>éthanoate en phase aqueuse </a:t>
-            </a:r>
-          </a:p>
-          <a:p>
-            <a:pPr marL="285750" lvl="0" indent="-285750">
-              <a:buFont typeface="Arial"/>
-              <a:buChar char="•"/>
-            </a:pPr>
-            <a:r>
-              <a:rPr lang="fr-FR" dirty="0"/>
-              <a:t>Hydrogénocarbonate de sodium </a:t>
-            </a:r>
-            <a:r>
-              <a:rPr lang="fr-FR" dirty="0" smtClean="0"/>
-              <a:t>(excès)</a:t>
-            </a:r>
-          </a:p>
-          <a:p>
-            <a:pPr marL="285750" lvl="0" indent="-285750">
-              <a:buFont typeface="Arial"/>
-              <a:buChar char="•"/>
-            </a:pPr>
-            <a:r>
-              <a:rPr lang="fr-FR" dirty="0" smtClean="0"/>
-              <a:t>Traces de phase organique</a:t>
-            </a:r>
-          </a:p>
-        </p:txBody>
-      </p:sp>
-      <p:sp>
-        <p:nvSpPr>
-          <p:cNvPr id="5" name="Demi-tour 4"/>
-          <p:cNvSpPr/>
-          <p:nvPr/>
-        </p:nvSpPr>
-        <p:spPr>
-          <a:xfrm flipH="1">
-            <a:off x="1310917" y="1297367"/>
-            <a:ext cx="1365541" cy="600887"/>
-          </a:xfrm>
-          <a:prstGeom prst="uturnArrow">
-            <a:avLst/>
-          </a:prstGeom>
-          <a:solidFill>
-            <a:srgbClr val="CA7362"/>
-          </a:solidFill>
-          <a:ln>
-            <a:noFill/>
-          </a:ln>
-        </p:spPr>
-        <p:style>
-          <a:lnRef idx="2">
-            <a:schemeClr val="accent1">
-              <a:shade val="50000"/>
-            </a:schemeClr>
-          </a:lnRef>
-          <a:fillRef idx="1">
-            <a:schemeClr val="accent1"/>
-          </a:fillRef>
-          <a:effectRef idx="0">
-            <a:schemeClr val="accent1"/>
-          </a:effectRef>
-          <a:fontRef idx="minor">
-            <a:schemeClr val="lt1"/>
-          </a:fontRef>
-        </p:style>
-        <p:txBody>
-          <a:bodyPr rtlCol="0" anchor="ctr"/>
-          <a:lstStyle/>
-          <a:p>
-            <a:pPr algn="ctr"/>
-            <a:endParaRPr lang="fr-FR">
-              <a:solidFill>
-                <a:schemeClr val="tx1"/>
-              </a:solidFill>
-            </a:endParaRPr>
-          </a:p>
-        </p:txBody>
-      </p:sp>
-      <p:sp>
-        <p:nvSpPr>
-          <p:cNvPr id="7" name="ZoneTexte 6"/>
-          <p:cNvSpPr txBox="1"/>
-          <p:nvPr/>
-        </p:nvSpPr>
-        <p:spPr>
-          <a:xfrm>
-            <a:off x="2232014" y="1913605"/>
-            <a:ext cx="3018775" cy="369332"/>
-          </a:xfrm>
-          <a:prstGeom prst="rect">
-            <a:avLst/>
-          </a:prstGeom>
-          <a:noFill/>
-        </p:spPr>
-        <p:txBody>
-          <a:bodyPr wrap="none" rtlCol="0">
-            <a:spAutoFit/>
-          </a:bodyPr>
-          <a:lstStyle/>
-          <a:p>
-            <a:r>
-              <a:rPr lang="fr-FR" dirty="0" smtClean="0"/>
-              <a:t>10mL acide sulfurique 1 mol/L </a:t>
-            </a:r>
-            <a:endParaRPr lang="fr-FR" dirty="0"/>
-          </a:p>
-        </p:txBody>
-      </p:sp>
-    </p:spTree>
-    <p:extLst>
-      <p:ext uri="{BB962C8B-B14F-4D97-AF65-F5344CB8AC3E}">
-        <p14:creationId xmlns:p14="http://schemas.microsoft.com/office/powerpoint/2010/main" val="1542667358"/>
       </p:ext>
     </p:extLst>
   </p:cSld>
@@ -9860,7 +12296,7 @@
         </p:nvCxnSpPr>
         <p:spPr>
           <a:xfrm flipH="1">
-            <a:off x="1566381" y="3037304"/>
+            <a:off x="1579474" y="3076580"/>
             <a:ext cx="697544" cy="0"/>
           </a:xfrm>
           <a:prstGeom prst="straightConnector1">
@@ -9897,7 +12333,7 @@
         <p:spPr>
           <a:xfrm>
             <a:off x="2261923" y="2604144"/>
-            <a:ext cx="2967479" cy="646331"/>
+            <a:ext cx="4185761" cy="1200329"/>
           </a:xfrm>
           <a:prstGeom prst="rect">
             <a:avLst/>
@@ -9925,31 +12361,69 @@
               <a:buChar char="•"/>
             </a:pPr>
             <a:r>
+              <a:rPr lang="fr-FR" dirty="0" smtClean="0">
+                <a:solidFill>
+                  <a:srgbClr val="CA7362"/>
+                </a:solidFill>
+              </a:rPr>
+              <a:t>Ions benzoates</a:t>
+            </a:r>
+            <a:endParaRPr lang="fr-FR" dirty="0">
+              <a:solidFill>
+                <a:srgbClr val="CA7362"/>
+              </a:solidFill>
+            </a:endParaRPr>
+          </a:p>
+          <a:p>
+            <a:pPr marL="285750" lvl="0" indent="-285750">
+              <a:buFont typeface="Arial"/>
+              <a:buChar char="•"/>
+            </a:pPr>
+            <a:r>
+              <a:rPr lang="fr-FR" dirty="0">
+                <a:solidFill>
+                  <a:srgbClr val="CA7362"/>
+                </a:solidFill>
+              </a:rPr>
+              <a:t>Hydrogénocarbonate de sodium </a:t>
+            </a:r>
+            <a:r>
+              <a:rPr lang="fr-FR" dirty="0" smtClean="0">
+                <a:solidFill>
+                  <a:srgbClr val="CA7362"/>
+                </a:solidFill>
+              </a:rPr>
+              <a:t>(excès)</a:t>
+            </a:r>
+          </a:p>
+          <a:p>
+            <a:pPr marL="285750" lvl="0" indent="-285750">
+              <a:buFont typeface="Arial"/>
+              <a:buChar char="•"/>
+            </a:pPr>
+            <a:r>
               <a:rPr lang="fr-FR" dirty="0" smtClean="0"/>
               <a:t>Traces de phase organique</a:t>
             </a:r>
-            <a:endParaRPr lang="fr-FR" dirty="0"/>
-          </a:p>
-        </p:txBody>
-      </p:sp>
-      <p:sp>
-        <p:nvSpPr>
-          <p:cNvPr id="2" name="Triangle isocèle 1"/>
+          </a:p>
+        </p:txBody>
+      </p:sp>
+      <p:sp>
+        <p:nvSpPr>
+          <p:cNvPr id="5" name="Demi-tour 4"/>
           <p:cNvSpPr/>
           <p:nvPr/>
         </p:nvSpPr>
         <p:spPr>
-          <a:xfrm>
-            <a:off x="1047459" y="3128947"/>
-            <a:ext cx="759410" cy="170193"/>
-          </a:xfrm>
-          <a:prstGeom prst="triangle">
+          <a:xfrm flipH="1">
+            <a:off x="1310917" y="1297367"/>
+            <a:ext cx="1365541" cy="600887"/>
+          </a:xfrm>
+          <a:prstGeom prst="uturnArrow">
             <a:avLst/>
           </a:prstGeom>
           <a:solidFill>
-            <a:schemeClr val="bg1">
-              <a:lumMod val="65000"/>
-            </a:schemeClr>
+            <a:srgbClr val="CA7362"/>
           </a:solidFill>
           <a:ln>
             <a:noFill/>
@@ -9976,166 +12450,24 @@
           <a:lstStyle/>
           <a:p>
             <a:pPr algn="ctr"/>
-            <a:endParaRPr lang="fr-FR"/>
-          </a:p>
-        </p:txBody>
-      </p:sp>
-      <p:sp>
-        <p:nvSpPr>
-          <p:cNvPr id="5" name="Rectangle 4"/>
-          <p:cNvSpPr/>
-          <p:nvPr/>
-        </p:nvSpPr>
-        <p:spPr>
-          <a:xfrm>
-            <a:off x="2371044" y="3303511"/>
-            <a:ext cx="2621230" cy="369332"/>
-          </a:xfrm>
-          <a:prstGeom prst="rect">
-            <a:avLst/>
-          </a:prstGeom>
-        </p:spPr>
-        <p:txBody>
-          <a:bodyPr wrap="none">
-            <a:spAutoFit/>
-          </a:bodyPr>
-          <a:lstStyle/>
-          <a:p>
-            <a:pPr marL="285750" lvl="0" indent="-285750">
-              <a:buFont typeface="Arial"/>
-              <a:buChar char="•"/>
-            </a:pPr>
-            <a:r>
-              <a:rPr lang="fr-FR" dirty="0"/>
-              <a:t>Acide benzoïque solide</a:t>
-            </a:r>
-          </a:p>
-        </p:txBody>
-      </p:sp>
-      <p:cxnSp>
-        <p:nvCxnSpPr>
-          <p:cNvPr id="10" name="Connecteur droit avec flèche 9"/>
-          <p:cNvCxnSpPr/>
-          <p:nvPr/>
-        </p:nvCxnSpPr>
-        <p:spPr>
-          <a:xfrm flipH="1" flipV="1">
-            <a:off x="1417637" y="3189704"/>
-            <a:ext cx="284486" cy="318905"/>
-          </a:xfrm>
-          <a:prstGeom prst="straightConnector1">
-            <a:avLst/>
-          </a:prstGeom>
-          <a:ln>
-            <a:solidFill>
-              <a:srgbClr val="000000"/>
-            </a:solidFill>
-            <a:tailEnd type="arrow"/>
-          </a:ln>
-        </p:spPr>
-        <p:style>
-          <a:lnRef idx="2">
-            <a:schemeClr val="accent1"/>
-          </a:lnRef>
-          <a:fillRef idx="0">
-            <a:schemeClr val="accent1"/>
-          </a:fillRef>
-          <a:effectRef idx="1">
-            <a:schemeClr val="accent1"/>
-          </a:effectRef>
-          <a:fontRef idx="minor">
-            <a:schemeClr val="tx1"/>
-          </a:fontRef>
-        </p:style>
-      </p:cxnSp>
-      <p:cxnSp>
-        <p:nvCxnSpPr>
-          <p:cNvPr id="13" name="Connecteur droit 12"/>
-          <p:cNvCxnSpPr/>
-          <p:nvPr/>
-        </p:nvCxnSpPr>
-        <p:spPr>
-          <a:xfrm>
-            <a:off x="1689030" y="3508609"/>
-            <a:ext cx="576103" cy="0"/>
-          </a:xfrm>
-          <a:prstGeom prst="line">
-            <a:avLst/>
-          </a:prstGeom>
-          <a:ln>
-            <a:solidFill>
-              <a:srgbClr val="000000"/>
-            </a:solidFill>
-          </a:ln>
-        </p:spPr>
-        <p:style>
-          <a:lnRef idx="2">
-            <a:schemeClr val="accent1"/>
-          </a:lnRef>
-          <a:fillRef idx="0">
-            <a:schemeClr val="accent1"/>
-          </a:fillRef>
-          <a:effectRef idx="1">
-            <a:schemeClr val="accent1"/>
-          </a:effectRef>
-          <a:fontRef idx="minor">
-            <a:schemeClr val="tx1"/>
-          </a:fontRef>
-        </p:style>
-      </p:cxnSp>
-      <p:sp>
-        <p:nvSpPr>
-          <p:cNvPr id="16" name="Accolade fermante 15"/>
-          <p:cNvSpPr/>
-          <p:nvPr/>
-        </p:nvSpPr>
-        <p:spPr>
-          <a:xfrm>
-            <a:off x="5276581" y="1531744"/>
-            <a:ext cx="458263" cy="2343436"/>
-          </a:xfrm>
-          <a:prstGeom prst="rightBrace">
-            <a:avLst/>
-          </a:prstGeom>
-          <a:ln>
-            <a:solidFill>
-              <a:srgbClr val="CA7362"/>
-            </a:solidFill>
-          </a:ln>
-        </p:spPr>
-        <p:style>
-          <a:lnRef idx="2">
-            <a:schemeClr val="accent1"/>
-          </a:lnRef>
-          <a:fillRef idx="0">
-            <a:schemeClr val="accent1"/>
-          </a:fillRef>
-          <a:effectRef idx="1">
-            <a:schemeClr val="accent1"/>
-          </a:effectRef>
-          <a:fontRef idx="minor">
-            <a:schemeClr val="tx1"/>
-          </a:fontRef>
-        </p:style>
-        <p:txBody>
-          <a:bodyPr rtlCol="0" anchor="ctr"/>
-          <a:lstStyle/>
-          <a:p>
-            <a:pPr algn="ctr"/>
-            <a:endParaRPr lang="fr-FR"/>
-          </a:p>
-        </p:txBody>
-      </p:sp>
-      <p:sp>
-        <p:nvSpPr>
-          <p:cNvPr id="17" name="ZoneTexte 16"/>
+            <a:endParaRPr lang="fr-FR">
+              <a:solidFill>
+                <a:schemeClr val="tx1"/>
+              </a:solidFill>
+            </a:endParaRPr>
+          </a:p>
+        </p:txBody>
+      </p:sp>
+      <p:sp>
+        <p:nvSpPr>
+          <p:cNvPr id="7" name="ZoneTexte 6"/>
           <p:cNvSpPr txBox="1"/>
           <p:nvPr/>
         </p:nvSpPr>
         <p:spPr>
           <a:xfrm>
-            <a:off x="5891964" y="2500539"/>
-            <a:ext cx="2509446" cy="646331"/>
+            <a:off x="2232014" y="1913605"/>
+            <a:ext cx="3018775" cy="369332"/>
           </a:xfrm>
           <a:prstGeom prst="rect">
             <a:avLst/>
@@ -10149,23 +12481,213 @@
           <a:lstStyle/>
           <a:p>
             <a:r>
-              <a:rPr lang="fr-FR" dirty="0" smtClean="0"/>
-              <a:t>Nécessité d’une </a:t>
-            </a:r>
-          </a:p>
-          <a:p>
-            <a:r>
-              <a:rPr lang="fr-FR" b="1" dirty="0" smtClean="0"/>
-              <a:t>Extraction solide-liquide</a:t>
-            </a:r>
-            <a:endParaRPr lang="fr-FR" b="1" dirty="0"/>
+              <a:rPr lang="fr-FR" dirty="0" smtClean="0">
+                <a:solidFill>
+                  <a:srgbClr val="CA7362"/>
+                </a:solidFill>
+              </a:rPr>
+              <a:t>10mL acide sulfurique 1 mol/L </a:t>
+            </a:r>
+            <a:endParaRPr lang="fr-FR" dirty="0">
+              <a:solidFill>
+                <a:srgbClr val="CA7362"/>
+              </a:solidFill>
+            </a:endParaRPr>
+          </a:p>
+        </p:txBody>
+      </p:sp>
+      <p:sp>
+        <p:nvSpPr>
+          <p:cNvPr id="2" name="Flèche vers la droite 1"/>
+          <p:cNvSpPr/>
+          <p:nvPr/>
+        </p:nvSpPr>
+        <p:spPr>
+          <a:xfrm>
+            <a:off x="4427340" y="2979048"/>
+            <a:ext cx="2219605" cy="189900"/>
+          </a:xfrm>
+          <a:prstGeom prst="rightArrow">
+            <a:avLst/>
+          </a:prstGeom>
+          <a:solidFill>
+            <a:srgbClr val="CA7362"/>
+          </a:solidFill>
+          <a:ln>
+            <a:noFill/>
+          </a:ln>
+        </p:spPr>
+        <p:style>
+          <a:lnRef idx="2">
+            <a:schemeClr val="accent1">
+              <a:shade val="50000"/>
+            </a:schemeClr>
+          </a:lnRef>
+          <a:fillRef idx="1">
+            <a:schemeClr val="accent1"/>
+          </a:fillRef>
+          <a:effectRef idx="0">
+            <a:schemeClr val="accent1"/>
+          </a:effectRef>
+          <a:fontRef idx="minor">
+            <a:schemeClr val="lt1"/>
+          </a:fontRef>
+        </p:style>
+        <p:txBody>
+          <a:bodyPr rtlCol="0" anchor="ctr"/>
+          <a:lstStyle/>
+          <a:p>
+            <a:pPr algn="ctr"/>
+            <a:endParaRPr lang="fr-FR">
+              <a:solidFill>
+                <a:schemeClr val="tx1"/>
+              </a:solidFill>
+            </a:endParaRPr>
+          </a:p>
+        </p:txBody>
+      </p:sp>
+      <p:sp>
+        <p:nvSpPr>
+          <p:cNvPr id="10" name="ZoneTexte 9"/>
+          <p:cNvSpPr txBox="1"/>
+          <p:nvPr/>
+        </p:nvSpPr>
+        <p:spPr>
+          <a:xfrm>
+            <a:off x="6770446" y="2887100"/>
+            <a:ext cx="1737825" cy="369332"/>
+          </a:xfrm>
+          <a:prstGeom prst="rect">
+            <a:avLst/>
+          </a:prstGeom>
+          <a:noFill/>
+        </p:spPr>
+        <p:txBody>
+          <a:bodyPr wrap="none" rtlCol="0">
+            <a:spAutoFit/>
+          </a:bodyPr>
+          <a:lstStyle/>
+          <a:p>
+            <a:pPr lvl="0"/>
+            <a:r>
+              <a:rPr lang="fr-FR" dirty="0" smtClean="0">
+                <a:solidFill>
+                  <a:srgbClr val="CA7362"/>
+                </a:solidFill>
+              </a:rPr>
+              <a:t>Acide benzo</a:t>
+            </a:r>
+            <a:r>
+              <a:rPr lang="fr-FR" dirty="0" smtClean="0">
+                <a:solidFill>
+                  <a:srgbClr val="CA7362"/>
+                </a:solidFill>
+              </a:rPr>
+              <a:t>ïque</a:t>
+            </a:r>
+            <a:endParaRPr lang="fr-FR" dirty="0">
+              <a:solidFill>
+                <a:srgbClr val="CA7362"/>
+              </a:solidFill>
+            </a:endParaRPr>
+          </a:p>
+        </p:txBody>
+      </p:sp>
+      <p:sp>
+        <p:nvSpPr>
+          <p:cNvPr id="11" name="Flèche vers la droite 10"/>
+          <p:cNvSpPr/>
+          <p:nvPr/>
+        </p:nvSpPr>
+        <p:spPr>
+          <a:xfrm>
+            <a:off x="6360172" y="3238267"/>
+            <a:ext cx="322382" cy="203660"/>
+          </a:xfrm>
+          <a:prstGeom prst="rightArrow">
+            <a:avLst/>
+          </a:prstGeom>
+          <a:solidFill>
+            <a:srgbClr val="CA7362"/>
+          </a:solidFill>
+          <a:ln>
+            <a:noFill/>
+          </a:ln>
+        </p:spPr>
+        <p:style>
+          <a:lnRef idx="2">
+            <a:schemeClr val="accent1">
+              <a:shade val="50000"/>
+            </a:schemeClr>
+          </a:lnRef>
+          <a:fillRef idx="1">
+            <a:schemeClr val="accent1"/>
+          </a:fillRef>
+          <a:effectRef idx="0">
+            <a:schemeClr val="accent1"/>
+          </a:effectRef>
+          <a:fontRef idx="minor">
+            <a:schemeClr val="lt1"/>
+          </a:fontRef>
+        </p:style>
+        <p:txBody>
+          <a:bodyPr rtlCol="0" anchor="ctr"/>
+          <a:lstStyle/>
+          <a:p>
+            <a:pPr algn="ctr"/>
+            <a:endParaRPr lang="fr-FR">
+              <a:solidFill>
+                <a:schemeClr val="tx1"/>
+              </a:solidFill>
+            </a:endParaRPr>
+          </a:p>
+        </p:txBody>
+      </p:sp>
+      <p:sp>
+        <p:nvSpPr>
+          <p:cNvPr id="12" name="ZoneTexte 11"/>
+          <p:cNvSpPr txBox="1"/>
+          <p:nvPr/>
+        </p:nvSpPr>
+        <p:spPr>
+          <a:xfrm>
+            <a:off x="6765637" y="3121470"/>
+            <a:ext cx="577577" cy="369332"/>
+          </a:xfrm>
+          <a:prstGeom prst="rect">
+            <a:avLst/>
+          </a:prstGeom>
+          <a:noFill/>
+        </p:spPr>
+        <p:txBody>
+          <a:bodyPr wrap="none" rtlCol="0">
+            <a:spAutoFit/>
+          </a:bodyPr>
+          <a:lstStyle/>
+          <a:p>
+            <a:r>
+              <a:rPr lang="fr-FR" dirty="0">
+                <a:solidFill>
+                  <a:srgbClr val="CA7362"/>
+                </a:solidFill>
+              </a:rPr>
+              <a:t>CO</a:t>
+            </a:r>
+            <a:r>
+              <a:rPr lang="fr-FR" dirty="0">
+                <a:solidFill>
+                  <a:srgbClr val="CA7362"/>
+                </a:solidFill>
+              </a:rPr>
+              <a:t>2</a:t>
+            </a:r>
           </a:p>
         </p:txBody>
       </p:sp>
     </p:spTree>
     <p:extLst>
       <p:ext uri="{BB962C8B-B14F-4D97-AF65-F5344CB8AC3E}">
-        <p14:creationId xmlns:p14="http://schemas.microsoft.com/office/powerpoint/2010/main" val="4011323944"/>
+        <p14:creationId xmlns:p14="http://schemas.microsoft.com/office/powerpoint/2010/main" val="1542667358"/>
       </p:ext>
     </p:extLst>
   </p:cSld>
@@ -10194,43 +12716,7 @@
       </p:grpSpPr>
       <p:sp>
         <p:nvSpPr>
-          <p:cNvPr id="2" name="Espace réservé du numéro de diapositive 1">
-            <a:extLst>
-              <a:ext uri="{FF2B5EF4-FFF2-40B4-BE49-F238E27FC236}">
-                <a16:creationId xmlns:a16="http://schemas.microsoft.com/office/drawing/2014/main" xmlns="" id="{F1FC155D-7866-4011-B11C-ED8147310944}"/>
-              </a:ext>
-            </a:extLst>
-          </p:cNvPr>
-          <p:cNvSpPr>
-            <a:spLocks noGrp="1"/>
-          </p:cNvSpPr>
-          <p:nvPr>
-            <p:ph type="sldNum" sz="quarter" idx="12"/>
-          </p:nvPr>
-        </p:nvSpPr>
-        <p:spPr/>
-        <p:txBody>
-          <a:bodyPr/>
-          <a:lstStyle/>
-          <a:p>
-            <a:fld id="{4FAB73BC-B049-4115-A692-8D63A059BFB8}" type="slidenum">
-              <a:rPr lang="en-US" smtClean="0"/>
-              <a:pPr/>
-              <a:t>9</a:t>
-            </a:fld>
-            <a:endParaRPr lang="en-US" dirty="0"/>
-          </a:p>
-        </p:txBody>
-      </p:sp>
-      <p:sp>
-        <p:nvSpPr>
-          <p:cNvPr id="3" name="Titre 2">
-            <a:extLst>
-              <a:ext uri="{FF2B5EF4-FFF2-40B4-BE49-F238E27FC236}">
-                <a16:creationId xmlns:a16="http://schemas.microsoft.com/office/drawing/2014/main" xmlns="" id="{66BB1BFB-8F92-4AF1-A11C-1E0ED415BAF6}"/>
-              </a:ext>
-            </a:extLst>
-          </p:cNvPr>
+          <p:cNvPr id="3" name="Titre 2"/>
           <p:cNvSpPr>
             <a:spLocks noGrp="1"/>
           </p:cNvSpPr>
@@ -10244,52 +12730,386 @@
           <a:lstStyle/>
           <a:p>
             <a:r>
-              <a:rPr lang="fr-FR" dirty="0"/>
-              <a:t>Séparation solide-liquide</a:t>
-            </a:r>
+              <a:rPr lang="fr-FR" dirty="0" smtClean="0"/>
+              <a:t>Traitement de la phase aqueuse</a:t>
+            </a:r>
+            <a:endParaRPr lang="fr-FR" dirty="0"/>
           </a:p>
         </p:txBody>
       </p:sp>
       <p:pic>
         <p:nvPicPr>
-          <p:cNvPr id="4" name="Image 3">
-            <a:extLst>
-              <a:ext uri="{FF2B5EF4-FFF2-40B4-BE49-F238E27FC236}">
-                <a16:creationId xmlns:a16="http://schemas.microsoft.com/office/drawing/2014/main" xmlns="" id="{0220AADC-D33C-4AE3-9893-6C9712747D4A}"/>
-              </a:ext>
-            </a:extLst>
-          </p:cNvPr>
+          <p:cNvPr id="4" name="Image 3"/>
           <p:cNvPicPr>
             <a:picLocks noChangeAspect="1"/>
           </p:cNvPicPr>
           <p:nvPr/>
         </p:nvPicPr>
         <p:blipFill>
-          <a:blip r:embed="rId2">
-            <a:extLst>
-              <a:ext uri="{28A0092B-C50C-407E-A947-70E740481C1C}">
-                <a14:useLocalDpi xmlns:a14="http://schemas.microsoft.com/office/drawing/2010/main" val="0"/>
-              </a:ext>
-            </a:extLst>
-          </a:blip>
+          <a:blip r:embed="rId2"/>
           <a:stretch>
             <a:fillRect/>
           </a:stretch>
         </p:blipFill>
         <p:spPr>
           <a:xfrm>
-            <a:off x="3002505" y="1051739"/>
-            <a:ext cx="2639171" cy="3581733"/>
+            <a:off x="923192" y="1739116"/>
+            <a:ext cx="1104900" cy="1612900"/>
           </a:xfrm>
           <a:prstGeom prst="rect">
             <a:avLst/>
           </a:prstGeom>
         </p:spPr>
       </p:pic>
+      <p:cxnSp>
+        <p:nvCxnSpPr>
+          <p:cNvPr id="6" name="Connecteur droit 5"/>
+          <p:cNvCxnSpPr/>
+          <p:nvPr/>
+        </p:nvCxnSpPr>
+        <p:spPr>
+          <a:xfrm>
+            <a:off x="1060554" y="2919477"/>
+            <a:ext cx="851061" cy="13092"/>
+          </a:xfrm>
+          <a:prstGeom prst="line">
+            <a:avLst/>
+          </a:prstGeom>
+          <a:ln>
+            <a:solidFill>
+              <a:srgbClr val="000000"/>
+            </a:solidFill>
+          </a:ln>
+        </p:spPr>
+        <p:style>
+          <a:lnRef idx="2">
+            <a:schemeClr val="accent1"/>
+          </a:lnRef>
+          <a:fillRef idx="0">
+            <a:schemeClr val="accent1"/>
+          </a:fillRef>
+          <a:effectRef idx="1">
+            <a:schemeClr val="accent1"/>
+          </a:effectRef>
+          <a:fontRef idx="minor">
+            <a:schemeClr val="tx1"/>
+          </a:fontRef>
+        </p:style>
+      </p:cxnSp>
+      <p:cxnSp>
+        <p:nvCxnSpPr>
+          <p:cNvPr id="8" name="Connecteur droit avec flèche 7"/>
+          <p:cNvCxnSpPr/>
+          <p:nvPr/>
+        </p:nvCxnSpPr>
+        <p:spPr>
+          <a:xfrm flipH="1">
+            <a:off x="1566381" y="3037304"/>
+            <a:ext cx="697544" cy="0"/>
+          </a:xfrm>
+          <a:prstGeom prst="straightConnector1">
+            <a:avLst/>
+          </a:prstGeom>
+          <a:ln>
+            <a:solidFill>
+              <a:srgbClr val="000000"/>
+            </a:solidFill>
+            <a:tailEnd type="arrow"/>
+          </a:ln>
+        </p:spPr>
+        <p:style>
+          <a:lnRef idx="2">
+            <a:schemeClr val="accent1"/>
+          </a:lnRef>
+          <a:fillRef idx="0">
+            <a:schemeClr val="accent1"/>
+          </a:fillRef>
+          <a:effectRef idx="1">
+            <a:schemeClr val="accent1"/>
+          </a:effectRef>
+          <a:fontRef idx="minor">
+            <a:schemeClr val="tx1"/>
+          </a:fontRef>
+        </p:style>
+      </p:cxnSp>
+      <p:sp>
+        <p:nvSpPr>
+          <p:cNvPr id="9" name="ZoneTexte 8"/>
+          <p:cNvSpPr txBox="1"/>
+          <p:nvPr/>
+        </p:nvSpPr>
+        <p:spPr>
+          <a:xfrm>
+            <a:off x="2261923" y="2604144"/>
+            <a:ext cx="2967479" cy="646331"/>
+          </a:xfrm>
+          <a:prstGeom prst="rect">
+            <a:avLst/>
+          </a:prstGeom>
+          <a:noFill/>
+        </p:spPr>
+        <p:txBody>
+          <a:bodyPr wrap="none" rtlCol="0">
+            <a:spAutoFit/>
+          </a:bodyPr>
+          <a:lstStyle/>
+          <a:p>
+            <a:pPr marL="285750" lvl="0" indent="-285750">
+              <a:buFont typeface="Arial"/>
+              <a:buChar char="•"/>
+            </a:pPr>
+            <a:r>
+              <a:rPr lang="fr-FR" dirty="0" smtClean="0"/>
+              <a:t>Solvant : Eau</a:t>
+            </a:r>
+          </a:p>
+          <a:p>
+            <a:pPr marL="285750" lvl="0" indent="-285750">
+              <a:buFont typeface="Arial"/>
+              <a:buChar char="•"/>
+            </a:pPr>
+            <a:r>
+              <a:rPr lang="fr-FR" dirty="0" smtClean="0"/>
+              <a:t>Traces de phase organique</a:t>
+            </a:r>
+            <a:endParaRPr lang="fr-FR" dirty="0"/>
+          </a:p>
+        </p:txBody>
+      </p:sp>
+      <p:sp>
+        <p:nvSpPr>
+          <p:cNvPr id="2" name="Triangle isocèle 1"/>
+          <p:cNvSpPr/>
+          <p:nvPr/>
+        </p:nvSpPr>
+        <p:spPr>
+          <a:xfrm>
+            <a:off x="1047459" y="3128947"/>
+            <a:ext cx="759410" cy="170193"/>
+          </a:xfrm>
+          <a:prstGeom prst="triangle">
+            <a:avLst/>
+          </a:prstGeom>
+          <a:solidFill>
+            <a:schemeClr val="bg1">
+              <a:lumMod val="65000"/>
+            </a:schemeClr>
+          </a:solidFill>
+          <a:ln>
+            <a:noFill/>
+          </a:ln>
+        </p:spPr>
+        <p:style>
+          <a:lnRef idx="2">
+            <a:schemeClr val="accent1">
+              <a:shade val="50000"/>
+            </a:schemeClr>
+          </a:lnRef>
+          <a:fillRef idx="1">
+            <a:schemeClr val="accent1"/>
+          </a:fillRef>
+          <a:effectRef idx="0">
+            <a:schemeClr val="accent1"/>
+          </a:effectRef>
+          <a:fontRef idx="minor">
+            <a:schemeClr val="lt1"/>
+          </a:fontRef>
+        </p:style>
+        <p:txBody>
+          <a:bodyPr rtlCol="0" anchor="ctr"/>
+          <a:lstStyle/>
+          <a:p>
+            <a:pPr algn="ctr"/>
+            <a:endParaRPr lang="fr-FR"/>
+          </a:p>
+        </p:txBody>
+      </p:sp>
+      <p:sp>
+        <p:nvSpPr>
+          <p:cNvPr id="5" name="Rectangle 4"/>
+          <p:cNvSpPr/>
+          <p:nvPr/>
+        </p:nvSpPr>
+        <p:spPr>
+          <a:xfrm>
+            <a:off x="2371044" y="3303511"/>
+            <a:ext cx="2621230" cy="369332"/>
+          </a:xfrm>
+          <a:prstGeom prst="rect">
+            <a:avLst/>
+          </a:prstGeom>
+        </p:spPr>
+        <p:txBody>
+          <a:bodyPr wrap="none">
+            <a:spAutoFit/>
+          </a:bodyPr>
+          <a:lstStyle/>
+          <a:p>
+            <a:pPr marL="285750" lvl="0" indent="-285750">
+              <a:buFont typeface="Arial"/>
+              <a:buChar char="•"/>
+            </a:pPr>
+            <a:r>
+              <a:rPr lang="fr-FR" dirty="0"/>
+              <a:t>Acide benzoïque solide</a:t>
+            </a:r>
+          </a:p>
+        </p:txBody>
+      </p:sp>
+      <p:cxnSp>
+        <p:nvCxnSpPr>
+          <p:cNvPr id="10" name="Connecteur droit avec flèche 9"/>
+          <p:cNvCxnSpPr/>
+          <p:nvPr/>
+        </p:nvCxnSpPr>
+        <p:spPr>
+          <a:xfrm flipH="1" flipV="1">
+            <a:off x="1417637" y="3189704"/>
+            <a:ext cx="284486" cy="318905"/>
+          </a:xfrm>
+          <a:prstGeom prst="straightConnector1">
+            <a:avLst/>
+          </a:prstGeom>
+          <a:ln>
+            <a:solidFill>
+              <a:srgbClr val="000000"/>
+            </a:solidFill>
+            <a:tailEnd type="arrow"/>
+          </a:ln>
+        </p:spPr>
+        <p:style>
+          <a:lnRef idx="2">
+            <a:schemeClr val="accent1"/>
+          </a:lnRef>
+          <a:fillRef idx="0">
+            <a:schemeClr val="accent1"/>
+          </a:fillRef>
+          <a:effectRef idx="1">
+            <a:schemeClr val="accent1"/>
+          </a:effectRef>
+          <a:fontRef idx="minor">
+            <a:schemeClr val="tx1"/>
+          </a:fontRef>
+        </p:style>
+      </p:cxnSp>
+      <p:cxnSp>
+        <p:nvCxnSpPr>
+          <p:cNvPr id="13" name="Connecteur droit 12"/>
+          <p:cNvCxnSpPr/>
+          <p:nvPr/>
+        </p:nvCxnSpPr>
+        <p:spPr>
+          <a:xfrm>
+            <a:off x="1689030" y="3508609"/>
+            <a:ext cx="576103" cy="0"/>
+          </a:xfrm>
+          <a:prstGeom prst="line">
+            <a:avLst/>
+          </a:prstGeom>
+          <a:ln>
+            <a:solidFill>
+              <a:srgbClr val="000000"/>
+            </a:solidFill>
+          </a:ln>
+        </p:spPr>
+        <p:style>
+          <a:lnRef idx="2">
+            <a:schemeClr val="accent1"/>
+          </a:lnRef>
+          <a:fillRef idx="0">
+            <a:schemeClr val="accent1"/>
+          </a:fillRef>
+          <a:effectRef idx="1">
+            <a:schemeClr val="accent1"/>
+          </a:effectRef>
+          <a:fontRef idx="minor">
+            <a:schemeClr val="tx1"/>
+          </a:fontRef>
+        </p:style>
+      </p:cxnSp>
+      <p:sp>
+        <p:nvSpPr>
+          <p:cNvPr id="16" name="Accolade fermante 15"/>
+          <p:cNvSpPr/>
+          <p:nvPr/>
+        </p:nvSpPr>
+        <p:spPr>
+          <a:xfrm>
+            <a:off x="5276581" y="1531744"/>
+            <a:ext cx="458263" cy="2343436"/>
+          </a:xfrm>
+          <a:prstGeom prst="rightBrace">
+            <a:avLst/>
+          </a:prstGeom>
+          <a:ln>
+            <a:solidFill>
+              <a:srgbClr val="CA7362"/>
+            </a:solidFill>
+          </a:ln>
+        </p:spPr>
+        <p:style>
+          <a:lnRef idx="2">
+            <a:schemeClr val="accent1"/>
+          </a:lnRef>
+          <a:fillRef idx="0">
+            <a:schemeClr val="accent1"/>
+          </a:fillRef>
+          <a:effectRef idx="1">
+            <a:schemeClr val="accent1"/>
+          </a:effectRef>
+          <a:fontRef idx="minor">
+            <a:schemeClr val="tx1"/>
+          </a:fontRef>
+        </p:style>
+        <p:txBody>
+          <a:bodyPr rtlCol="0" anchor="ctr"/>
+          <a:lstStyle/>
+          <a:p>
+            <a:pPr algn="ctr"/>
+            <a:endParaRPr lang="fr-FR"/>
+          </a:p>
+        </p:txBody>
+      </p:sp>
+      <p:sp>
+        <p:nvSpPr>
+          <p:cNvPr id="17" name="ZoneTexte 16"/>
+          <p:cNvSpPr txBox="1"/>
+          <p:nvPr/>
+        </p:nvSpPr>
+        <p:spPr>
+          <a:xfrm>
+            <a:off x="5891964" y="2500539"/>
+            <a:ext cx="2509446" cy="646331"/>
+          </a:xfrm>
+          <a:prstGeom prst="rect">
+            <a:avLst/>
+          </a:prstGeom>
+          <a:noFill/>
+        </p:spPr>
+        <p:txBody>
+          <a:bodyPr wrap="none" rtlCol="0">
+            <a:spAutoFit/>
+          </a:bodyPr>
+          <a:lstStyle/>
+          <a:p>
+            <a:r>
+              <a:rPr lang="fr-FR" dirty="0" smtClean="0"/>
+              <a:t>Nécessité d’une </a:t>
+            </a:r>
+          </a:p>
+          <a:p>
+            <a:r>
+              <a:rPr lang="fr-FR" b="1" dirty="0" smtClean="0"/>
+              <a:t>Extraction solide-liquide</a:t>
+            </a:r>
+            <a:endParaRPr lang="fr-FR" b="1" dirty="0"/>
+          </a:p>
+        </p:txBody>
+      </p:sp>
     </p:spTree>
     <p:extLst>
       <p:ext uri="{BB962C8B-B14F-4D97-AF65-F5344CB8AC3E}">
-        <p14:creationId xmlns:p14="http://schemas.microsoft.com/office/powerpoint/2010/main" val="1420676724"/>
+        <p14:creationId xmlns:p14="http://schemas.microsoft.com/office/powerpoint/2010/main" val="4011323944"/>
       </p:ext>
     </p:extLst>
   </p:cSld>
@@ -10605,7 +13425,7 @@
   <a:extraClrSchemeLst/>
   <a:extLst>
     <a:ext uri="{05A4C25C-085E-4340-85A3-A5531E510DB2}">
-      <thm15:themeFamily xmlns:thm15="http://schemas.microsoft.com/office/thememl/2012/main" xmlns="" name="Retrospect" id="{5F128B03-DCCA-4EEB-AB3B-CF2899314A46}" vid="{3F1AAB62-24C6-49D2-8E01-B56FAC9A3DCD}"/>
+      <thm15:themeFamily xmlns="" xmlns:thm15="http://schemas.microsoft.com/office/thememl/2012/main" name="Retrospect" id="{5F128B03-DCCA-4EEB-AB3B-CF2899314A46}" vid="{3F1AAB62-24C6-49D2-8E01-B56FAC9A3DCD}"/>
     </a:ext>
   </a:extLst>
 </a:theme>
@@ -10917,7 +13737,7 @@
   <a:extraClrSchemeLst/>
   <a:extLst>
     <a:ext uri="{05A4C25C-085E-4340-85A3-A5531E510DB2}">
-      <thm15:themeFamily xmlns:thm15="http://schemas.microsoft.com/office/thememl/2012/main" xmlns="" name="Retrospect" id="{5F128B03-DCCA-4EEB-AB3B-CF2899314A46}" vid="{3F1AAB62-24C6-49D2-8E01-B56FAC9A3DCD}"/>
+      <thm15:themeFamily xmlns="" xmlns:thm15="http://schemas.microsoft.com/office/thememl/2012/main" name="Retrospect" id="{5F128B03-DCCA-4EEB-AB3B-CF2899314A46}" vid="{3F1AAB62-24C6-49D2-8E01-B56FAC9A3DCD}"/>
     </a:ext>
   </a:extLst>
 </a:theme>
@@ -11212,7 +14032,7 @@
   <a:extraClrSchemeLst/>
   <a:extLst>
     <a:ext uri="{05A4C25C-085E-4340-85A3-A5531E510DB2}">
-      <thm15:themeFamily xmlns:thm15="http://schemas.microsoft.com/office/thememl/2012/main" xmlns="" name="Office Theme" id="{62F939B6-93AF-4DB8-9C6B-D6C7DFDC589F}" vid="{4A3C46E8-61CC-4603-A589-7422A47A8E4A}"/>
+      <thm15:themeFamily xmlns="" xmlns:thm15="http://schemas.microsoft.com/office/thememl/2012/main" name="Office Theme" id="{62F939B6-93AF-4DB8-9C6B-D6C7DFDC589F}" vid="{4A3C46E8-61CC-4603-A589-7422A47A8E4A}"/>
     </a:ext>
   </a:extLst>
 </a:theme>
